--- a/Power Automate Image Analytics/Power Automate Image Analytics.pptx
+++ b/Power Automate Image Analytics/Power Automate Image Analytics.pptx
@@ -208,7 +208,7 @@
           <a:p>
             <a:fld id="{34B5C9CA-2D5F-447E-9B79-C98CB45DDD68}" type="datetimeFigureOut">
               <a:rPr lang="en-US" smtClean="0"/>
-              <a:t>2/3/2020</a:t>
+              <a:t>4/25/2020</a:t>
             </a:fld>
             <a:endParaRPr lang="en-US"/>
           </a:p>
@@ -373,7 +373,7 @@
           <a:p>
             <a:fld id="{9FBB69ED-36D7-4532-B7E1-AEDC9E37F886}" type="datetimeFigureOut">
               <a:rPr lang="en-US" smtClean="0"/>
-              <a:t>2/3/2020</a:t>
+              <a:t>4/25/2020</a:t>
             </a:fld>
             <a:endParaRPr lang="en-US"/>
           </a:p>
@@ -7827,7 +7827,7 @@
                   </a:schemeClr>
                 </a:solidFill>
               </a:rPr>
-              <a:t>Attendees: Send in your pics</a:t>
+              <a:t>Attendees: Send in your pics!</a:t>
             </a:r>
           </a:p>
           <a:p>
@@ -8128,7 +8128,7 @@
                   </a:schemeClr>
                 </a:solidFill>
               </a:rPr>
-              <a:t>Power BI: SQL/Azure/Power Platform</a:t>
+              <a:t>Power BI, SQL/Azure/Power Platform</a:t>
             </a:r>
           </a:p>
           <a:p>
@@ -8149,7 +8149,28 @@
                   </a:schemeClr>
                 </a:solidFill>
               </a:rPr>
-              <a:t>Dublin PUG leader</a:t>
+              <a:t>Dublin Power BI UG Leader</a:t>
+            </a:r>
+          </a:p>
+          <a:p>
+            <a:pPr>
+              <a:spcBef>
+                <a:spcPts val="0"/>
+              </a:spcBef>
+              <a:spcAft>
+                <a:spcPts val="0"/>
+              </a:spcAft>
+            </a:pPr>
+            <a:r>
+              <a:rPr lang="en-US" sz="2000" dirty="0">
+                <a:solidFill>
+                  <a:schemeClr val="tx1">
+                    <a:lumMod val="75000"/>
+                    <a:lumOff val="25000"/>
+                  </a:schemeClr>
+                </a:solidFill>
+              </a:rPr>
+              <a:t>Microsoft Community Café</a:t>
             </a:r>
           </a:p>
           <a:p>
@@ -10858,6 +10879,65 @@
           <a:bodyPr wrap="none" rtlCol="0">
             <a:spAutoFit/>
           </a:bodyPr>
+          <a:lstStyle>
+            <a:defPPr>
+              <a:defRPr lang="en-US"/>
+            </a:defPPr>
+            <a:lvl1pPr>
+              <a:defRPr b="1">
+                <a:solidFill>
+                  <a:schemeClr val="tx1">
+                    <a:lumMod val="65000"/>
+                    <a:lumOff val="35000"/>
+                  </a:schemeClr>
+                </a:solidFill>
+                <a:latin typeface="Segoe UI" panose="020B0502040204020203" pitchFamily="34" charset="0"/>
+                <a:cs typeface="Segoe UI" panose="020B0502040204020203" pitchFamily="34" charset="0"/>
+              </a:defRPr>
+            </a:lvl1pPr>
+          </a:lstStyle>
+          <a:p>
+            <a:pPr algn="ctr"/>
+            <a:r>
+              <a:rPr lang="en-IE" dirty="0"/>
+              <a:t>Power </a:t>
+            </a:r>
+          </a:p>
+          <a:p>
+            <a:pPr algn="ctr"/>
+            <a:r>
+              <a:rPr lang="en-IE" dirty="0"/>
+              <a:t>Automate</a:t>
+            </a:r>
+          </a:p>
+        </p:txBody>
+      </p:sp>
+      <p:sp>
+        <p:nvSpPr>
+          <p:cNvPr id="58" name="TextBox 57">
+            <a:extLst>
+              <a:ext uri="{FF2B5EF4-FFF2-40B4-BE49-F238E27FC236}">
+                <a16:creationId xmlns:a16="http://schemas.microsoft.com/office/drawing/2014/main" id="{97E186F1-604C-4E54-A153-A3C7719E6D0F}"/>
+              </a:ext>
+            </a:extLst>
+          </p:cNvPr>
+          <p:cNvSpPr txBox="1"/>
+          <p:nvPr/>
+        </p:nvSpPr>
+        <p:spPr>
+          <a:xfrm>
+            <a:off x="252327" y="4452383"/>
+            <a:ext cx="1144865" cy="369332"/>
+          </a:xfrm>
+          <a:prstGeom prst="rect">
+            <a:avLst/>
+          </a:prstGeom>
+          <a:noFill/>
+        </p:spPr>
+        <p:txBody>
+          <a:bodyPr wrap="none" rtlCol="0">
+            <a:spAutoFit/>
+          </a:bodyPr>
           <a:lstStyle/>
           <a:p>
             <a:pPr algn="ctr"/>
@@ -10869,68 +10949,8 @@
                     <a:lumOff val="35000"/>
                   </a:schemeClr>
                 </a:solidFill>
-                <a:latin typeface="Segoe UI Light" panose="020B0502040204020203" pitchFamily="34" charset="0"/>
-                <a:cs typeface="Segoe UI Light" panose="020B0502040204020203" pitchFamily="34" charset="0"/>
-              </a:rPr>
-              <a:t>Power </a:t>
-            </a:r>
-          </a:p>
-          <a:p>
-            <a:pPr algn="ctr"/>
-            <a:r>
-              <a:rPr lang="en-IE" b="1" dirty="0">
-                <a:solidFill>
-                  <a:schemeClr val="tx1">
-                    <a:lumMod val="65000"/>
-                    <a:lumOff val="35000"/>
-                  </a:schemeClr>
-                </a:solidFill>
-                <a:latin typeface="Segoe UI Light" panose="020B0502040204020203" pitchFamily="34" charset="0"/>
-                <a:cs typeface="Segoe UI Light" panose="020B0502040204020203" pitchFamily="34" charset="0"/>
-              </a:rPr>
-              <a:t>Automate</a:t>
-            </a:r>
-          </a:p>
-        </p:txBody>
-      </p:sp>
-      <p:sp>
-        <p:nvSpPr>
-          <p:cNvPr id="58" name="TextBox 57">
-            <a:extLst>
-              <a:ext uri="{FF2B5EF4-FFF2-40B4-BE49-F238E27FC236}">
-                <a16:creationId xmlns:a16="http://schemas.microsoft.com/office/drawing/2014/main" id="{97E186F1-604C-4E54-A153-A3C7719E6D0F}"/>
-              </a:ext>
-            </a:extLst>
-          </p:cNvPr>
-          <p:cNvSpPr txBox="1"/>
-          <p:nvPr/>
-        </p:nvSpPr>
-        <p:spPr>
-          <a:xfrm>
-            <a:off x="252327" y="4452383"/>
-            <a:ext cx="1019703" cy="369332"/>
-          </a:xfrm>
-          <a:prstGeom prst="rect">
-            <a:avLst/>
-          </a:prstGeom>
-          <a:noFill/>
-        </p:spPr>
-        <p:txBody>
-          <a:bodyPr wrap="none" rtlCol="0">
-            <a:spAutoFit/>
-          </a:bodyPr>
-          <a:lstStyle/>
-          <a:p>
-            <a:r>
-              <a:rPr lang="en-IE" b="1" dirty="0">
-                <a:solidFill>
-                  <a:schemeClr val="tx1">
-                    <a:lumMod val="65000"/>
-                    <a:lumOff val="35000"/>
-                  </a:schemeClr>
-                </a:solidFill>
-                <a:latin typeface="Segoe UI Light" panose="020B0502040204020203" pitchFamily="34" charset="0"/>
-                <a:cs typeface="Segoe UI Light" panose="020B0502040204020203" pitchFamily="34" charset="0"/>
+                <a:latin typeface="Segoe UI" panose="020B0502040204020203" pitchFamily="34" charset="0"/>
+                <a:cs typeface="Segoe UI" panose="020B0502040204020203" pitchFamily="34" charset="0"/>
               </a:rPr>
               <a:t>Power BI</a:t>
             </a:r>
@@ -10989,8 +11009,12 @@
           <a:lstStyle/>
           <a:p>
             <a:r>
+              <a:rPr lang="en-IE" dirty="0" err="1"/>
+              <a:t>Aaaaaand</a:t>
+            </a:r>
+            <a:r>
               <a:rPr lang="en-IE" dirty="0"/>
-              <a:t>What does the Flow do?</a:t>
+              <a:t>, done!</a:t>
             </a:r>
           </a:p>
         </p:txBody>
@@ -12342,18 +12366,18 @@
 </file>
 
 <file path=customXml/item2.xml><?xml version="1.0" encoding="utf-8"?>
+<p:properties xmlns:p="http://schemas.microsoft.com/office/2006/metadata/properties" xmlns:xsi="http://www.w3.org/2001/XMLSchema-instance" xmlns:pc="http://schemas.microsoft.com/office/infopath/2007/PartnerControls">
+  <documentManagement/>
+</p:properties>
+</file>
+
+<file path=customXml/item3.xml><?xml version="1.0" encoding="utf-8"?>
 <?mso-contentType ?>
 <FormTemplates xmlns="http://schemas.microsoft.com/sharepoint/v3/contenttype/forms">
   <Display>DocumentLibraryForm</Display>
   <Edit>DocumentLibraryForm</Edit>
   <New>DocumentLibraryForm</New>
 </FormTemplates>
-</file>
-
-<file path=customXml/item3.xml><?xml version="1.0" encoding="utf-8"?>
-<p:properties xmlns:p="http://schemas.microsoft.com/office/2006/metadata/properties" xmlns:xsi="http://www.w3.org/2001/XMLSchema-instance" xmlns:pc="http://schemas.microsoft.com/office/infopath/2007/PartnerControls">
-  <documentManagement/>
-</p:properties>
 </file>
 
 <file path=customXml/itemProps1.xml><?xml version="1.0" encoding="utf-8"?>
@@ -12376,18 +12400,18 @@
 </file>
 
 <file path=customXml/itemProps2.xml><?xml version="1.0" encoding="utf-8"?>
-<ds:datastoreItem xmlns:ds="http://schemas.openxmlformats.org/officeDocument/2006/customXml" ds:itemID="{10C75660-6496-4BAB-8878-FA53D17BE5D9}">
-  <ds:schemaRefs>
-    <ds:schemaRef ds:uri="http://schemas.microsoft.com/sharepoint/v3/contenttype/forms"/>
-  </ds:schemaRefs>
-</ds:datastoreItem>
-</file>
-
-<file path=customXml/itemProps3.xml><?xml version="1.0" encoding="utf-8"?>
 <ds:datastoreItem xmlns:ds="http://schemas.openxmlformats.org/officeDocument/2006/customXml" ds:itemID="{A2AA3CB1-2443-4FA1-815D-951C2BDC7424}">
   <ds:schemaRefs>
     <ds:schemaRef ds:uri="http://schemas.microsoft.com/office/2006/metadata/properties"/>
     <ds:schemaRef ds:uri="http://schemas.microsoft.com/office/infopath/2007/PartnerControls"/>
   </ds:schemaRefs>
 </ds:datastoreItem>
+</file>
+
+<file path=customXml/itemProps3.xml><?xml version="1.0" encoding="utf-8"?>
+<ds:datastoreItem xmlns:ds="http://schemas.openxmlformats.org/officeDocument/2006/customXml" ds:itemID="{10C75660-6496-4BAB-8878-FA53D17BE5D9}">
+  <ds:schemaRefs>
+    <ds:schemaRef ds:uri="http://schemas.microsoft.com/sharepoint/v3/contenttype/forms"/>
+  </ds:schemaRefs>
+</ds:datastoreItem>
 </file>
--- a/Power Automate Image Analytics/Power Automate Image Analytics.pptx
+++ b/Power Automate Image Analytics/Power Automate Image Analytics.pptx
@@ -208,7 +208,7 @@
           <a:p>
             <a:fld id="{34B5C9CA-2D5F-447E-9B79-C98CB45DDD68}" type="datetimeFigureOut">
               <a:rPr lang="en-US" smtClean="0"/>
-              <a:t>4/25/2020</a:t>
+              <a:t>5/14/2020</a:t>
             </a:fld>
             <a:endParaRPr lang="en-US"/>
           </a:p>
@@ -373,7 +373,7 @@
           <a:p>
             <a:fld id="{9FBB69ED-36D7-4532-B7E1-AEDC9E37F886}" type="datetimeFigureOut">
               <a:rPr lang="en-US" smtClean="0"/>
-              <a:t>4/25/2020</a:t>
+              <a:t>5/14/2020</a:t>
             </a:fld>
             <a:endParaRPr lang="en-US"/>
           </a:p>
@@ -8065,7 +8065,7 @@
         </p:spPr>
         <p:txBody>
           <a:bodyPr>
-            <a:normAutofit/>
+            <a:normAutofit lnSpcReduction="10000"/>
           </a:bodyPr>
           <a:lstStyle/>
           <a:p>
@@ -8149,11 +8149,11 @@
                   </a:schemeClr>
                 </a:solidFill>
               </a:rPr>
-              <a:t>Dublin Power BI UG Leader</a:t>
-            </a:r>
-          </a:p>
-          <a:p>
-            <a:pPr>
+              <a:t>Events &amp; User Group</a:t>
+            </a:r>
+          </a:p>
+          <a:p>
+            <a:pPr lvl="1">
               <a:spcBef>
                 <a:spcPts val="0"/>
               </a:spcBef>
@@ -8162,7 +8162,28 @@
               </a:spcAft>
             </a:pPr>
             <a:r>
-              <a:rPr lang="en-US" sz="2000" dirty="0">
+              <a:rPr lang="en-US" sz="1800" dirty="0">
+                <a:solidFill>
+                  <a:schemeClr val="tx1">
+                    <a:lumMod val="75000"/>
+                    <a:lumOff val="25000"/>
+                  </a:schemeClr>
+                </a:solidFill>
+              </a:rPr>
+              <a:t>Dublin Power BI UG Leader</a:t>
+            </a:r>
+          </a:p>
+          <a:p>
+            <a:pPr lvl="1">
+              <a:spcBef>
+                <a:spcPts val="0"/>
+              </a:spcBef>
+              <a:spcAft>
+                <a:spcPts val="0"/>
+              </a:spcAft>
+            </a:pPr>
+            <a:r>
+              <a:rPr lang="en-US" sz="1800" dirty="0">
                 <a:solidFill>
                   <a:schemeClr val="tx1">
                     <a:lumMod val="75000"/>
@@ -8171,27 +8192,6 @@
                 </a:solidFill>
               </a:rPr>
               <a:t>Microsoft Community Café</a:t>
-            </a:r>
-          </a:p>
-          <a:p>
-            <a:pPr>
-              <a:spcBef>
-                <a:spcPts val="0"/>
-              </a:spcBef>
-              <a:spcAft>
-                <a:spcPts val="0"/>
-              </a:spcAft>
-            </a:pPr>
-            <a:r>
-              <a:rPr lang="en-US" sz="2000" dirty="0">
-                <a:solidFill>
-                  <a:schemeClr val="tx1">
-                    <a:lumMod val="75000"/>
-                    <a:lumOff val="25000"/>
-                  </a:schemeClr>
-                </a:solidFill>
-              </a:rPr>
-              <a:t>Event Co-Ordinator:</a:t>
             </a:r>
           </a:p>
           <a:p>
@@ -8234,6 +8234,27 @@
                 </a:solidFill>
               </a:rPr>
               <a:t>Power Platform WT</a:t>
+            </a:r>
+          </a:p>
+          <a:p>
+            <a:pPr lvl="1">
+              <a:spcBef>
+                <a:spcPts val="0"/>
+              </a:spcBef>
+              <a:spcAft>
+                <a:spcPts val="0"/>
+              </a:spcAft>
+            </a:pPr>
+            <a:r>
+              <a:rPr lang="en-US" sz="1800" dirty="0">
+                <a:solidFill>
+                  <a:schemeClr val="tx1">
+                    <a:lumMod val="75000"/>
+                    <a:lumOff val="25000"/>
+                  </a:schemeClr>
+                </a:solidFill>
+              </a:rPr>
+              <a:t>SQL Saturday</a:t>
             </a:r>
           </a:p>
         </p:txBody>
@@ -8271,10 +8292,10 @@
       </p:pic>
       <p:pic>
         <p:nvPicPr>
-          <p:cNvPr id="12" name="Picture 11" descr="A close up of a sign&#10;&#10;Description automatically generated">
+          <p:cNvPr id="13" name="Picture 12">
             <a:extLst>
               <a:ext uri="{FF2B5EF4-FFF2-40B4-BE49-F238E27FC236}">
-                <a16:creationId xmlns:a16="http://schemas.microsoft.com/office/drawing/2014/main" id="{D15F18E3-E29A-4A90-9E43-8499A0947422}"/>
+                <a16:creationId xmlns:a16="http://schemas.microsoft.com/office/drawing/2014/main" id="{37B58CF2-560D-4D62-8DBF-4302964B1609}"/>
               </a:ext>
             </a:extLst>
           </p:cNvPr>
@@ -8284,21 +8305,15 @@
           <p:nvPr/>
         </p:nvPicPr>
         <p:blipFill>
-          <a:blip r:embed="rId3">
-            <a:extLst>
-              <a:ext uri="{28A0092B-C50C-407E-A947-70E740481C1C}">
-                <a14:useLocalDpi xmlns:a14="http://schemas.microsoft.com/office/drawing/2010/main" val="0"/>
-              </a:ext>
-            </a:extLst>
-          </a:blip>
+          <a:blip r:embed="rId3"/>
           <a:stretch>
             <a:fillRect/>
           </a:stretch>
         </p:blipFill>
         <p:spPr>
           <a:xfrm>
-            <a:off x="3225293" y="3945000"/>
-            <a:ext cx="926984" cy="1460317"/>
+            <a:off x="5922997" y="4917422"/>
+            <a:ext cx="534764" cy="533871"/>
           </a:xfrm>
           <a:prstGeom prst="rect">
             <a:avLst/>
@@ -8307,10 +8322,10 @@
       </p:pic>
       <p:pic>
         <p:nvPicPr>
-          <p:cNvPr id="13" name="Picture 12">
+          <p:cNvPr id="14" name="Graphic 13" descr="Envelope">
             <a:extLst>
               <a:ext uri="{FF2B5EF4-FFF2-40B4-BE49-F238E27FC236}">
-                <a16:creationId xmlns:a16="http://schemas.microsoft.com/office/drawing/2014/main" id="{37B58CF2-560D-4D62-8DBF-4302964B1609}"/>
+                <a16:creationId xmlns:a16="http://schemas.microsoft.com/office/drawing/2014/main" id="{749A4629-AB46-4E2D-91C4-0617FA694759}"/>
               </a:ext>
             </a:extLst>
           </p:cNvPr>
@@ -8320,15 +8335,24 @@
           <p:nvPr/>
         </p:nvPicPr>
         <p:blipFill>
-          <a:blip r:embed="rId4"/>
+          <a:blip r:embed="rId4">
+            <a:extLst>
+              <a:ext uri="{28A0092B-C50C-407E-A947-70E740481C1C}">
+                <a14:useLocalDpi xmlns:a14="http://schemas.microsoft.com/office/drawing/2010/main" val="0"/>
+              </a:ext>
+              <a:ext uri="{96DAC541-7B7A-43D3-8B79-37D633B846F1}">
+                <asvg:svgBlip xmlns:asvg="http://schemas.microsoft.com/office/drawing/2016/SVG/main" r:embed="rId5"/>
+              </a:ext>
+            </a:extLst>
+          </a:blip>
           <a:stretch>
             <a:fillRect/>
           </a:stretch>
         </p:blipFill>
         <p:spPr>
           <a:xfrm>
-            <a:off x="5922997" y="4917422"/>
-            <a:ext cx="534764" cy="533871"/>
+            <a:off x="5841577" y="4270270"/>
+            <a:ext cx="706185" cy="706185"/>
           </a:xfrm>
           <a:prstGeom prst="rect">
             <a:avLst/>
@@ -8337,10 +8361,10 @@
       </p:pic>
       <p:pic>
         <p:nvPicPr>
-          <p:cNvPr id="14" name="Graphic 13" descr="Envelope">
+          <p:cNvPr id="15" name="Picture 14">
             <a:extLst>
               <a:ext uri="{FF2B5EF4-FFF2-40B4-BE49-F238E27FC236}">
-                <a16:creationId xmlns:a16="http://schemas.microsoft.com/office/drawing/2014/main" id="{749A4629-AB46-4E2D-91C4-0617FA694759}"/>
+                <a16:creationId xmlns:a16="http://schemas.microsoft.com/office/drawing/2014/main" id="{F95EF7ED-93EC-40FE-9280-798D45D02876}"/>
               </a:ext>
             </a:extLst>
           </p:cNvPr>
@@ -8350,46 +8374,7 @@
           <p:nvPr/>
         </p:nvPicPr>
         <p:blipFill>
-          <a:blip r:embed="rId5">
-            <a:extLst>
-              <a:ext uri="{28A0092B-C50C-407E-A947-70E740481C1C}">
-                <a14:useLocalDpi xmlns:a14="http://schemas.microsoft.com/office/drawing/2010/main" val="0"/>
-              </a:ext>
-              <a:ext uri="{96DAC541-7B7A-43D3-8B79-37D633B846F1}">
-                <asvg:svgBlip xmlns:asvg="http://schemas.microsoft.com/office/drawing/2016/SVG/main" r:embed="rId6"/>
-              </a:ext>
-            </a:extLst>
-          </a:blip>
-          <a:stretch>
-            <a:fillRect/>
-          </a:stretch>
-        </p:blipFill>
-        <p:spPr>
-          <a:xfrm>
-            <a:off x="5841577" y="4270270"/>
-            <a:ext cx="706185" cy="706185"/>
-          </a:xfrm>
-          <a:prstGeom prst="rect">
-            <a:avLst/>
-          </a:prstGeom>
-        </p:spPr>
-      </p:pic>
-      <p:pic>
-        <p:nvPicPr>
-          <p:cNvPr id="15" name="Picture 14">
-            <a:extLst>
-              <a:ext uri="{FF2B5EF4-FFF2-40B4-BE49-F238E27FC236}">
-                <a16:creationId xmlns:a16="http://schemas.microsoft.com/office/drawing/2014/main" id="{F95EF7ED-93EC-40FE-9280-798D45D02876}"/>
-              </a:ext>
-            </a:extLst>
-          </p:cNvPr>
-          <p:cNvPicPr>
-            <a:picLocks noChangeAspect="1"/>
-          </p:cNvPicPr>
-          <p:nvPr/>
-        </p:nvPicPr>
-        <p:blipFill>
-          <a:blip r:embed="rId7"/>
+          <a:blip r:embed="rId6"/>
           <a:stretch>
             <a:fillRect/>
           </a:stretch>
@@ -8582,6 +8567,42 @@
           </a:p>
         </p:txBody>
       </p:sp>
+      <p:pic>
+        <p:nvPicPr>
+          <p:cNvPr id="4" name="Picture 3" descr="A close up of a sign&#10;&#10;Description automatically generated">
+            <a:extLst>
+              <a:ext uri="{FF2B5EF4-FFF2-40B4-BE49-F238E27FC236}">
+                <a16:creationId xmlns:a16="http://schemas.microsoft.com/office/drawing/2014/main" id="{49C3F8E3-D654-46D8-A80D-EAE8C3429C9D}"/>
+              </a:ext>
+            </a:extLst>
+          </p:cNvPr>
+          <p:cNvPicPr>
+            <a:picLocks noChangeAspect="1"/>
+          </p:cNvPicPr>
+          <p:nvPr/>
+        </p:nvPicPr>
+        <p:blipFill>
+          <a:blip r:embed="rId7" cstate="print">
+            <a:extLst>
+              <a:ext uri="{28A0092B-C50C-407E-A947-70E740481C1C}">
+                <a14:useLocalDpi xmlns:a14="http://schemas.microsoft.com/office/drawing/2010/main" val="0"/>
+              </a:ext>
+            </a:extLst>
+          </a:blip>
+          <a:stretch>
+            <a:fillRect/>
+          </a:stretch>
+        </p:blipFill>
+        <p:spPr>
+          <a:xfrm>
+            <a:off x="3237875" y="3936757"/>
+            <a:ext cx="914402" cy="1447803"/>
+          </a:xfrm>
+          <a:prstGeom prst="rect">
+            <a:avLst/>
+          </a:prstGeom>
+        </p:spPr>
+      </p:pic>
     </p:spTree>
     <p:extLst>
       <p:ext uri="{BB962C8B-B14F-4D97-AF65-F5344CB8AC3E}">
@@ -8768,7 +8789,7 @@
         <p:spPr>
           <a:xfrm>
             <a:off x="5360565" y="1010735"/>
-            <a:ext cx="6385543" cy="2554545"/>
+            <a:ext cx="6385543" cy="1569660"/>
           </a:xfrm>
           <a:prstGeom prst="rect">
             <a:avLst/>
@@ -8796,7 +8817,7 @@
                 <a:latin typeface="Segoe UI" panose="020B0502040204020203" pitchFamily="34" charset="0"/>
                 <a:cs typeface="Segoe UI" panose="020B0502040204020203" pitchFamily="34" charset="0"/>
               </a:rPr>
-              <a:t>hello@datalineo.com</a:t>
+              <a:t>image@datalineo.com</a:t>
             </a:r>
           </a:p>
           <a:p>
@@ -8808,30 +8829,7 @@
                 <a:latin typeface="Segoe UI" panose="020B0502040204020203" pitchFamily="34" charset="0"/>
                 <a:cs typeface="Segoe UI" panose="020B0502040204020203" pitchFamily="34" charset="0"/>
               </a:rPr>
-              <a:t>Subject: </a:t>
-            </a:r>
-            <a:r>
-              <a:rPr lang="en-IE" sz="3200" b="1" dirty="0" err="1">
-                <a:latin typeface="Segoe UI" panose="020B0502040204020203" pitchFamily="34" charset="0"/>
-                <a:cs typeface="Segoe UI" panose="020B0502040204020203" pitchFamily="34" charset="0"/>
-              </a:rPr>
-              <a:t>FaceMe</a:t>
-            </a:r>
-            <a:endParaRPr lang="en-IE" sz="3200" b="1" dirty="0">
-              <a:latin typeface="Segoe UI" panose="020B0502040204020203" pitchFamily="34" charset="0"/>
-              <a:cs typeface="Segoe UI" panose="020B0502040204020203" pitchFamily="34" charset="0"/>
-            </a:endParaRPr>
-          </a:p>
-          <a:p>
-            <a:pPr marL="342900" indent="-342900">
-              <a:buAutoNum type="arabicPeriod"/>
-            </a:pPr>
-            <a:r>
-              <a:rPr lang="en-IE" sz="3200" dirty="0">
-                <a:latin typeface="Segoe UI" panose="020B0502040204020203" pitchFamily="34" charset="0"/>
-                <a:cs typeface="Segoe UI" panose="020B0502040204020203" pitchFamily="34" charset="0"/>
-              </a:rPr>
-              <a:t>Add some pictures to be analysed (as inline pics, not as attachment)</a:t>
+              <a:t>Add some pictures to be analysed</a:t>
             </a:r>
           </a:p>
         </p:txBody>
@@ -8850,7 +8848,7 @@
         </p:nvSpPr>
         <p:spPr>
           <a:xfrm>
-            <a:off x="5629040" y="4183810"/>
+            <a:off x="5982567" y="3018732"/>
             <a:ext cx="5141537" cy="1569660"/>
           </a:xfrm>
           <a:prstGeom prst="rect">
@@ -11009,12 +11007,8 @@
           <a:lstStyle/>
           <a:p>
             <a:r>
-              <a:rPr lang="en-IE" dirty="0" err="1"/>
-              <a:t>Aaaaaand</a:t>
-            </a:r>
-            <a:r>
               <a:rPr lang="en-IE" dirty="0"/>
-              <a:t>, done!</a:t>
+              <a:t>Done.</a:t>
             </a:r>
           </a:p>
         </p:txBody>
@@ -12402,8 +12396,16 @@
 <file path=customXml/itemProps2.xml><?xml version="1.0" encoding="utf-8"?>
 <ds:datastoreItem xmlns:ds="http://schemas.openxmlformats.org/officeDocument/2006/customXml" ds:itemID="{A2AA3CB1-2443-4FA1-815D-951C2BDC7424}">
   <ds:schemaRefs>
+    <ds:schemaRef ds:uri="12d2731f-cf8f-4a67-b1ff-7d98a1aee283"/>
+    <ds:schemaRef ds:uri="http://www.w3.org/XML/1998/namespace"/>
+    <ds:schemaRef ds:uri="http://purl.org/dc/elements/1.1/"/>
+    <ds:schemaRef ds:uri="http://purl.org/dc/dcmitype/"/>
+    <ds:schemaRef ds:uri="http://schemas.microsoft.com/office/2006/documentManagement/types"/>
+    <ds:schemaRef ds:uri="http://purl.org/dc/terms/"/>
+    <ds:schemaRef ds:uri="c353b6c8-18ed-4b56-a5c5-6495e55a9c15"/>
+    <ds:schemaRef ds:uri="http://schemas.microsoft.com/office/infopath/2007/PartnerControls"/>
+    <ds:schemaRef ds:uri="http://schemas.openxmlformats.org/package/2006/metadata/core-properties"/>
     <ds:schemaRef ds:uri="http://schemas.microsoft.com/office/2006/metadata/properties"/>
-    <ds:schemaRef ds:uri="http://schemas.microsoft.com/office/infopath/2007/PartnerControls"/>
   </ds:schemaRefs>
 </ds:datastoreItem>
 </file>

--- a/Power Automate Image Analytics/Power Automate Image Analytics.pptx
+++ b/Power Automate Image Analytics/Power Automate Image Analytics.pptx
@@ -12,9 +12,9 @@
   </p:handoutMasterIdLst>
   <p:sldIdLst>
     <p:sldId id="288" r:id="rId5"/>
-    <p:sldId id="258" r:id="rId6"/>
-    <p:sldId id="259" r:id="rId7"/>
-    <p:sldId id="311" r:id="rId8"/>
+    <p:sldId id="311" r:id="rId6"/>
+    <p:sldId id="258" r:id="rId7"/>
+    <p:sldId id="259" r:id="rId8"/>
     <p:sldId id="312" r:id="rId9"/>
     <p:sldId id="313" r:id="rId10"/>
   </p:sldIdLst>
@@ -208,7 +208,7 @@
           <a:p>
             <a:fld id="{34B5C9CA-2D5F-447E-9B79-C98CB45DDD68}" type="datetimeFigureOut">
               <a:rPr lang="en-US" smtClean="0"/>
-              <a:t>5/14/2020</a:t>
+              <a:t>11/5/2020</a:t>
             </a:fld>
             <a:endParaRPr lang="en-US"/>
           </a:p>
@@ -373,7 +373,7 @@
           <a:p>
             <a:fld id="{9FBB69ED-36D7-4532-B7E1-AEDC9E37F886}" type="datetimeFigureOut">
               <a:rPr lang="en-US" smtClean="0"/>
-              <a:t>5/14/2020</a:t>
+              <a:t>11/5/2020</a:t>
             </a:fld>
             <a:endParaRPr lang="en-US"/>
           </a:p>
@@ -7762,32 +7762,10 @@
       </p:grpSpPr>
       <p:sp>
         <p:nvSpPr>
-          <p:cNvPr id="15" name="Title 14"/>
-          <p:cNvSpPr>
-            <a:spLocks noGrp="1"/>
-          </p:cNvSpPr>
-          <p:nvPr>
-            <p:ph type="ctrTitle"/>
-          </p:nvPr>
-        </p:nvSpPr>
-        <p:spPr/>
-        <p:txBody>
-          <a:bodyPr/>
-          <a:lstStyle/>
-          <a:p>
-            <a:r>
-              <a:rPr lang="en-US" dirty="0"/>
-              <a:t>Agenda</a:t>
-            </a:r>
-          </a:p>
-        </p:txBody>
-      </p:sp>
-      <p:sp>
-        <p:nvSpPr>
-          <p:cNvPr id="17" name="Text Placeholder 16">
+          <p:cNvPr id="2" name="Title 1">
             <a:extLst>
               <a:ext uri="{FF2B5EF4-FFF2-40B4-BE49-F238E27FC236}">
-                <a16:creationId xmlns:a16="http://schemas.microsoft.com/office/drawing/2014/main" id="{214558DA-2A18-4CE6-8F93-F3E443E9DB10}"/>
+                <a16:creationId xmlns:a16="http://schemas.microsoft.com/office/drawing/2014/main" id="{1C775141-0739-4364-9568-394D3EC018A1}"/>
               </a:ext>
             </a:extLst>
           </p:cNvPr>
@@ -7795,91 +7773,27 @@
             <a:spLocks noGrp="1"/>
           </p:cNvSpPr>
           <p:nvPr>
-            <p:ph type="body" sz="quarter" idx="15"/>
+            <p:ph type="title"/>
           </p:nvPr>
         </p:nvSpPr>
-        <p:spPr>
-          <a:xfrm>
-            <a:off x="4908589" y="1212335"/>
-            <a:ext cx="6675198" cy="4433328"/>
-          </a:xfrm>
-        </p:spPr>
-        <p:txBody>
-          <a:bodyPr>
-            <a:normAutofit/>
-          </a:bodyPr>
+        <p:spPr/>
+        <p:txBody>
+          <a:bodyPr/>
           <a:lstStyle/>
           <a:p>
-            <a:pPr marL="0">
-              <a:spcBef>
-                <a:spcPts val="0"/>
-              </a:spcBef>
-              <a:spcAft>
-                <a:spcPts val="0"/>
-              </a:spcAft>
-            </a:pPr>
-            <a:r>
-              <a:rPr lang="en-IE" sz="2400" dirty="0">
-                <a:solidFill>
-                  <a:schemeClr val="tx1">
-                    <a:lumMod val="75000"/>
-                    <a:lumOff val="25000"/>
-                  </a:schemeClr>
-                </a:solidFill>
-              </a:rPr>
-              <a:t>Attendees: Send in your pics!</a:t>
-            </a:r>
-          </a:p>
-          <a:p>
-            <a:pPr marL="0">
-              <a:spcBef>
-                <a:spcPts val="0"/>
-              </a:spcBef>
-              <a:spcAft>
-                <a:spcPts val="0"/>
-              </a:spcAft>
-            </a:pPr>
-            <a:r>
-              <a:rPr lang="en-IE" sz="2400" dirty="0">
-                <a:solidFill>
-                  <a:schemeClr val="tx1">
-                    <a:lumMod val="75000"/>
-                    <a:lumOff val="25000"/>
-                  </a:schemeClr>
-                </a:solidFill>
-              </a:rPr>
-              <a:t>The Flow Process</a:t>
-            </a:r>
-          </a:p>
-          <a:p>
-            <a:pPr marL="0">
-              <a:spcBef>
-                <a:spcPts val="0"/>
-              </a:spcBef>
-              <a:spcAft>
-                <a:spcPts val="0"/>
-              </a:spcAft>
-            </a:pPr>
-            <a:r>
-              <a:rPr lang="en-IE" sz="2400" dirty="0">
-                <a:solidFill>
-                  <a:schemeClr val="tx1">
-                    <a:lumMod val="75000"/>
-                    <a:lumOff val="25000"/>
-                  </a:schemeClr>
-                </a:solidFill>
-              </a:rPr>
-              <a:t>Analytics in Power BI</a:t>
-            </a:r>
-          </a:p>
-        </p:txBody>
-      </p:sp>
-      <p:sp>
-        <p:nvSpPr>
-          <p:cNvPr id="23" name="Slide Number Placeholder 22">
+            <a:r>
+              <a:rPr lang="en-IE" dirty="0"/>
+              <a:t>Send me your pics please</a:t>
+            </a:r>
+          </a:p>
+        </p:txBody>
+      </p:sp>
+      <p:sp>
+        <p:nvSpPr>
+          <p:cNvPr id="3" name="Slide Number Placeholder 2">
             <a:extLst>
               <a:ext uri="{FF2B5EF4-FFF2-40B4-BE49-F238E27FC236}">
-                <a16:creationId xmlns:a16="http://schemas.microsoft.com/office/drawing/2014/main" id="{0C4DF4FB-A8BF-4DC6-9624-90AE8DCF0A8F}"/>
+                <a16:creationId xmlns:a16="http://schemas.microsoft.com/office/drawing/2014/main" id="{9C3236DC-0AAA-4979-852D-30E5FF44B9E4}"/>
               </a:ext>
             </a:extLst>
           </p:cNvPr>
@@ -7887,7 +7801,7 @@
             <a:spLocks noGrp="1"/>
           </p:cNvSpPr>
           <p:nvPr>
-            <p:ph type="sldNum" sz="quarter" idx="16"/>
+            <p:ph type="sldNum" sz="quarter" idx="11"/>
           </p:nvPr>
         </p:nvSpPr>
         <p:spPr/>
@@ -7895,7 +7809,7 @@
           <a:bodyPr/>
           <a:lstStyle/>
           <a:p>
-            <a:fld id="{8C0F1AFD-8661-40A0-AD37-562EE21B6C3F}" type="slidenum">
+            <a:fld id="{68838689-D784-4373-A026-2324D2E53203}" type="slidenum">
               <a:rPr lang="en-US" smtClean="0"/>
               <a:pPr/>
               <a:t>2</a:t>
@@ -7906,39 +7820,244 @@
       </p:sp>
       <p:pic>
         <p:nvPicPr>
-          <p:cNvPr id="10" name="Picture Placeholder 9">
+          <p:cNvPr id="5" name="Picture 4">
             <a:extLst>
               <a:ext uri="{FF2B5EF4-FFF2-40B4-BE49-F238E27FC236}">
-                <a16:creationId xmlns:a16="http://schemas.microsoft.com/office/drawing/2014/main" id="{EDE5DDAA-51E9-40AF-BE8A-08BAA05C149E}"/>
+                <a16:creationId xmlns:a16="http://schemas.microsoft.com/office/drawing/2014/main" id="{86E2506E-ED5A-4507-A50C-5A07AAC723D6}"/>
               </a:ext>
             </a:extLst>
           </p:cNvPr>
           <p:cNvPicPr>
-            <a:picLocks noGrp="1" noChangeAspect="1"/>
+            <a:picLocks noChangeAspect="1"/>
           </p:cNvPicPr>
-          <p:nvPr>
-            <p:ph type="pic" sz="quarter" idx="17"/>
-          </p:nvPr>
+          <p:nvPr/>
         </p:nvPicPr>
         <p:blipFill>
-          <a:blip r:embed="rId2">
-            <a:extLst>
-              <a:ext uri="{28A0092B-C50C-407E-A947-70E740481C1C}">
-                <a14:useLocalDpi xmlns:a14="http://schemas.microsoft.com/office/drawing/2010/main" val="0"/>
-              </a:ext>
-            </a:extLst>
-          </a:blip>
-          <a:srcRect l="5507" r="5507"/>
+          <a:blip r:embed="rId2"/>
           <a:stretch>
             <a:fillRect/>
           </a:stretch>
         </p:blipFill>
-        <p:spPr/>
+        <p:spPr>
+          <a:xfrm>
+            <a:off x="318781" y="1190001"/>
+            <a:ext cx="4639113" cy="3391805"/>
+          </a:xfrm>
+          <a:prstGeom prst="rect">
+            <a:avLst/>
+          </a:prstGeom>
+        </p:spPr>
       </p:pic>
+      <p:sp>
+        <p:nvSpPr>
+          <p:cNvPr id="6" name="TextBox 5">
+            <a:extLst>
+              <a:ext uri="{FF2B5EF4-FFF2-40B4-BE49-F238E27FC236}">
+                <a16:creationId xmlns:a16="http://schemas.microsoft.com/office/drawing/2014/main" id="{FF93F2C5-5772-4C29-8AD7-1078AAEB4D29}"/>
+              </a:ext>
+            </a:extLst>
+          </p:cNvPr>
+          <p:cNvSpPr txBox="1"/>
+          <p:nvPr/>
+        </p:nvSpPr>
+        <p:spPr>
+          <a:xfrm>
+            <a:off x="318782" y="4816389"/>
+            <a:ext cx="4639112" cy="584775"/>
+          </a:xfrm>
+          <a:prstGeom prst="rect">
+            <a:avLst/>
+          </a:prstGeom>
+          <a:solidFill>
+            <a:srgbClr val="E57022"/>
+          </a:solidFill>
+        </p:spPr>
+        <p:txBody>
+          <a:bodyPr wrap="square" rtlCol="0">
+            <a:spAutoFit/>
+          </a:bodyPr>
+          <a:lstStyle/>
+          <a:p>
+            <a:pPr algn="ctr"/>
+            <a:r>
+              <a:rPr lang="en-IE" sz="1600" dirty="0">
+                <a:solidFill>
+                  <a:schemeClr val="bg1"/>
+                </a:solidFill>
+              </a:rPr>
+              <a:t>No photos or data is saved, shared, socialised</a:t>
+            </a:r>
+          </a:p>
+          <a:p>
+            <a:pPr algn="ctr"/>
+            <a:r>
+              <a:rPr lang="en-IE" sz="1600" dirty="0">
+                <a:solidFill>
+                  <a:schemeClr val="bg1"/>
+                </a:solidFill>
+              </a:rPr>
+              <a:t>Everything is deleted later.</a:t>
+            </a:r>
+          </a:p>
+        </p:txBody>
+      </p:sp>
+      <p:sp>
+        <p:nvSpPr>
+          <p:cNvPr id="8" name="TextBox 7">
+            <a:extLst>
+              <a:ext uri="{FF2B5EF4-FFF2-40B4-BE49-F238E27FC236}">
+                <a16:creationId xmlns:a16="http://schemas.microsoft.com/office/drawing/2014/main" id="{29F1F37E-B3CA-4440-814F-F4E776DA0249}"/>
+              </a:ext>
+            </a:extLst>
+          </p:cNvPr>
+          <p:cNvSpPr txBox="1"/>
+          <p:nvPr/>
+        </p:nvSpPr>
+        <p:spPr>
+          <a:xfrm>
+            <a:off x="5360565" y="1010735"/>
+            <a:ext cx="6385543" cy="1569660"/>
+          </a:xfrm>
+          <a:prstGeom prst="rect">
+            <a:avLst/>
+          </a:prstGeom>
+          <a:noFill/>
+        </p:spPr>
+        <p:txBody>
+          <a:bodyPr wrap="square" rtlCol="0">
+            <a:spAutoFit/>
+          </a:bodyPr>
+          <a:lstStyle/>
+          <a:p>
+            <a:pPr marL="342900" indent="-342900">
+              <a:buAutoNum type="arabicPeriod"/>
+            </a:pPr>
+            <a:r>
+              <a:rPr lang="en-IE" sz="3200" dirty="0">
+                <a:latin typeface="Segoe UI" panose="020B0502040204020203" pitchFamily="34" charset="0"/>
+                <a:cs typeface="Segoe UI" panose="020B0502040204020203" pitchFamily="34" charset="0"/>
+              </a:rPr>
+              <a:t>Email </a:t>
+            </a:r>
+            <a:r>
+              <a:rPr lang="en-IE" sz="3200" b="1" dirty="0">
+                <a:latin typeface="Segoe UI" panose="020B0502040204020203" pitchFamily="34" charset="0"/>
+                <a:cs typeface="Segoe UI" panose="020B0502040204020203" pitchFamily="34" charset="0"/>
+              </a:rPr>
+              <a:t>image@datalineo.com</a:t>
+            </a:r>
+          </a:p>
+          <a:p>
+            <a:pPr marL="342900" indent="-342900">
+              <a:buAutoNum type="arabicPeriod"/>
+            </a:pPr>
+            <a:r>
+              <a:rPr lang="en-IE" sz="3200" dirty="0">
+                <a:latin typeface="Segoe UI" panose="020B0502040204020203" pitchFamily="34" charset="0"/>
+                <a:cs typeface="Segoe UI" panose="020B0502040204020203" pitchFamily="34" charset="0"/>
+              </a:rPr>
+              <a:t>Add some pictures to be analysed</a:t>
+            </a:r>
+          </a:p>
+        </p:txBody>
+      </p:sp>
+      <p:sp>
+        <p:nvSpPr>
+          <p:cNvPr id="9" name="TextBox 8">
+            <a:extLst>
+              <a:ext uri="{FF2B5EF4-FFF2-40B4-BE49-F238E27FC236}">
+                <a16:creationId xmlns:a16="http://schemas.microsoft.com/office/drawing/2014/main" id="{067822FE-CA51-40B6-8923-822751535367}"/>
+              </a:ext>
+            </a:extLst>
+          </p:cNvPr>
+          <p:cNvSpPr txBox="1"/>
+          <p:nvPr/>
+        </p:nvSpPr>
+        <p:spPr>
+          <a:xfrm>
+            <a:off x="5798009" y="3059372"/>
+            <a:ext cx="5141537" cy="1569660"/>
+          </a:xfrm>
+          <a:prstGeom prst="rect">
+            <a:avLst/>
+          </a:prstGeom>
+          <a:noFill/>
+        </p:spPr>
+        <p:txBody>
+          <a:bodyPr wrap="square" rtlCol="0">
+            <a:spAutoFit/>
+          </a:bodyPr>
+          <a:lstStyle/>
+          <a:p>
+            <a:pPr marL="285750" indent="-285750">
+              <a:buFont typeface="Wingdings" panose="05000000000000000000" pitchFamily="2" charset="2"/>
+              <a:buChar char="ü"/>
+            </a:pPr>
+            <a:r>
+              <a:rPr lang="en-IE" sz="2400" dirty="0">
+                <a:solidFill>
+                  <a:schemeClr val="accent1"/>
+                </a:solidFill>
+                <a:latin typeface="Segoe UI" panose="020B0502040204020203" pitchFamily="34" charset="0"/>
+                <a:cs typeface="Segoe UI" panose="020B0502040204020203" pitchFamily="34" charset="0"/>
+              </a:rPr>
+              <a:t>Selfies</a:t>
+            </a:r>
+          </a:p>
+          <a:p>
+            <a:pPr marL="285750" indent="-285750">
+              <a:buFont typeface="Wingdings" panose="05000000000000000000" pitchFamily="2" charset="2"/>
+              <a:buChar char="ü"/>
+            </a:pPr>
+            <a:r>
+              <a:rPr lang="en-IE" sz="2400" dirty="0">
+                <a:solidFill>
+                  <a:schemeClr val="accent1"/>
+                </a:solidFill>
+                <a:latin typeface="Segoe UI" panose="020B0502040204020203" pitchFamily="34" charset="0"/>
+                <a:cs typeface="Segoe UI" panose="020B0502040204020203" pitchFamily="34" charset="0"/>
+              </a:rPr>
+              <a:t>You &amp; Friend</a:t>
+            </a:r>
+          </a:p>
+          <a:p>
+            <a:pPr marL="285750" indent="-285750">
+              <a:buFont typeface="Wingdings" panose="05000000000000000000" pitchFamily="2" charset="2"/>
+              <a:buChar char="ü"/>
+            </a:pPr>
+            <a:r>
+              <a:rPr lang="en-IE" sz="2400" dirty="0">
+                <a:solidFill>
+                  <a:schemeClr val="accent1"/>
+                </a:solidFill>
+                <a:latin typeface="Segoe UI" panose="020B0502040204020203" pitchFamily="34" charset="0"/>
+                <a:cs typeface="Segoe UI" panose="020B0502040204020203" pitchFamily="34" charset="0"/>
+              </a:rPr>
+              <a:t>Random objects</a:t>
+            </a:r>
+          </a:p>
+          <a:p>
+            <a:pPr marL="285750" indent="-285750">
+              <a:buFont typeface="Wingdings" panose="05000000000000000000" pitchFamily="2" charset="2"/>
+              <a:buChar char="ü"/>
+            </a:pPr>
+            <a:r>
+              <a:rPr lang="en-IE" sz="2400" dirty="0">
+                <a:solidFill>
+                  <a:schemeClr val="accent1"/>
+                </a:solidFill>
+                <a:latin typeface="Segoe UI" panose="020B0502040204020203" pitchFamily="34" charset="0"/>
+                <a:cs typeface="Segoe UI" panose="020B0502040204020203" pitchFamily="34" charset="0"/>
+              </a:rPr>
+              <a:t>New Pics or from your Gallery</a:t>
+            </a:r>
+          </a:p>
+        </p:txBody>
+      </p:sp>
     </p:spTree>
     <p:extLst>
       <p:ext uri="{BB962C8B-B14F-4D97-AF65-F5344CB8AC3E}">
-        <p14:creationId xmlns:p14="http://schemas.microsoft.com/office/powerpoint/2010/main" val="454276075"/>
+        <p14:creationId xmlns:p14="http://schemas.microsoft.com/office/powerpoint/2010/main" val="2632264150"/>
       </p:ext>
     </p:extLst>
   </p:cSld>
@@ -7967,12 +8086,12 @@
       </p:grpSpPr>
       <p:sp>
         <p:nvSpPr>
-          <p:cNvPr id="7" name="Slide Number Placeholder 6"/>
+          <p:cNvPr id="15" name="Title 14"/>
           <p:cNvSpPr>
             <a:spLocks noGrp="1"/>
           </p:cNvSpPr>
           <p:nvPr>
-            <p:ph type="sldNum" sz="quarter" idx="14"/>
+            <p:ph type="ctrTitle"/>
           </p:nvPr>
         </p:nvSpPr>
         <p:spPr/>
@@ -7980,18 +8099,22 @@
           <a:bodyPr/>
           <a:lstStyle/>
           <a:p>
-            <a:fld id="{1A1413E7-083E-4282-9C14-E71B79F08B52}" type="slidenum">
-              <a:rPr lang="en-US" smtClean="0"/>
-              <a:pPr/>
-              <a:t>3</a:t>
-            </a:fld>
-            <a:endParaRPr lang="en-US" dirty="0"/>
-          </a:p>
-        </p:txBody>
-      </p:sp>
-      <p:sp>
-        <p:nvSpPr>
-          <p:cNvPr id="3" name="Text Placeholder 2"/>
+            <a:r>
+              <a:rPr lang="en-US" dirty="0"/>
+              <a:t>Agenda</a:t>
+            </a:r>
+          </a:p>
+        </p:txBody>
+      </p:sp>
+      <p:sp>
+        <p:nvSpPr>
+          <p:cNvPr id="17" name="Text Placeholder 16">
+            <a:extLst>
+              <a:ext uri="{FF2B5EF4-FFF2-40B4-BE49-F238E27FC236}">
+                <a16:creationId xmlns:a16="http://schemas.microsoft.com/office/drawing/2014/main" id="{214558DA-2A18-4CE6-8F93-F3E443E9DB10}"/>
+              </a:ext>
+            </a:extLst>
+          </p:cNvPr>
           <p:cNvSpPr>
             <a:spLocks noGrp="1"/>
           </p:cNvSpPr>
@@ -7999,32 +8122,10 @@
             <p:ph type="body" sz="quarter" idx="15"/>
           </p:nvPr>
         </p:nvSpPr>
-        <p:spPr/>
-        <p:txBody>
-          <a:bodyPr/>
-          <a:lstStyle/>
-          <a:p>
-            <a:r>
-              <a:rPr lang="en-US" dirty="0"/>
-              <a:t>Ben Watt</a:t>
-            </a:r>
-          </a:p>
-        </p:txBody>
-      </p:sp>
-      <p:sp>
-        <p:nvSpPr>
-          <p:cNvPr id="16" name="Title 15"/>
-          <p:cNvSpPr>
-            <a:spLocks noGrp="1"/>
-          </p:cNvSpPr>
-          <p:nvPr>
-            <p:ph type="title"/>
-          </p:nvPr>
-        </p:nvSpPr>
-        <p:spPr>
-          <a:xfrm>
-            <a:off x="4816475" y="408543"/>
-            <a:ext cx="6227609" cy="494603"/>
+        <p:spPr>
+          <a:xfrm>
+            <a:off x="4908589" y="1212335"/>
+            <a:ext cx="6675198" cy="4433328"/>
           </a:xfrm>
         </p:spPr>
         <p:txBody>
@@ -8033,8 +8134,16 @@
           </a:bodyPr>
           <a:lstStyle/>
           <a:p>
-            <a:r>
-              <a:rPr lang="en-US" sz="2800" dirty="0">
+            <a:pPr marL="0">
+              <a:spcBef>
+                <a:spcPts val="0"/>
+              </a:spcBef>
+              <a:spcAft>
+                <a:spcPts val="0"/>
+              </a:spcAft>
+            </a:pPr>
+            <a:r>
+              <a:rPr lang="en-IE" sz="2400" dirty="0">
                 <a:solidFill>
                   <a:schemeClr val="tx1">
                     <a:lumMod val="75000"/>
@@ -8042,34 +8151,11 @@
                   </a:schemeClr>
                 </a:solidFill>
               </a:rPr>
-              <a:t>At your Service!</a:t>
-            </a:r>
-          </a:p>
-        </p:txBody>
-      </p:sp>
-      <p:sp>
-        <p:nvSpPr>
-          <p:cNvPr id="9" name="Text Placeholder 8"/>
-          <p:cNvSpPr>
-            <a:spLocks noGrp="1"/>
-          </p:cNvSpPr>
-          <p:nvPr>
-            <p:ph type="body" sz="quarter" idx="16"/>
-          </p:nvPr>
-        </p:nvSpPr>
-        <p:spPr>
-          <a:xfrm>
-            <a:off x="4816475" y="1216847"/>
-            <a:ext cx="6530975" cy="2609047"/>
-          </a:xfrm>
-        </p:spPr>
-        <p:txBody>
-          <a:bodyPr>
-            <a:normAutofit lnSpcReduction="10000"/>
-          </a:bodyPr>
-          <a:lstStyle/>
-          <a:p>
-            <a:pPr>
+              <a:t>Attendees: Send in your pics!</a:t>
+            </a:r>
+          </a:p>
+          <a:p>
+            <a:pPr marL="0">
               <a:spcBef>
                 <a:spcPts val="0"/>
               </a:spcBef>
@@ -8078,7 +8164,7 @@
               </a:spcAft>
             </a:pPr>
             <a:r>
-              <a:rPr lang="en-US" sz="2000" dirty="0">
+              <a:rPr lang="en-IE" sz="2400" dirty="0">
                 <a:solidFill>
                   <a:schemeClr val="tx1">
                     <a:lumMod val="75000"/>
@@ -8086,11 +8172,11 @@
                   </a:schemeClr>
                 </a:solidFill>
               </a:rPr>
-              <a:t>Managing Director at Datalineo</a:t>
-            </a:r>
-          </a:p>
-          <a:p>
-            <a:pPr>
+              <a:t>The Flow Process</a:t>
+            </a:r>
+          </a:p>
+          <a:p>
+            <a:pPr marL="0">
               <a:spcBef>
                 <a:spcPts val="0"/>
               </a:spcBef>
@@ -8099,7 +8185,7 @@
               </a:spcAft>
             </a:pPr>
             <a:r>
-              <a:rPr lang="en-US" sz="2000" dirty="0">
+              <a:rPr lang="en-IE" sz="2400" dirty="0">
                 <a:solidFill>
                   <a:schemeClr val="tx1">
                     <a:lumMod val="75000"/>
@@ -8107,164 +8193,47 @@
                   </a:schemeClr>
                 </a:solidFill>
               </a:rPr>
-              <a:t>Microsoft MVP Data Platform</a:t>
-            </a:r>
-          </a:p>
-          <a:p>
-            <a:pPr>
-              <a:spcBef>
-                <a:spcPts val="0"/>
-              </a:spcBef>
-              <a:spcAft>
-                <a:spcPts val="0"/>
-              </a:spcAft>
-            </a:pPr>
-            <a:r>
-              <a:rPr lang="en-US" sz="2000" dirty="0">
-                <a:solidFill>
-                  <a:schemeClr val="tx1">
-                    <a:lumMod val="75000"/>
-                    <a:lumOff val="25000"/>
-                  </a:schemeClr>
-                </a:solidFill>
-              </a:rPr>
-              <a:t>Power BI, SQL/Azure/Power Platform</a:t>
-            </a:r>
-          </a:p>
-          <a:p>
-            <a:pPr>
-              <a:spcBef>
-                <a:spcPts val="0"/>
-              </a:spcBef>
-              <a:spcAft>
-                <a:spcPts val="0"/>
-              </a:spcAft>
-            </a:pPr>
-            <a:r>
-              <a:rPr lang="en-US" sz="2000" dirty="0">
-                <a:solidFill>
-                  <a:schemeClr val="tx1">
-                    <a:lumMod val="75000"/>
-                    <a:lumOff val="25000"/>
-                  </a:schemeClr>
-                </a:solidFill>
-              </a:rPr>
-              <a:t>Events &amp; User Group</a:t>
-            </a:r>
-          </a:p>
-          <a:p>
-            <a:pPr lvl="1">
-              <a:spcBef>
-                <a:spcPts val="0"/>
-              </a:spcBef>
-              <a:spcAft>
-                <a:spcPts val="0"/>
-              </a:spcAft>
-            </a:pPr>
-            <a:r>
-              <a:rPr lang="en-US" sz="1800" dirty="0">
-                <a:solidFill>
-                  <a:schemeClr val="tx1">
-                    <a:lumMod val="75000"/>
-                    <a:lumOff val="25000"/>
-                  </a:schemeClr>
-                </a:solidFill>
-              </a:rPr>
-              <a:t>Dublin Power BI UG Leader</a:t>
-            </a:r>
-          </a:p>
-          <a:p>
-            <a:pPr lvl="1">
-              <a:spcBef>
-                <a:spcPts val="0"/>
-              </a:spcBef>
-              <a:spcAft>
-                <a:spcPts val="0"/>
-              </a:spcAft>
-            </a:pPr>
-            <a:r>
-              <a:rPr lang="en-US" sz="1800" dirty="0">
-                <a:solidFill>
-                  <a:schemeClr val="tx1">
-                    <a:lumMod val="75000"/>
-                    <a:lumOff val="25000"/>
-                  </a:schemeClr>
-                </a:solidFill>
-              </a:rPr>
-              <a:t>Microsoft Community Café</a:t>
-            </a:r>
-          </a:p>
-          <a:p>
-            <a:pPr lvl="1">
-              <a:spcBef>
-                <a:spcPts val="0"/>
-              </a:spcBef>
-              <a:spcAft>
-                <a:spcPts val="0"/>
-              </a:spcAft>
-            </a:pPr>
-            <a:r>
-              <a:rPr lang="en-US" sz="1800" dirty="0">
-                <a:solidFill>
-                  <a:schemeClr val="tx1">
-                    <a:lumMod val="75000"/>
-                    <a:lumOff val="25000"/>
-                  </a:schemeClr>
-                </a:solidFill>
-              </a:rPr>
-              <a:t>Data Ceili</a:t>
-            </a:r>
-          </a:p>
-          <a:p>
-            <a:pPr lvl="1">
-              <a:spcBef>
-                <a:spcPts val="0"/>
-              </a:spcBef>
-              <a:spcAft>
-                <a:spcPts val="0"/>
-              </a:spcAft>
-            </a:pPr>
-            <a:r>
-              <a:rPr lang="en-US" sz="1800" dirty="0">
-                <a:solidFill>
-                  <a:schemeClr val="tx1">
-                    <a:lumMod val="75000"/>
-                    <a:lumOff val="25000"/>
-                  </a:schemeClr>
-                </a:solidFill>
-              </a:rPr>
-              <a:t>Power Platform WT</a:t>
-            </a:r>
-          </a:p>
-          <a:p>
-            <a:pPr lvl="1">
-              <a:spcBef>
-                <a:spcPts val="0"/>
-              </a:spcBef>
-              <a:spcAft>
-                <a:spcPts val="0"/>
-              </a:spcAft>
-            </a:pPr>
-            <a:r>
-              <a:rPr lang="en-US" sz="1800" dirty="0">
-                <a:solidFill>
-                  <a:schemeClr val="tx1">
-                    <a:lumMod val="75000"/>
-                    <a:lumOff val="25000"/>
-                  </a:schemeClr>
-                </a:solidFill>
-              </a:rPr>
-              <a:t>SQL Saturday</a:t>
-            </a:r>
+              <a:t>Analytics in Power BI</a:t>
+            </a:r>
+          </a:p>
+        </p:txBody>
+      </p:sp>
+      <p:sp>
+        <p:nvSpPr>
+          <p:cNvPr id="23" name="Slide Number Placeholder 22">
+            <a:extLst>
+              <a:ext uri="{FF2B5EF4-FFF2-40B4-BE49-F238E27FC236}">
+                <a16:creationId xmlns:a16="http://schemas.microsoft.com/office/drawing/2014/main" id="{0C4DF4FB-A8BF-4DC6-9624-90AE8DCF0A8F}"/>
+              </a:ext>
+            </a:extLst>
+          </p:cNvPr>
+          <p:cNvSpPr>
+            <a:spLocks noGrp="1"/>
+          </p:cNvSpPr>
+          <p:nvPr>
+            <p:ph type="sldNum" sz="quarter" idx="16"/>
+          </p:nvPr>
+        </p:nvSpPr>
+        <p:spPr/>
+        <p:txBody>
+          <a:bodyPr/>
+          <a:lstStyle/>
+          <a:p>
+            <a:fld id="{8C0F1AFD-8661-40A0-AD37-562EE21B6C3F}" type="slidenum">
+              <a:rPr lang="en-US" smtClean="0"/>
+              <a:pPr/>
+              <a:t>3</a:t>
+            </a:fld>
+            <a:endParaRPr lang="en-US" dirty="0"/>
           </a:p>
         </p:txBody>
       </p:sp>
       <p:pic>
         <p:nvPicPr>
-          <p:cNvPr id="6" name="Picture Placeholder 5">
+          <p:cNvPr id="10" name="Picture Placeholder 9">
             <a:extLst>
               <a:ext uri="{FF2B5EF4-FFF2-40B4-BE49-F238E27FC236}">
-                <a16:creationId xmlns:a16="http://schemas.microsoft.com/office/drawing/2014/main" id="{24F0F1CF-3652-4B06-AC9E-4F96F8FD212F}"/>
+                <a16:creationId xmlns:a16="http://schemas.microsoft.com/office/drawing/2014/main" id="{EDE5DDAA-51E9-40AF-BE8A-08BAA05C149E}"/>
               </a:ext>
             </a:extLst>
           </p:cNvPr>
@@ -8272,7 +8241,7 @@
             <a:picLocks noGrp="1" noChangeAspect="1"/>
           </p:cNvPicPr>
           <p:nvPr>
-            <p:ph type="pic" sz="quarter" idx="12"/>
+            <p:ph type="pic" sz="quarter" idx="17"/>
           </p:nvPr>
         </p:nvPicPr>
         <p:blipFill>
@@ -8283,330 +8252,17 @@
               </a:ext>
             </a:extLst>
           </a:blip>
-          <a:srcRect/>
+          <a:srcRect l="5507" r="5507"/>
           <a:stretch>
             <a:fillRect/>
           </a:stretch>
         </p:blipFill>
         <p:spPr/>
       </p:pic>
-      <p:pic>
-        <p:nvPicPr>
-          <p:cNvPr id="13" name="Picture 12">
-            <a:extLst>
-              <a:ext uri="{FF2B5EF4-FFF2-40B4-BE49-F238E27FC236}">
-                <a16:creationId xmlns:a16="http://schemas.microsoft.com/office/drawing/2014/main" id="{37B58CF2-560D-4D62-8DBF-4302964B1609}"/>
-              </a:ext>
-            </a:extLst>
-          </p:cNvPr>
-          <p:cNvPicPr>
-            <a:picLocks noChangeAspect="1"/>
-          </p:cNvPicPr>
-          <p:nvPr/>
-        </p:nvPicPr>
-        <p:blipFill>
-          <a:blip r:embed="rId3"/>
-          <a:stretch>
-            <a:fillRect/>
-          </a:stretch>
-        </p:blipFill>
-        <p:spPr>
-          <a:xfrm>
-            <a:off x="5922997" y="4917422"/>
-            <a:ext cx="534764" cy="533871"/>
-          </a:xfrm>
-          <a:prstGeom prst="rect">
-            <a:avLst/>
-          </a:prstGeom>
-        </p:spPr>
-      </p:pic>
-      <p:pic>
-        <p:nvPicPr>
-          <p:cNvPr id="14" name="Graphic 13" descr="Envelope">
-            <a:extLst>
-              <a:ext uri="{FF2B5EF4-FFF2-40B4-BE49-F238E27FC236}">
-                <a16:creationId xmlns:a16="http://schemas.microsoft.com/office/drawing/2014/main" id="{749A4629-AB46-4E2D-91C4-0617FA694759}"/>
-              </a:ext>
-            </a:extLst>
-          </p:cNvPr>
-          <p:cNvPicPr>
-            <a:picLocks noChangeAspect="1"/>
-          </p:cNvPicPr>
-          <p:nvPr/>
-        </p:nvPicPr>
-        <p:blipFill>
-          <a:blip r:embed="rId4">
-            <a:extLst>
-              <a:ext uri="{28A0092B-C50C-407E-A947-70E740481C1C}">
-                <a14:useLocalDpi xmlns:a14="http://schemas.microsoft.com/office/drawing/2010/main" val="0"/>
-              </a:ext>
-              <a:ext uri="{96DAC541-7B7A-43D3-8B79-37D633B846F1}">
-                <asvg:svgBlip xmlns:asvg="http://schemas.microsoft.com/office/drawing/2016/SVG/main" r:embed="rId5"/>
-              </a:ext>
-            </a:extLst>
-          </a:blip>
-          <a:stretch>
-            <a:fillRect/>
-          </a:stretch>
-        </p:blipFill>
-        <p:spPr>
-          <a:xfrm>
-            <a:off x="5841577" y="4270270"/>
-            <a:ext cx="706185" cy="706185"/>
-          </a:xfrm>
-          <a:prstGeom prst="rect">
-            <a:avLst/>
-          </a:prstGeom>
-        </p:spPr>
-      </p:pic>
-      <p:pic>
-        <p:nvPicPr>
-          <p:cNvPr id="15" name="Picture 14">
-            <a:extLst>
-              <a:ext uri="{FF2B5EF4-FFF2-40B4-BE49-F238E27FC236}">
-                <a16:creationId xmlns:a16="http://schemas.microsoft.com/office/drawing/2014/main" id="{F95EF7ED-93EC-40FE-9280-798D45D02876}"/>
-              </a:ext>
-            </a:extLst>
-          </p:cNvPr>
-          <p:cNvPicPr>
-            <a:picLocks noChangeAspect="1"/>
-          </p:cNvPicPr>
-          <p:nvPr/>
-        </p:nvPicPr>
-        <p:blipFill>
-          <a:blip r:embed="rId6"/>
-          <a:stretch>
-            <a:fillRect/>
-          </a:stretch>
-        </p:blipFill>
-        <p:spPr>
-          <a:xfrm>
-            <a:off x="5914002" y="5501433"/>
-            <a:ext cx="543759" cy="542442"/>
-          </a:xfrm>
-          <a:prstGeom prst="rect">
-            <a:avLst/>
-          </a:prstGeom>
-        </p:spPr>
-      </p:pic>
-      <p:sp>
-        <p:nvSpPr>
-          <p:cNvPr id="17" name="TextBox 16">
-            <a:extLst>
-              <a:ext uri="{FF2B5EF4-FFF2-40B4-BE49-F238E27FC236}">
-                <a16:creationId xmlns:a16="http://schemas.microsoft.com/office/drawing/2014/main" id="{0E90488A-DA76-4F0D-9C86-91914C44A92C}"/>
-              </a:ext>
-            </a:extLst>
-          </p:cNvPr>
-          <p:cNvSpPr txBox="1"/>
-          <p:nvPr/>
-        </p:nvSpPr>
-        <p:spPr>
-          <a:xfrm>
-            <a:off x="6554970" y="5572599"/>
-            <a:ext cx="3677679" cy="400110"/>
-          </a:xfrm>
-          <a:prstGeom prst="rect">
-            <a:avLst/>
-          </a:prstGeom>
-          <a:noFill/>
-        </p:spPr>
-        <p:txBody>
-          <a:bodyPr wrap="square" rtlCol="0">
-            <a:spAutoFit/>
-          </a:bodyPr>
-          <a:lstStyle/>
-          <a:p>
-            <a:r>
-              <a:rPr lang="en-IE" sz="2000" dirty="0">
-                <a:solidFill>
-                  <a:schemeClr val="tx1">
-                    <a:lumMod val="65000"/>
-                    <a:lumOff val="35000"/>
-                  </a:schemeClr>
-                </a:solidFill>
-                <a:latin typeface="Segoe UI" panose="020B0502040204020203" pitchFamily="34" charset="0"/>
-                <a:cs typeface="Segoe UI" panose="020B0502040204020203" pitchFamily="34" charset="0"/>
-              </a:rPr>
-              <a:t>linkedin.com/in/</a:t>
-            </a:r>
-            <a:r>
-              <a:rPr lang="en-IE" sz="2000" dirty="0" err="1">
-                <a:solidFill>
-                  <a:schemeClr val="tx1">
-                    <a:lumMod val="65000"/>
-                    <a:lumOff val="35000"/>
-                  </a:schemeClr>
-                </a:solidFill>
-                <a:latin typeface="Segoe UI" panose="020B0502040204020203" pitchFamily="34" charset="0"/>
-                <a:cs typeface="Segoe UI" panose="020B0502040204020203" pitchFamily="34" charset="0"/>
-              </a:rPr>
-              <a:t>benonline</a:t>
-            </a:r>
-            <a:endParaRPr lang="en-IE" sz="2000" dirty="0">
-              <a:solidFill>
-                <a:schemeClr val="tx1">
-                  <a:lumMod val="65000"/>
-                  <a:lumOff val="35000"/>
-                </a:schemeClr>
-              </a:solidFill>
-              <a:latin typeface="Segoe UI" panose="020B0502040204020203" pitchFamily="34" charset="0"/>
-              <a:cs typeface="Segoe UI" panose="020B0502040204020203" pitchFamily="34" charset="0"/>
-            </a:endParaRPr>
-          </a:p>
-        </p:txBody>
-      </p:sp>
-      <p:sp>
-        <p:nvSpPr>
-          <p:cNvPr id="18" name="TextBox 17">
-            <a:extLst>
-              <a:ext uri="{FF2B5EF4-FFF2-40B4-BE49-F238E27FC236}">
-                <a16:creationId xmlns:a16="http://schemas.microsoft.com/office/drawing/2014/main" id="{447DAB3D-C9B8-42D4-B78B-76823F77CE6B}"/>
-              </a:ext>
-            </a:extLst>
-          </p:cNvPr>
-          <p:cNvSpPr txBox="1"/>
-          <p:nvPr/>
-        </p:nvSpPr>
-        <p:spPr>
-          <a:xfrm>
-            <a:off x="6554970" y="4984450"/>
-            <a:ext cx="2775385" cy="400110"/>
-          </a:xfrm>
-          <a:prstGeom prst="rect">
-            <a:avLst/>
-          </a:prstGeom>
-          <a:noFill/>
-        </p:spPr>
-        <p:txBody>
-          <a:bodyPr wrap="square" rtlCol="0">
-            <a:spAutoFit/>
-          </a:bodyPr>
-          <a:lstStyle/>
-          <a:p>
-            <a:r>
-              <a:rPr lang="en-IE" sz="2000" dirty="0">
-                <a:solidFill>
-                  <a:schemeClr val="tx1">
-                    <a:lumMod val="65000"/>
-                    <a:lumOff val="35000"/>
-                  </a:schemeClr>
-                </a:solidFill>
-                <a:latin typeface="Segoe UI" panose="020B0502040204020203" pitchFamily="34" charset="0"/>
-                <a:cs typeface="Segoe UI" panose="020B0502040204020203" pitchFamily="34" charset="0"/>
-              </a:rPr>
-              <a:t>@</a:t>
-            </a:r>
-            <a:r>
-              <a:rPr lang="en-IE" sz="2000" dirty="0" err="1">
-                <a:solidFill>
-                  <a:schemeClr val="tx1">
-                    <a:lumMod val="65000"/>
-                    <a:lumOff val="35000"/>
-                  </a:schemeClr>
-                </a:solidFill>
-                <a:latin typeface="Segoe UI" panose="020B0502040204020203" pitchFamily="34" charset="0"/>
-                <a:cs typeface="Segoe UI" panose="020B0502040204020203" pitchFamily="34" charset="0"/>
-              </a:rPr>
-              <a:t>benrebooted</a:t>
-            </a:r>
-            <a:endParaRPr lang="en-IE" sz="2000" dirty="0">
-              <a:solidFill>
-                <a:schemeClr val="tx1">
-                  <a:lumMod val="65000"/>
-                  <a:lumOff val="35000"/>
-                </a:schemeClr>
-              </a:solidFill>
-              <a:latin typeface="Segoe UI" panose="020B0502040204020203" pitchFamily="34" charset="0"/>
-              <a:cs typeface="Segoe UI" panose="020B0502040204020203" pitchFamily="34" charset="0"/>
-            </a:endParaRPr>
-          </a:p>
-        </p:txBody>
-      </p:sp>
-      <p:sp>
-        <p:nvSpPr>
-          <p:cNvPr id="19" name="TextBox 18">
-            <a:extLst>
-              <a:ext uri="{FF2B5EF4-FFF2-40B4-BE49-F238E27FC236}">
-                <a16:creationId xmlns:a16="http://schemas.microsoft.com/office/drawing/2014/main" id="{B56F43C5-C8E8-4D75-8125-9AABA4711640}"/>
-              </a:ext>
-            </a:extLst>
-          </p:cNvPr>
-          <p:cNvSpPr txBox="1"/>
-          <p:nvPr/>
-        </p:nvSpPr>
-        <p:spPr>
-          <a:xfrm>
-            <a:off x="6554970" y="4432106"/>
-            <a:ext cx="2775385" cy="400110"/>
-          </a:xfrm>
-          <a:prstGeom prst="rect">
-            <a:avLst/>
-          </a:prstGeom>
-          <a:noFill/>
-        </p:spPr>
-        <p:txBody>
-          <a:bodyPr wrap="square" rtlCol="0">
-            <a:spAutoFit/>
-          </a:bodyPr>
-          <a:lstStyle/>
-          <a:p>
-            <a:r>
-              <a:rPr lang="en-IE" sz="2000" dirty="0">
-                <a:solidFill>
-                  <a:schemeClr val="tx1">
-                    <a:lumMod val="65000"/>
-                    <a:lumOff val="35000"/>
-                  </a:schemeClr>
-                </a:solidFill>
-                <a:latin typeface="Segoe UI" panose="020B0502040204020203" pitchFamily="34" charset="0"/>
-                <a:cs typeface="Segoe UI" panose="020B0502040204020203" pitchFamily="34" charset="0"/>
-              </a:rPr>
-              <a:t>ben@datalineo.com</a:t>
-            </a:r>
-          </a:p>
-        </p:txBody>
-      </p:sp>
-      <p:pic>
-        <p:nvPicPr>
-          <p:cNvPr id="4" name="Picture 3" descr="A close up of a sign&#10;&#10;Description automatically generated">
-            <a:extLst>
-              <a:ext uri="{FF2B5EF4-FFF2-40B4-BE49-F238E27FC236}">
-                <a16:creationId xmlns:a16="http://schemas.microsoft.com/office/drawing/2014/main" id="{49C3F8E3-D654-46D8-A80D-EAE8C3429C9D}"/>
-              </a:ext>
-            </a:extLst>
-          </p:cNvPr>
-          <p:cNvPicPr>
-            <a:picLocks noChangeAspect="1"/>
-          </p:cNvPicPr>
-          <p:nvPr/>
-        </p:nvPicPr>
-        <p:blipFill>
-          <a:blip r:embed="rId7" cstate="print">
-            <a:extLst>
-              <a:ext uri="{28A0092B-C50C-407E-A947-70E740481C1C}">
-                <a14:useLocalDpi xmlns:a14="http://schemas.microsoft.com/office/drawing/2010/main" val="0"/>
-              </a:ext>
-            </a:extLst>
-          </a:blip>
-          <a:stretch>
-            <a:fillRect/>
-          </a:stretch>
-        </p:blipFill>
-        <p:spPr>
-          <a:xfrm>
-            <a:off x="3237875" y="3936757"/>
-            <a:ext cx="914402" cy="1447803"/>
-          </a:xfrm>
-          <a:prstGeom prst="rect">
-            <a:avLst/>
-          </a:prstGeom>
-        </p:spPr>
-      </p:pic>
     </p:spTree>
     <p:extLst>
       <p:ext uri="{BB962C8B-B14F-4D97-AF65-F5344CB8AC3E}">
-        <p14:creationId xmlns:p14="http://schemas.microsoft.com/office/powerpoint/2010/main" val="566804708"/>
+        <p14:creationId xmlns:p14="http://schemas.microsoft.com/office/powerpoint/2010/main" val="454276075"/>
       </p:ext>
     </p:extLst>
   </p:cSld>
@@ -8635,13 +8291,53 @@
       </p:grpSpPr>
       <p:sp>
         <p:nvSpPr>
-          <p:cNvPr id="2" name="Title 1">
-            <a:extLst>
-              <a:ext uri="{FF2B5EF4-FFF2-40B4-BE49-F238E27FC236}">
-                <a16:creationId xmlns:a16="http://schemas.microsoft.com/office/drawing/2014/main" id="{1C775141-0739-4364-9568-394D3EC018A1}"/>
-              </a:ext>
-            </a:extLst>
-          </p:cNvPr>
+          <p:cNvPr id="7" name="Slide Number Placeholder 6"/>
+          <p:cNvSpPr>
+            <a:spLocks noGrp="1"/>
+          </p:cNvSpPr>
+          <p:nvPr>
+            <p:ph type="sldNum" sz="quarter" idx="14"/>
+          </p:nvPr>
+        </p:nvSpPr>
+        <p:spPr/>
+        <p:txBody>
+          <a:bodyPr/>
+          <a:lstStyle/>
+          <a:p>
+            <a:fld id="{1A1413E7-083E-4282-9C14-E71B79F08B52}" type="slidenum">
+              <a:rPr lang="en-US" smtClean="0"/>
+              <a:pPr/>
+              <a:t>4</a:t>
+            </a:fld>
+            <a:endParaRPr lang="en-US" dirty="0"/>
+          </a:p>
+        </p:txBody>
+      </p:sp>
+      <p:sp>
+        <p:nvSpPr>
+          <p:cNvPr id="3" name="Text Placeholder 2"/>
+          <p:cNvSpPr>
+            <a:spLocks noGrp="1"/>
+          </p:cNvSpPr>
+          <p:nvPr>
+            <p:ph type="body" sz="quarter" idx="15"/>
+          </p:nvPr>
+        </p:nvSpPr>
+        <p:spPr/>
+        <p:txBody>
+          <a:bodyPr/>
+          <a:lstStyle/>
+          <a:p>
+            <a:r>
+              <a:rPr lang="en-US" dirty="0"/>
+              <a:t>Ben Watt</a:t>
+            </a:r>
+          </a:p>
+        </p:txBody>
+      </p:sp>
+      <p:sp>
+        <p:nvSpPr>
+          <p:cNvPr id="16" name="Title 15"/>
           <p:cNvSpPr>
             <a:spLocks noGrp="1"/>
           </p:cNvSpPr>
@@ -8649,54 +8345,281 @@
             <p:ph type="title"/>
           </p:nvPr>
         </p:nvSpPr>
-        <p:spPr/>
-        <p:txBody>
-          <a:bodyPr/>
+        <p:spPr>
+          <a:xfrm>
+            <a:off x="4816475" y="408543"/>
+            <a:ext cx="6227609" cy="494603"/>
+          </a:xfrm>
+        </p:spPr>
+        <p:txBody>
+          <a:bodyPr>
+            <a:normAutofit/>
+          </a:bodyPr>
           <a:lstStyle/>
           <a:p>
             <a:r>
-              <a:rPr lang="en-IE" dirty="0"/>
-              <a:t>Send me your pics please</a:t>
-            </a:r>
-          </a:p>
-        </p:txBody>
-      </p:sp>
-      <p:sp>
-        <p:nvSpPr>
-          <p:cNvPr id="3" name="Slide Number Placeholder 2">
-            <a:extLst>
-              <a:ext uri="{FF2B5EF4-FFF2-40B4-BE49-F238E27FC236}">
-                <a16:creationId xmlns:a16="http://schemas.microsoft.com/office/drawing/2014/main" id="{9C3236DC-0AAA-4979-852D-30E5FF44B9E4}"/>
-              </a:ext>
-            </a:extLst>
-          </p:cNvPr>
+              <a:rPr lang="en-US" sz="2800" dirty="0">
+                <a:solidFill>
+                  <a:schemeClr val="tx1">
+                    <a:lumMod val="75000"/>
+                    <a:lumOff val="25000"/>
+                  </a:schemeClr>
+                </a:solidFill>
+              </a:rPr>
+              <a:t>At your Service!</a:t>
+            </a:r>
+          </a:p>
+        </p:txBody>
+      </p:sp>
+      <p:sp>
+        <p:nvSpPr>
+          <p:cNvPr id="9" name="Text Placeholder 8"/>
           <p:cNvSpPr>
             <a:spLocks noGrp="1"/>
           </p:cNvSpPr>
           <p:nvPr>
-            <p:ph type="sldNum" sz="quarter" idx="11"/>
+            <p:ph type="body" sz="quarter" idx="16"/>
           </p:nvPr>
         </p:nvSpPr>
-        <p:spPr/>
-        <p:txBody>
-          <a:bodyPr/>
+        <p:spPr>
+          <a:xfrm>
+            <a:off x="4816475" y="1216847"/>
+            <a:ext cx="6530975" cy="2609047"/>
+          </a:xfrm>
+        </p:spPr>
+        <p:txBody>
+          <a:bodyPr>
+            <a:normAutofit lnSpcReduction="10000"/>
+          </a:bodyPr>
           <a:lstStyle/>
           <a:p>
-            <a:fld id="{68838689-D784-4373-A026-2324D2E53203}" type="slidenum">
-              <a:rPr lang="en-US" smtClean="0"/>
-              <a:pPr/>
-              <a:t>4</a:t>
-            </a:fld>
-            <a:endParaRPr lang="en-US" dirty="0"/>
+            <a:pPr>
+              <a:spcBef>
+                <a:spcPts val="0"/>
+              </a:spcBef>
+              <a:spcAft>
+                <a:spcPts val="0"/>
+              </a:spcAft>
+            </a:pPr>
+            <a:r>
+              <a:rPr lang="en-US" sz="2000" dirty="0">
+                <a:solidFill>
+                  <a:schemeClr val="tx1">
+                    <a:lumMod val="75000"/>
+                    <a:lumOff val="25000"/>
+                  </a:schemeClr>
+                </a:solidFill>
+              </a:rPr>
+              <a:t>Managing Director at Datalineo</a:t>
+            </a:r>
+          </a:p>
+          <a:p>
+            <a:pPr>
+              <a:spcBef>
+                <a:spcPts val="0"/>
+              </a:spcBef>
+              <a:spcAft>
+                <a:spcPts val="0"/>
+              </a:spcAft>
+            </a:pPr>
+            <a:r>
+              <a:rPr lang="en-US" sz="2000" dirty="0">
+                <a:solidFill>
+                  <a:schemeClr val="tx1">
+                    <a:lumMod val="75000"/>
+                    <a:lumOff val="25000"/>
+                  </a:schemeClr>
+                </a:solidFill>
+              </a:rPr>
+              <a:t>Microsoft MVP Data Platform</a:t>
+            </a:r>
+          </a:p>
+          <a:p>
+            <a:pPr>
+              <a:spcBef>
+                <a:spcPts val="0"/>
+              </a:spcBef>
+              <a:spcAft>
+                <a:spcPts val="0"/>
+              </a:spcAft>
+            </a:pPr>
+            <a:r>
+              <a:rPr lang="en-US" sz="2000" dirty="0">
+                <a:solidFill>
+                  <a:schemeClr val="tx1">
+                    <a:lumMod val="75000"/>
+                    <a:lumOff val="25000"/>
+                  </a:schemeClr>
+                </a:solidFill>
+              </a:rPr>
+              <a:t>Power BI, SQL/Azure/Power Platform</a:t>
+            </a:r>
+          </a:p>
+          <a:p>
+            <a:pPr>
+              <a:spcBef>
+                <a:spcPts val="0"/>
+              </a:spcBef>
+              <a:spcAft>
+                <a:spcPts val="0"/>
+              </a:spcAft>
+            </a:pPr>
+            <a:r>
+              <a:rPr lang="en-US" sz="2000" dirty="0">
+                <a:solidFill>
+                  <a:schemeClr val="tx1">
+                    <a:lumMod val="75000"/>
+                    <a:lumOff val="25000"/>
+                  </a:schemeClr>
+                </a:solidFill>
+              </a:rPr>
+              <a:t>Events &amp; User Group</a:t>
+            </a:r>
+          </a:p>
+          <a:p>
+            <a:pPr lvl="1">
+              <a:spcBef>
+                <a:spcPts val="0"/>
+              </a:spcBef>
+              <a:spcAft>
+                <a:spcPts val="0"/>
+              </a:spcAft>
+            </a:pPr>
+            <a:r>
+              <a:rPr lang="en-US" sz="1800" dirty="0">
+                <a:solidFill>
+                  <a:schemeClr val="tx1">
+                    <a:lumMod val="75000"/>
+                    <a:lumOff val="25000"/>
+                  </a:schemeClr>
+                </a:solidFill>
+              </a:rPr>
+              <a:t>Dublin Power BI UG Leader</a:t>
+            </a:r>
+          </a:p>
+          <a:p>
+            <a:pPr lvl="1">
+              <a:spcBef>
+                <a:spcPts val="0"/>
+              </a:spcBef>
+              <a:spcAft>
+                <a:spcPts val="0"/>
+              </a:spcAft>
+            </a:pPr>
+            <a:r>
+              <a:rPr lang="en-US" sz="1800" dirty="0">
+                <a:solidFill>
+                  <a:schemeClr val="tx1">
+                    <a:lumMod val="75000"/>
+                    <a:lumOff val="25000"/>
+                  </a:schemeClr>
+                </a:solidFill>
+              </a:rPr>
+              <a:t>Microsoft Community Café</a:t>
+            </a:r>
+          </a:p>
+          <a:p>
+            <a:pPr lvl="1">
+              <a:spcBef>
+                <a:spcPts val="0"/>
+              </a:spcBef>
+              <a:spcAft>
+                <a:spcPts val="0"/>
+              </a:spcAft>
+            </a:pPr>
+            <a:r>
+              <a:rPr lang="en-US" sz="1800" dirty="0">
+                <a:solidFill>
+                  <a:schemeClr val="tx1">
+                    <a:lumMod val="75000"/>
+                    <a:lumOff val="25000"/>
+                  </a:schemeClr>
+                </a:solidFill>
+              </a:rPr>
+              <a:t>Data Ceili</a:t>
+            </a:r>
+          </a:p>
+          <a:p>
+            <a:pPr lvl="1">
+              <a:spcBef>
+                <a:spcPts val="0"/>
+              </a:spcBef>
+              <a:spcAft>
+                <a:spcPts val="0"/>
+              </a:spcAft>
+            </a:pPr>
+            <a:r>
+              <a:rPr lang="en-US" sz="1800" dirty="0">
+                <a:solidFill>
+                  <a:schemeClr val="tx1">
+                    <a:lumMod val="75000"/>
+                    <a:lumOff val="25000"/>
+                  </a:schemeClr>
+                </a:solidFill>
+              </a:rPr>
+              <a:t>Power Platform WT</a:t>
+            </a:r>
+          </a:p>
+          <a:p>
+            <a:pPr lvl="1">
+              <a:spcBef>
+                <a:spcPts val="0"/>
+              </a:spcBef>
+              <a:spcAft>
+                <a:spcPts val="0"/>
+              </a:spcAft>
+            </a:pPr>
+            <a:r>
+              <a:rPr lang="en-US" sz="1800" dirty="0">
+                <a:solidFill>
+                  <a:schemeClr val="tx1">
+                    <a:lumMod val="75000"/>
+                    <a:lumOff val="25000"/>
+                  </a:schemeClr>
+                </a:solidFill>
+              </a:rPr>
+              <a:t>SQL Saturday</a:t>
+            </a:r>
           </a:p>
         </p:txBody>
       </p:sp>
       <p:pic>
         <p:nvPicPr>
-          <p:cNvPr id="5" name="Picture 4">
+          <p:cNvPr id="6" name="Picture Placeholder 5">
             <a:extLst>
               <a:ext uri="{FF2B5EF4-FFF2-40B4-BE49-F238E27FC236}">
-                <a16:creationId xmlns:a16="http://schemas.microsoft.com/office/drawing/2014/main" id="{86E2506E-ED5A-4507-A50C-5A07AAC723D6}"/>
+                <a16:creationId xmlns:a16="http://schemas.microsoft.com/office/drawing/2014/main" id="{24F0F1CF-3652-4B06-AC9E-4F96F8FD212F}"/>
+              </a:ext>
+            </a:extLst>
+          </p:cNvPr>
+          <p:cNvPicPr>
+            <a:picLocks noGrp="1" noChangeAspect="1"/>
+          </p:cNvPicPr>
+          <p:nvPr>
+            <p:ph type="pic" sz="quarter" idx="12"/>
+          </p:nvPr>
+        </p:nvPicPr>
+        <p:blipFill>
+          <a:blip r:embed="rId2">
+            <a:extLst>
+              <a:ext uri="{28A0092B-C50C-407E-A947-70E740481C1C}">
+                <a14:useLocalDpi xmlns:a14="http://schemas.microsoft.com/office/drawing/2010/main" val="0"/>
+              </a:ext>
+            </a:extLst>
+          </a:blip>
+          <a:srcRect/>
+          <a:stretch>
+            <a:fillRect/>
+          </a:stretch>
+        </p:blipFill>
+        <p:spPr/>
+      </p:pic>
+      <p:pic>
+        <p:nvPicPr>
+          <p:cNvPr id="13" name="Picture 12">
+            <a:extLst>
+              <a:ext uri="{FF2B5EF4-FFF2-40B4-BE49-F238E27FC236}">
+                <a16:creationId xmlns:a16="http://schemas.microsoft.com/office/drawing/2014/main" id="{37B58CF2-560D-4D62-8DBF-4302964B1609}"/>
               </a:ext>
             </a:extLst>
           </p:cNvPr>
@@ -8706,27 +8629,96 @@
           <p:nvPr/>
         </p:nvPicPr>
         <p:blipFill>
-          <a:blip r:embed="rId2"/>
+          <a:blip r:embed="rId3"/>
           <a:stretch>
             <a:fillRect/>
           </a:stretch>
         </p:blipFill>
         <p:spPr>
           <a:xfrm>
-            <a:off x="318781" y="1190001"/>
-            <a:ext cx="4639113" cy="3391805"/>
+            <a:off x="5922997" y="4917422"/>
+            <a:ext cx="534764" cy="533871"/>
           </a:xfrm>
           <a:prstGeom prst="rect">
             <a:avLst/>
           </a:prstGeom>
         </p:spPr>
       </p:pic>
-      <p:sp>
-        <p:nvSpPr>
-          <p:cNvPr id="6" name="TextBox 5">
+      <p:pic>
+        <p:nvPicPr>
+          <p:cNvPr id="14" name="Graphic 13" descr="Envelope">
             <a:extLst>
               <a:ext uri="{FF2B5EF4-FFF2-40B4-BE49-F238E27FC236}">
-                <a16:creationId xmlns:a16="http://schemas.microsoft.com/office/drawing/2014/main" id="{FF93F2C5-5772-4C29-8AD7-1078AAEB4D29}"/>
+                <a16:creationId xmlns:a16="http://schemas.microsoft.com/office/drawing/2014/main" id="{749A4629-AB46-4E2D-91C4-0617FA694759}"/>
+              </a:ext>
+            </a:extLst>
+          </p:cNvPr>
+          <p:cNvPicPr>
+            <a:picLocks noChangeAspect="1"/>
+          </p:cNvPicPr>
+          <p:nvPr/>
+        </p:nvPicPr>
+        <p:blipFill>
+          <a:blip r:embed="rId4">
+            <a:extLst>
+              <a:ext uri="{28A0092B-C50C-407E-A947-70E740481C1C}">
+                <a14:useLocalDpi xmlns:a14="http://schemas.microsoft.com/office/drawing/2010/main" val="0"/>
+              </a:ext>
+              <a:ext uri="{96DAC541-7B7A-43D3-8B79-37D633B846F1}">
+                <asvg:svgBlip xmlns:asvg="http://schemas.microsoft.com/office/drawing/2016/SVG/main" r:embed="rId5"/>
+              </a:ext>
+            </a:extLst>
+          </a:blip>
+          <a:stretch>
+            <a:fillRect/>
+          </a:stretch>
+        </p:blipFill>
+        <p:spPr>
+          <a:xfrm>
+            <a:off x="5841577" y="4270270"/>
+            <a:ext cx="706185" cy="706185"/>
+          </a:xfrm>
+          <a:prstGeom prst="rect">
+            <a:avLst/>
+          </a:prstGeom>
+        </p:spPr>
+      </p:pic>
+      <p:pic>
+        <p:nvPicPr>
+          <p:cNvPr id="15" name="Picture 14">
+            <a:extLst>
+              <a:ext uri="{FF2B5EF4-FFF2-40B4-BE49-F238E27FC236}">
+                <a16:creationId xmlns:a16="http://schemas.microsoft.com/office/drawing/2014/main" id="{F95EF7ED-93EC-40FE-9280-798D45D02876}"/>
+              </a:ext>
+            </a:extLst>
+          </p:cNvPr>
+          <p:cNvPicPr>
+            <a:picLocks noChangeAspect="1"/>
+          </p:cNvPicPr>
+          <p:nvPr/>
+        </p:nvPicPr>
+        <p:blipFill>
+          <a:blip r:embed="rId6"/>
+          <a:stretch>
+            <a:fillRect/>
+          </a:stretch>
+        </p:blipFill>
+        <p:spPr>
+          <a:xfrm>
+            <a:off x="5914002" y="5501433"/>
+            <a:ext cx="543759" cy="542442"/>
+          </a:xfrm>
+          <a:prstGeom prst="rect">
+            <a:avLst/>
+          </a:prstGeom>
+        </p:spPr>
+      </p:pic>
+      <p:sp>
+        <p:nvSpPr>
+          <p:cNvPr id="17" name="TextBox 16">
+            <a:extLst>
+              <a:ext uri="{FF2B5EF4-FFF2-40B4-BE49-F238E27FC236}">
+                <a16:creationId xmlns:a16="http://schemas.microsoft.com/office/drawing/2014/main" id="{0E90488A-DA76-4F0D-9C86-91914C44A92C}"/>
               </a:ext>
             </a:extLst>
           </p:cNvPr>
@@ -8735,15 +8727,13 @@
         </p:nvSpPr>
         <p:spPr>
           <a:xfrm>
-            <a:off x="318782" y="4816389"/>
-            <a:ext cx="4639112" cy="584775"/>
+            <a:off x="6554970" y="5572599"/>
+            <a:ext cx="3677679" cy="400110"/>
           </a:xfrm>
           <a:prstGeom prst="rect">
             <a:avLst/>
           </a:prstGeom>
-          <a:solidFill>
-            <a:srgbClr val="E57022"/>
-          </a:solidFill>
+          <a:noFill/>
         </p:spPr>
         <p:txBody>
           <a:bodyPr wrap="square" rtlCol="0">
@@ -8751,35 +8741,51 @@
           </a:bodyPr>
           <a:lstStyle/>
           <a:p>
-            <a:pPr algn="ctr"/>
-            <a:r>
-              <a:rPr lang="en-IE" sz="1600" dirty="0">
+            <a:r>
+              <a:rPr lang="en-IE" sz="2000" dirty="0">
                 <a:solidFill>
-                  <a:schemeClr val="bg1"/>
+                  <a:schemeClr val="tx1">
+                    <a:lumMod val="65000"/>
+                    <a:lumOff val="35000"/>
+                  </a:schemeClr>
                 </a:solidFill>
+                <a:latin typeface="Segoe UI" panose="020B0502040204020203" pitchFamily="34" charset="0"/>
+                <a:cs typeface="Segoe UI" panose="020B0502040204020203" pitchFamily="34" charset="0"/>
               </a:rPr>
-              <a:t>No photos or data is saved, shared, socialised</a:t>
-            </a:r>
-          </a:p>
-          <a:p>
-            <a:pPr algn="ctr"/>
-            <a:r>
-              <a:rPr lang="en-IE" sz="1600" dirty="0">
+              <a:t>linkedin.com/in/</a:t>
+            </a:r>
+            <a:r>
+              <a:rPr lang="en-IE" sz="2000" dirty="0" err="1">
                 <a:solidFill>
-                  <a:schemeClr val="bg1"/>
+                  <a:schemeClr val="tx1">
+                    <a:lumMod val="65000"/>
+                    <a:lumOff val="35000"/>
+                  </a:schemeClr>
                 </a:solidFill>
+                <a:latin typeface="Segoe UI" panose="020B0502040204020203" pitchFamily="34" charset="0"/>
+                <a:cs typeface="Segoe UI" panose="020B0502040204020203" pitchFamily="34" charset="0"/>
               </a:rPr>
-              <a:t>Everything is deleted later.</a:t>
-            </a:r>
-          </a:p>
-        </p:txBody>
-      </p:sp>
-      <p:sp>
-        <p:nvSpPr>
-          <p:cNvPr id="8" name="TextBox 7">
+              <a:t>benonline</a:t>
+            </a:r>
+            <a:endParaRPr lang="en-IE" sz="2000" dirty="0">
+              <a:solidFill>
+                <a:schemeClr val="tx1">
+                  <a:lumMod val="65000"/>
+                  <a:lumOff val="35000"/>
+                </a:schemeClr>
+              </a:solidFill>
+              <a:latin typeface="Segoe UI" panose="020B0502040204020203" pitchFamily="34" charset="0"/>
+              <a:cs typeface="Segoe UI" panose="020B0502040204020203" pitchFamily="34" charset="0"/>
+            </a:endParaRPr>
+          </a:p>
+        </p:txBody>
+      </p:sp>
+      <p:sp>
+        <p:nvSpPr>
+          <p:cNvPr id="18" name="TextBox 17">
             <a:extLst>
               <a:ext uri="{FF2B5EF4-FFF2-40B4-BE49-F238E27FC236}">
-                <a16:creationId xmlns:a16="http://schemas.microsoft.com/office/drawing/2014/main" id="{29F1F37E-B3CA-4440-814F-F4E776DA0249}"/>
+                <a16:creationId xmlns:a16="http://schemas.microsoft.com/office/drawing/2014/main" id="{447DAB3D-C9B8-42D4-B78B-76823F77CE6B}"/>
               </a:ext>
             </a:extLst>
           </p:cNvPr>
@@ -8788,8 +8794,8 @@
         </p:nvSpPr>
         <p:spPr>
           <a:xfrm>
-            <a:off x="5360565" y="1010735"/>
-            <a:ext cx="6385543" cy="1569660"/>
+            <a:off x="6554970" y="4984450"/>
+            <a:ext cx="2775385" cy="400110"/>
           </a:xfrm>
           <a:prstGeom prst="rect">
             <a:avLst/>
@@ -8802,44 +8808,51 @@
           </a:bodyPr>
           <a:lstStyle/>
           <a:p>
-            <a:pPr marL="342900" indent="-342900">
-              <a:buAutoNum type="arabicPeriod"/>
-            </a:pPr>
-            <a:r>
-              <a:rPr lang="en-IE" sz="3200" dirty="0">
+            <a:r>
+              <a:rPr lang="en-IE" sz="2000" dirty="0">
+                <a:solidFill>
+                  <a:schemeClr val="tx1">
+                    <a:lumMod val="65000"/>
+                    <a:lumOff val="35000"/>
+                  </a:schemeClr>
+                </a:solidFill>
                 <a:latin typeface="Segoe UI" panose="020B0502040204020203" pitchFamily="34" charset="0"/>
                 <a:cs typeface="Segoe UI" panose="020B0502040204020203" pitchFamily="34" charset="0"/>
               </a:rPr>
-              <a:t>Email </a:t>
-            </a:r>
-            <a:r>
-              <a:rPr lang="en-IE" sz="3200" b="1" dirty="0">
+              <a:t>@</a:t>
+            </a:r>
+            <a:r>
+              <a:rPr lang="en-IE" sz="2000" dirty="0" err="1">
+                <a:solidFill>
+                  <a:schemeClr val="tx1">
+                    <a:lumMod val="65000"/>
+                    <a:lumOff val="35000"/>
+                  </a:schemeClr>
+                </a:solidFill>
                 <a:latin typeface="Segoe UI" panose="020B0502040204020203" pitchFamily="34" charset="0"/>
                 <a:cs typeface="Segoe UI" panose="020B0502040204020203" pitchFamily="34" charset="0"/>
               </a:rPr>
-              <a:t>image@datalineo.com</a:t>
-            </a:r>
-          </a:p>
-          <a:p>
-            <a:pPr marL="342900" indent="-342900">
-              <a:buAutoNum type="arabicPeriod"/>
-            </a:pPr>
-            <a:r>
-              <a:rPr lang="en-IE" sz="3200" dirty="0">
-                <a:latin typeface="Segoe UI" panose="020B0502040204020203" pitchFamily="34" charset="0"/>
-                <a:cs typeface="Segoe UI" panose="020B0502040204020203" pitchFamily="34" charset="0"/>
-              </a:rPr>
-              <a:t>Add some pictures to be analysed</a:t>
-            </a:r>
-          </a:p>
-        </p:txBody>
-      </p:sp>
-      <p:sp>
-        <p:nvSpPr>
-          <p:cNvPr id="9" name="TextBox 8">
+              <a:t>benrebooted</a:t>
+            </a:r>
+            <a:endParaRPr lang="en-IE" sz="2000" dirty="0">
+              <a:solidFill>
+                <a:schemeClr val="tx1">
+                  <a:lumMod val="65000"/>
+                  <a:lumOff val="35000"/>
+                </a:schemeClr>
+              </a:solidFill>
+              <a:latin typeface="Segoe UI" panose="020B0502040204020203" pitchFamily="34" charset="0"/>
+              <a:cs typeface="Segoe UI" panose="020B0502040204020203" pitchFamily="34" charset="0"/>
+            </a:endParaRPr>
+          </a:p>
+        </p:txBody>
+      </p:sp>
+      <p:sp>
+        <p:nvSpPr>
+          <p:cNvPr id="19" name="TextBox 18">
             <a:extLst>
               <a:ext uri="{FF2B5EF4-FFF2-40B4-BE49-F238E27FC236}">
-                <a16:creationId xmlns:a16="http://schemas.microsoft.com/office/drawing/2014/main" id="{067822FE-CA51-40B6-8923-822751535367}"/>
+                <a16:creationId xmlns:a16="http://schemas.microsoft.com/office/drawing/2014/main" id="{B56F43C5-C8E8-4D75-8125-9AABA4711640}"/>
               </a:ext>
             </a:extLst>
           </p:cNvPr>
@@ -8848,8 +8861,8 @@
         </p:nvSpPr>
         <p:spPr>
           <a:xfrm>
-            <a:off x="5982567" y="3018732"/>
-            <a:ext cx="5141537" cy="1569660"/>
+            <a:off x="6554970" y="4432106"/>
+            <a:ext cx="2775385" cy="400110"/>
           </a:xfrm>
           <a:prstGeom prst="rect">
             <a:avLst/>
@@ -8862,75 +8875,62 @@
           </a:bodyPr>
           <a:lstStyle/>
           <a:p>
-            <a:pPr marL="285750" indent="-285750">
-              <a:buFont typeface="Wingdings" panose="05000000000000000000" pitchFamily="2" charset="2"/>
-              <a:buChar char="ü"/>
-            </a:pPr>
-            <a:r>
-              <a:rPr lang="en-IE" sz="2400" dirty="0">
+            <a:r>
+              <a:rPr lang="en-IE" sz="2000" dirty="0">
                 <a:solidFill>
-                  <a:schemeClr val="accent1"/>
+                  <a:schemeClr val="tx1">
+                    <a:lumMod val="65000"/>
+                    <a:lumOff val="35000"/>
+                  </a:schemeClr>
                 </a:solidFill>
                 <a:latin typeface="Segoe UI" panose="020B0502040204020203" pitchFamily="34" charset="0"/>
                 <a:cs typeface="Segoe UI" panose="020B0502040204020203" pitchFamily="34" charset="0"/>
               </a:rPr>
-              <a:t>Selfies</a:t>
-            </a:r>
-          </a:p>
-          <a:p>
-            <a:pPr marL="285750" indent="-285750">
-              <a:buFont typeface="Wingdings" panose="05000000000000000000" pitchFamily="2" charset="2"/>
-              <a:buChar char="ü"/>
-            </a:pPr>
-            <a:r>
-              <a:rPr lang="en-IE" sz="2400" dirty="0">
-                <a:solidFill>
-                  <a:schemeClr val="accent1"/>
-                </a:solidFill>
-                <a:latin typeface="Segoe UI" panose="020B0502040204020203" pitchFamily="34" charset="0"/>
-                <a:cs typeface="Segoe UI" panose="020B0502040204020203" pitchFamily="34" charset="0"/>
-              </a:rPr>
-              <a:t>You &amp; Friend</a:t>
-            </a:r>
-          </a:p>
-          <a:p>
-            <a:pPr marL="285750" indent="-285750">
-              <a:buFont typeface="Wingdings" panose="05000000000000000000" pitchFamily="2" charset="2"/>
-              <a:buChar char="ü"/>
-            </a:pPr>
-            <a:r>
-              <a:rPr lang="en-IE" sz="2400" dirty="0">
-                <a:solidFill>
-                  <a:schemeClr val="accent1"/>
-                </a:solidFill>
-                <a:latin typeface="Segoe UI" panose="020B0502040204020203" pitchFamily="34" charset="0"/>
-                <a:cs typeface="Segoe UI" panose="020B0502040204020203" pitchFamily="34" charset="0"/>
-              </a:rPr>
-              <a:t>Random objects</a:t>
-            </a:r>
-          </a:p>
-          <a:p>
-            <a:pPr marL="285750" indent="-285750">
-              <a:buFont typeface="Wingdings" panose="05000000000000000000" pitchFamily="2" charset="2"/>
-              <a:buChar char="ü"/>
-            </a:pPr>
-            <a:r>
-              <a:rPr lang="en-IE" sz="2400" dirty="0">
-                <a:solidFill>
-                  <a:schemeClr val="accent1"/>
-                </a:solidFill>
-                <a:latin typeface="Segoe UI" panose="020B0502040204020203" pitchFamily="34" charset="0"/>
-                <a:cs typeface="Segoe UI" panose="020B0502040204020203" pitchFamily="34" charset="0"/>
-              </a:rPr>
-              <a:t>New Pics or from your Gallery</a:t>
-            </a:r>
-          </a:p>
-        </p:txBody>
-      </p:sp>
+              <a:t>ben@datalineo.com</a:t>
+            </a:r>
+          </a:p>
+        </p:txBody>
+      </p:sp>
+      <p:pic>
+        <p:nvPicPr>
+          <p:cNvPr id="4" name="Picture 3" descr="A close up of a sign&#10;&#10;Description automatically generated">
+            <a:extLst>
+              <a:ext uri="{FF2B5EF4-FFF2-40B4-BE49-F238E27FC236}">
+                <a16:creationId xmlns:a16="http://schemas.microsoft.com/office/drawing/2014/main" id="{49C3F8E3-D654-46D8-A80D-EAE8C3429C9D}"/>
+              </a:ext>
+            </a:extLst>
+          </p:cNvPr>
+          <p:cNvPicPr>
+            <a:picLocks noChangeAspect="1"/>
+          </p:cNvPicPr>
+          <p:nvPr/>
+        </p:nvPicPr>
+        <p:blipFill>
+          <a:blip r:embed="rId7" cstate="print">
+            <a:extLst>
+              <a:ext uri="{28A0092B-C50C-407E-A947-70E740481C1C}">
+                <a14:useLocalDpi xmlns:a14="http://schemas.microsoft.com/office/drawing/2010/main" val="0"/>
+              </a:ext>
+            </a:extLst>
+          </a:blip>
+          <a:stretch>
+            <a:fillRect/>
+          </a:stretch>
+        </p:blipFill>
+        <p:spPr>
+          <a:xfrm>
+            <a:off x="3237875" y="3936757"/>
+            <a:ext cx="914402" cy="1447803"/>
+          </a:xfrm>
+          <a:prstGeom prst="rect">
+            <a:avLst/>
+          </a:prstGeom>
+        </p:spPr>
+      </p:pic>
     </p:spTree>
     <p:extLst>
       <p:ext uri="{BB962C8B-B14F-4D97-AF65-F5344CB8AC3E}">
-        <p14:creationId xmlns:p14="http://schemas.microsoft.com/office/powerpoint/2010/main" val="2632264150"/>
+        <p14:creationId xmlns:p14="http://schemas.microsoft.com/office/powerpoint/2010/main" val="566804708"/>
       </p:ext>
     </p:extLst>
   </p:cSld>
@@ -9037,7 +9037,10 @@
           </a:prstGeom>
           <a:ln w="12700">
             <a:solidFill>
-              <a:schemeClr val="accent2"/>
+              <a:schemeClr val="tx1">
+                <a:lumMod val="65000"/>
+                <a:lumOff val="35000"/>
+              </a:schemeClr>
             </a:solidFill>
           </a:ln>
         </p:spPr>
@@ -9306,10 +9309,10 @@
       </p:pic>
       <p:pic>
         <p:nvPicPr>
-          <p:cNvPr id="17" name="Picture 16">
+          <p:cNvPr id="18" name="Picture 17">
             <a:extLst>
               <a:ext uri="{FF2B5EF4-FFF2-40B4-BE49-F238E27FC236}">
-                <a16:creationId xmlns:a16="http://schemas.microsoft.com/office/drawing/2014/main" id="{4F518B80-6B3A-40E3-969B-FB74D4C07C7F}"/>
+                <a16:creationId xmlns:a16="http://schemas.microsoft.com/office/drawing/2014/main" id="{991989E2-DBC6-48D9-99F3-CC7234CCF8CA}"/>
               </a:ext>
             </a:extLst>
           </p:cNvPr>
@@ -9326,8 +9329,8 @@
         </p:blipFill>
         <p:spPr>
           <a:xfrm>
-            <a:off x="3217360" y="2453883"/>
-            <a:ext cx="360000" cy="366920"/>
+            <a:off x="3217360" y="2825332"/>
+            <a:ext cx="360000" cy="360000"/>
           </a:xfrm>
           <a:prstGeom prst="rect">
             <a:avLst/>
@@ -9336,10 +9339,40 @@
       </p:pic>
       <p:pic>
         <p:nvPicPr>
-          <p:cNvPr id="18" name="Picture 17">
+          <p:cNvPr id="19" name="Picture 18">
             <a:extLst>
               <a:ext uri="{FF2B5EF4-FFF2-40B4-BE49-F238E27FC236}">
-                <a16:creationId xmlns:a16="http://schemas.microsoft.com/office/drawing/2014/main" id="{991989E2-DBC6-48D9-99F3-CC7234CCF8CA}"/>
+                <a16:creationId xmlns:a16="http://schemas.microsoft.com/office/drawing/2014/main" id="{CA1AFED7-144D-4716-A666-3F1D467474C5}"/>
+              </a:ext>
+            </a:extLst>
+          </p:cNvPr>
+          <p:cNvPicPr>
+            <a:picLocks noChangeAspect="1"/>
+          </p:cNvPicPr>
+          <p:nvPr/>
+        </p:nvPicPr>
+        <p:blipFill>
+          <a:blip r:embed="rId4"/>
+          <a:stretch>
+            <a:fillRect/>
+          </a:stretch>
+        </p:blipFill>
+        <p:spPr>
+          <a:xfrm>
+            <a:off x="6356614" y="2240085"/>
+            <a:ext cx="360000" cy="360000"/>
+          </a:xfrm>
+          <a:prstGeom prst="rect">
+            <a:avLst/>
+          </a:prstGeom>
+        </p:spPr>
+      </p:pic>
+      <p:pic>
+        <p:nvPicPr>
+          <p:cNvPr id="20" name="Picture 19">
+            <a:extLst>
+              <a:ext uri="{FF2B5EF4-FFF2-40B4-BE49-F238E27FC236}">
+                <a16:creationId xmlns:a16="http://schemas.microsoft.com/office/drawing/2014/main" id="{AA0E2C54-0C11-4333-A770-C0670562DEBA}"/>
               </a:ext>
             </a:extLst>
           </p:cNvPr>
@@ -9356,7 +9389,7 @@
         </p:blipFill>
         <p:spPr>
           <a:xfrm>
-            <a:off x="3217360" y="2825332"/>
+            <a:off x="3225024" y="2093883"/>
             <a:ext cx="360000" cy="360000"/>
           </a:xfrm>
           <a:prstGeom prst="rect">
@@ -9366,40 +9399,10 @@
       </p:pic>
       <p:pic>
         <p:nvPicPr>
-          <p:cNvPr id="19" name="Picture 18">
+          <p:cNvPr id="21" name="Picture 20">
             <a:extLst>
               <a:ext uri="{FF2B5EF4-FFF2-40B4-BE49-F238E27FC236}">
-                <a16:creationId xmlns:a16="http://schemas.microsoft.com/office/drawing/2014/main" id="{CA1AFED7-144D-4716-A666-3F1D467474C5}"/>
-              </a:ext>
-            </a:extLst>
-          </p:cNvPr>
-          <p:cNvPicPr>
-            <a:picLocks noChangeAspect="1"/>
-          </p:cNvPicPr>
-          <p:nvPr/>
-        </p:nvPicPr>
-        <p:blipFill>
-          <a:blip r:embed="rId5"/>
-          <a:stretch>
-            <a:fillRect/>
-          </a:stretch>
-        </p:blipFill>
-        <p:spPr>
-          <a:xfrm>
-            <a:off x="6356614" y="2240085"/>
-            <a:ext cx="360000" cy="360000"/>
-          </a:xfrm>
-          <a:prstGeom prst="rect">
-            <a:avLst/>
-          </a:prstGeom>
-        </p:spPr>
-      </p:pic>
-      <p:pic>
-        <p:nvPicPr>
-          <p:cNvPr id="20" name="Picture 19">
-            <a:extLst>
-              <a:ext uri="{FF2B5EF4-FFF2-40B4-BE49-F238E27FC236}">
-                <a16:creationId xmlns:a16="http://schemas.microsoft.com/office/drawing/2014/main" id="{AA0E2C54-0C11-4333-A770-C0670562DEBA}"/>
+                <a16:creationId xmlns:a16="http://schemas.microsoft.com/office/drawing/2014/main" id="{1811E613-8530-420F-AC86-24046088E5C5}"/>
               </a:ext>
             </a:extLst>
           </p:cNvPr>
@@ -9416,8 +9419,8 @@
         </p:blipFill>
         <p:spPr>
           <a:xfrm>
-            <a:off x="3225024" y="2093883"/>
-            <a:ext cx="360000" cy="360000"/>
+            <a:off x="8479542" y="2459343"/>
+            <a:ext cx="187500" cy="180000"/>
           </a:xfrm>
           <a:prstGeom prst="rect">
             <a:avLst/>
@@ -9426,10 +9429,10 @@
       </p:pic>
       <p:pic>
         <p:nvPicPr>
-          <p:cNvPr id="21" name="Picture 20">
+          <p:cNvPr id="22" name="Picture 21">
             <a:extLst>
               <a:ext uri="{FF2B5EF4-FFF2-40B4-BE49-F238E27FC236}">
-                <a16:creationId xmlns:a16="http://schemas.microsoft.com/office/drawing/2014/main" id="{1811E613-8530-420F-AC86-24046088E5C5}"/>
+                <a16:creationId xmlns:a16="http://schemas.microsoft.com/office/drawing/2014/main" id="{84BA74F4-0D74-45BA-A90A-42E3EDADCF40}"/>
               </a:ext>
             </a:extLst>
           </p:cNvPr>
@@ -9446,8 +9449,8 @@
         </p:blipFill>
         <p:spPr>
           <a:xfrm>
-            <a:off x="8479542" y="2459343"/>
-            <a:ext cx="187500" cy="180000"/>
+            <a:off x="8240563" y="2459343"/>
+            <a:ext cx="180000" cy="180000"/>
           </a:xfrm>
           <a:prstGeom prst="rect">
             <a:avLst/>
@@ -9456,10 +9459,10 @@
       </p:pic>
       <p:pic>
         <p:nvPicPr>
-          <p:cNvPr id="22" name="Picture 21">
+          <p:cNvPr id="23" name="Picture 22">
             <a:extLst>
               <a:ext uri="{FF2B5EF4-FFF2-40B4-BE49-F238E27FC236}">
-                <a16:creationId xmlns:a16="http://schemas.microsoft.com/office/drawing/2014/main" id="{84BA74F4-0D74-45BA-A90A-42E3EDADCF40}"/>
+                <a16:creationId xmlns:a16="http://schemas.microsoft.com/office/drawing/2014/main" id="{DFCC2D02-37B7-4317-9652-2E33349F0EA2}"/>
               </a:ext>
             </a:extLst>
           </p:cNvPr>
@@ -9476,8 +9479,8 @@
         </p:blipFill>
         <p:spPr>
           <a:xfrm>
-            <a:off x="8240563" y="2459343"/>
-            <a:ext cx="180000" cy="180000"/>
+            <a:off x="8728781" y="2459343"/>
+            <a:ext cx="183675" cy="180000"/>
           </a:xfrm>
           <a:prstGeom prst="rect">
             <a:avLst/>
@@ -9486,10 +9489,10 @@
       </p:pic>
       <p:pic>
         <p:nvPicPr>
-          <p:cNvPr id="23" name="Picture 22">
+          <p:cNvPr id="24" name="Picture 23">
             <a:extLst>
               <a:ext uri="{FF2B5EF4-FFF2-40B4-BE49-F238E27FC236}">
-                <a16:creationId xmlns:a16="http://schemas.microsoft.com/office/drawing/2014/main" id="{DFCC2D02-37B7-4317-9652-2E33349F0EA2}"/>
+                <a16:creationId xmlns:a16="http://schemas.microsoft.com/office/drawing/2014/main" id="{3DD966B6-977A-45FD-AB4B-594F7E30AC19}"/>
               </a:ext>
             </a:extLst>
           </p:cNvPr>
@@ -9506,8 +9509,8 @@
         </p:blipFill>
         <p:spPr>
           <a:xfrm>
-            <a:off x="8728781" y="2459343"/>
-            <a:ext cx="183675" cy="180000"/>
+            <a:off x="8001584" y="2459343"/>
+            <a:ext cx="180000" cy="180000"/>
           </a:xfrm>
           <a:prstGeom prst="rect">
             <a:avLst/>
@@ -9516,10 +9519,128 @@
       </p:pic>
       <p:pic>
         <p:nvPicPr>
-          <p:cNvPr id="24" name="Picture 23">
+          <p:cNvPr id="25" name="Picture 24">
             <a:extLst>
               <a:ext uri="{FF2B5EF4-FFF2-40B4-BE49-F238E27FC236}">
-                <a16:creationId xmlns:a16="http://schemas.microsoft.com/office/drawing/2014/main" id="{3DD966B6-977A-45FD-AB4B-594F7E30AC19}"/>
+                <a16:creationId xmlns:a16="http://schemas.microsoft.com/office/drawing/2014/main" id="{9907FF13-CDAA-438B-9B04-492B7C6A7566}"/>
+              </a:ext>
+            </a:extLst>
+          </p:cNvPr>
+          <p:cNvPicPr>
+            <a:picLocks noChangeAspect="1"/>
+          </p:cNvPicPr>
+          <p:nvPr/>
+        </p:nvPicPr>
+        <p:blipFill>
+          <a:blip r:embed="rId2"/>
+          <a:stretch>
+            <a:fillRect/>
+          </a:stretch>
+        </p:blipFill>
+        <p:spPr>
+          <a:xfrm>
+            <a:off x="9881608" y="2691619"/>
+            <a:ext cx="360000" cy="360000"/>
+          </a:xfrm>
+          <a:prstGeom prst="rect">
+            <a:avLst/>
+          </a:prstGeom>
+        </p:spPr>
+      </p:pic>
+      <p:sp>
+        <p:nvSpPr>
+          <p:cNvPr id="28" name="TextBox 27">
+            <a:extLst>
+              <a:ext uri="{FF2B5EF4-FFF2-40B4-BE49-F238E27FC236}">
+                <a16:creationId xmlns:a16="http://schemas.microsoft.com/office/drawing/2014/main" id="{2AD51AFF-5859-41FC-9904-AEF2A2C173D0}"/>
+              </a:ext>
+            </a:extLst>
+          </p:cNvPr>
+          <p:cNvSpPr txBox="1"/>
+          <p:nvPr/>
+        </p:nvSpPr>
+        <p:spPr>
+          <a:xfrm>
+            <a:off x="3634289" y="1768896"/>
+            <a:ext cx="2103075" cy="276999"/>
+          </a:xfrm>
+          <a:prstGeom prst="rect">
+            <a:avLst/>
+          </a:prstGeom>
+          <a:noFill/>
+        </p:spPr>
+        <p:txBody>
+          <a:bodyPr wrap="square" rtlCol="0">
+            <a:spAutoFit/>
+          </a:bodyPr>
+          <a:lstStyle/>
+          <a:p>
+            <a:r>
+              <a:rPr lang="en-IE" sz="1200" dirty="0">
+                <a:solidFill>
+                  <a:schemeClr val="tx1">
+                    <a:lumMod val="65000"/>
+                    <a:lumOff val="35000"/>
+                  </a:schemeClr>
+                </a:solidFill>
+                <a:latin typeface="Segoe UI" panose="020B0502040204020203" pitchFamily="34" charset="0"/>
+                <a:cs typeface="Segoe UI" panose="020B0502040204020203" pitchFamily="34" charset="0"/>
+              </a:rPr>
+              <a:t>For every attachment</a:t>
+            </a:r>
+          </a:p>
+        </p:txBody>
+      </p:sp>
+      <p:sp>
+        <p:nvSpPr>
+          <p:cNvPr id="29" name="TextBox 28">
+            <a:extLst>
+              <a:ext uri="{FF2B5EF4-FFF2-40B4-BE49-F238E27FC236}">
+                <a16:creationId xmlns:a16="http://schemas.microsoft.com/office/drawing/2014/main" id="{550C0DD8-CA96-4E50-A6EE-177D75EEB050}"/>
+              </a:ext>
+            </a:extLst>
+          </p:cNvPr>
+          <p:cNvSpPr txBox="1"/>
+          <p:nvPr/>
+        </p:nvSpPr>
+        <p:spPr>
+          <a:xfrm>
+            <a:off x="6788185" y="1455579"/>
+            <a:ext cx="2238369" cy="276999"/>
+          </a:xfrm>
+          <a:prstGeom prst="rect">
+            <a:avLst/>
+          </a:prstGeom>
+          <a:noFill/>
+        </p:spPr>
+        <p:txBody>
+          <a:bodyPr wrap="square" rtlCol="0">
+            <a:spAutoFit/>
+          </a:bodyPr>
+          <a:lstStyle/>
+          <a:p>
+            <a:r>
+              <a:rPr lang="en-IE" sz="1200" dirty="0">
+                <a:solidFill>
+                  <a:schemeClr val="tx1">
+                    <a:lumMod val="65000"/>
+                    <a:lumOff val="35000"/>
+                  </a:schemeClr>
+                </a:solidFill>
+                <a:latin typeface="Segoe UI" panose="020B0502040204020203" pitchFamily="34" charset="0"/>
+                <a:cs typeface="Segoe UI" panose="020B0502040204020203" pitchFamily="34" charset="0"/>
+              </a:rPr>
+              <a:t>Face API – Facial Attributes</a:t>
+            </a:r>
+          </a:p>
+        </p:txBody>
+      </p:sp>
+      <p:pic>
+        <p:nvPicPr>
+          <p:cNvPr id="30" name="Picture 29">
+            <a:extLst>
+              <a:ext uri="{FF2B5EF4-FFF2-40B4-BE49-F238E27FC236}">
+                <a16:creationId xmlns:a16="http://schemas.microsoft.com/office/drawing/2014/main" id="{FC74C6BC-FEB6-4122-A1B6-F7736E394EA0}"/>
               </a:ext>
             </a:extLst>
           </p:cNvPr>
@@ -9536,8 +9657,8 @@
         </p:blipFill>
         <p:spPr>
           <a:xfrm>
-            <a:off x="8001584" y="2459343"/>
-            <a:ext cx="180000" cy="180000"/>
+            <a:off x="6356614" y="1434173"/>
+            <a:ext cx="374694" cy="360000"/>
           </a:xfrm>
           <a:prstGeom prst="rect">
             <a:avLst/>
@@ -9546,10 +9667,10 @@
       </p:pic>
       <p:pic>
         <p:nvPicPr>
-          <p:cNvPr id="25" name="Picture 24">
+          <p:cNvPr id="31" name="Picture 30">
             <a:extLst>
               <a:ext uri="{FF2B5EF4-FFF2-40B4-BE49-F238E27FC236}">
-                <a16:creationId xmlns:a16="http://schemas.microsoft.com/office/drawing/2014/main" id="{9907FF13-CDAA-438B-9B04-492B7C6A7566}"/>
+                <a16:creationId xmlns:a16="http://schemas.microsoft.com/office/drawing/2014/main" id="{D3D0BA25-4179-4418-8CB3-55344F4BD7DB}"/>
               </a:ext>
             </a:extLst>
           </p:cNvPr>
@@ -9559,27 +9680,242 @@
           <p:nvPr/>
         </p:nvPicPr>
         <p:blipFill>
-          <a:blip r:embed="rId2"/>
+          <a:blip r:embed="rId10"/>
           <a:stretch>
             <a:fillRect/>
           </a:stretch>
         </p:blipFill>
         <p:spPr>
           <a:xfrm>
-            <a:off x="9881608" y="2691619"/>
-            <a:ext cx="360000" cy="360000"/>
+            <a:off x="6356614" y="1837129"/>
+            <a:ext cx="374694" cy="360000"/>
           </a:xfrm>
           <a:prstGeom prst="rect">
             <a:avLst/>
           </a:prstGeom>
         </p:spPr>
       </p:pic>
+      <p:sp>
+        <p:nvSpPr>
+          <p:cNvPr id="32" name="Rectangle 31">
+            <a:extLst>
+              <a:ext uri="{FF2B5EF4-FFF2-40B4-BE49-F238E27FC236}">
+                <a16:creationId xmlns:a16="http://schemas.microsoft.com/office/drawing/2014/main" id="{E10B27CE-9535-4C68-8F53-4A7E0D2C1EB8}"/>
+              </a:ext>
+            </a:extLst>
+          </p:cNvPr>
+          <p:cNvSpPr/>
+          <p:nvPr/>
+        </p:nvSpPr>
+        <p:spPr>
+          <a:xfrm>
+            <a:off x="3634289" y="2155235"/>
+            <a:ext cx="2110612" cy="276999"/>
+          </a:xfrm>
+          <a:prstGeom prst="rect">
+            <a:avLst/>
+          </a:prstGeom>
+        </p:spPr>
+        <p:txBody>
+          <a:bodyPr wrap="square">
+            <a:spAutoFit/>
+          </a:bodyPr>
+          <a:lstStyle/>
+          <a:p>
+            <a:r>
+              <a:rPr lang="en-IE" sz="1200" dirty="0">
+                <a:solidFill>
+                  <a:schemeClr val="tx1">
+                    <a:lumMod val="65000"/>
+                    <a:lumOff val="35000"/>
+                  </a:schemeClr>
+                </a:solidFill>
+                <a:latin typeface="Segoe UI" panose="020B0502040204020203" pitchFamily="34" charset="0"/>
+                <a:cs typeface="Segoe UI" panose="020B0502040204020203" pitchFamily="34" charset="0"/>
+              </a:rPr>
+              <a:t>Store it in Azure Blob</a:t>
+            </a:r>
+          </a:p>
+        </p:txBody>
+      </p:sp>
+      <p:sp>
+        <p:nvSpPr>
+          <p:cNvPr id="33" name="Rectangle 32">
+            <a:extLst>
+              <a:ext uri="{FF2B5EF4-FFF2-40B4-BE49-F238E27FC236}">
+                <a16:creationId xmlns:a16="http://schemas.microsoft.com/office/drawing/2014/main" id="{97521CC1-291A-418B-B43B-1A74A4A9C998}"/>
+              </a:ext>
+            </a:extLst>
+          </p:cNvPr>
+          <p:cNvSpPr/>
+          <p:nvPr/>
+        </p:nvSpPr>
+        <p:spPr>
+          <a:xfrm>
+            <a:off x="3634289" y="2520785"/>
+            <a:ext cx="2194076" cy="276999"/>
+          </a:xfrm>
+          <a:prstGeom prst="rect">
+            <a:avLst/>
+          </a:prstGeom>
+        </p:spPr>
+        <p:txBody>
+          <a:bodyPr wrap="square">
+            <a:spAutoFit/>
+          </a:bodyPr>
+          <a:lstStyle/>
+          <a:p>
+            <a:r>
+              <a:rPr lang="en-IE" sz="1200" dirty="0">
+                <a:solidFill>
+                  <a:schemeClr val="tx1">
+                    <a:lumMod val="65000"/>
+                    <a:lumOff val="35000"/>
+                  </a:schemeClr>
+                </a:solidFill>
+                <a:latin typeface="Segoe UI" panose="020B0502040204020203" pitchFamily="34" charset="0"/>
+                <a:cs typeface="Segoe UI" panose="020B0502040204020203" pitchFamily="34" charset="0"/>
+              </a:rPr>
+              <a:t>Write to streaming dataset</a:t>
+            </a:r>
+          </a:p>
+        </p:txBody>
+      </p:sp>
+      <p:sp>
+        <p:nvSpPr>
+          <p:cNvPr id="34" name="Rectangle 33">
+            <a:extLst>
+              <a:ext uri="{FF2B5EF4-FFF2-40B4-BE49-F238E27FC236}">
+                <a16:creationId xmlns:a16="http://schemas.microsoft.com/office/drawing/2014/main" id="{7E39360A-1FAF-4B3B-B087-C7FC8D31E094}"/>
+              </a:ext>
+            </a:extLst>
+          </p:cNvPr>
+          <p:cNvSpPr/>
+          <p:nvPr/>
+        </p:nvSpPr>
+        <p:spPr>
+          <a:xfrm>
+            <a:off x="3634289" y="2880858"/>
+            <a:ext cx="1044645" cy="276999"/>
+          </a:xfrm>
+          <a:prstGeom prst="rect">
+            <a:avLst/>
+          </a:prstGeom>
+        </p:spPr>
+        <p:txBody>
+          <a:bodyPr wrap="none">
+            <a:spAutoFit/>
+          </a:bodyPr>
+          <a:lstStyle/>
+          <a:p>
+            <a:r>
+              <a:rPr lang="en-IE" sz="1200" dirty="0">
+                <a:solidFill>
+                  <a:schemeClr val="tx1">
+                    <a:lumMod val="65000"/>
+                    <a:lumOff val="35000"/>
+                  </a:schemeClr>
+                </a:solidFill>
+                <a:latin typeface="Segoe UI" panose="020B0502040204020203" pitchFamily="34" charset="0"/>
+                <a:cs typeface="Segoe UI" panose="020B0502040204020203" pitchFamily="34" charset="0"/>
+              </a:rPr>
+              <a:t>Write to SQL</a:t>
+            </a:r>
+          </a:p>
+        </p:txBody>
+      </p:sp>
+      <p:sp>
+        <p:nvSpPr>
+          <p:cNvPr id="35" name="Rectangle 34">
+            <a:extLst>
+              <a:ext uri="{FF2B5EF4-FFF2-40B4-BE49-F238E27FC236}">
+                <a16:creationId xmlns:a16="http://schemas.microsoft.com/office/drawing/2014/main" id="{82BA3F06-C4D5-4651-9266-1666927015D2}"/>
+              </a:ext>
+            </a:extLst>
+          </p:cNvPr>
+          <p:cNvSpPr/>
+          <p:nvPr/>
+        </p:nvSpPr>
+        <p:spPr>
+          <a:xfrm>
+            <a:off x="6788185" y="1858324"/>
+            <a:ext cx="2238369" cy="276999"/>
+          </a:xfrm>
+          <a:prstGeom prst="rect">
+            <a:avLst/>
+          </a:prstGeom>
+        </p:spPr>
+        <p:txBody>
+          <a:bodyPr wrap="square">
+            <a:spAutoFit/>
+          </a:bodyPr>
+          <a:lstStyle/>
+          <a:p>
+            <a:r>
+              <a:rPr lang="en-IE" sz="1200" dirty="0">
+                <a:solidFill>
+                  <a:schemeClr val="tx1">
+                    <a:lumMod val="65000"/>
+                    <a:lumOff val="35000"/>
+                  </a:schemeClr>
+                </a:solidFill>
+                <a:latin typeface="Segoe UI" panose="020B0502040204020203" pitchFamily="34" charset="0"/>
+                <a:cs typeface="Segoe UI" panose="020B0502040204020203" pitchFamily="34" charset="0"/>
+              </a:rPr>
+              <a:t>Face API - Recognition</a:t>
+            </a:r>
+          </a:p>
+        </p:txBody>
+      </p:sp>
+      <p:sp>
+        <p:nvSpPr>
+          <p:cNvPr id="36" name="Rectangle 35">
+            <a:extLst>
+              <a:ext uri="{FF2B5EF4-FFF2-40B4-BE49-F238E27FC236}">
+                <a16:creationId xmlns:a16="http://schemas.microsoft.com/office/drawing/2014/main" id="{BB3CB3D9-4D23-42F0-9791-394A2B59D6DD}"/>
+              </a:ext>
+            </a:extLst>
+          </p:cNvPr>
+          <p:cNvSpPr/>
+          <p:nvPr/>
+        </p:nvSpPr>
+        <p:spPr>
+          <a:xfrm>
+            <a:off x="6788185" y="2256557"/>
+            <a:ext cx="1044645" cy="276999"/>
+          </a:xfrm>
+          <a:prstGeom prst="rect">
+            <a:avLst/>
+          </a:prstGeom>
+        </p:spPr>
+        <p:txBody>
+          <a:bodyPr wrap="none">
+            <a:spAutoFit/>
+          </a:bodyPr>
+          <a:lstStyle/>
+          <a:p>
+            <a:r>
+              <a:rPr lang="en-IE" sz="1200" dirty="0">
+                <a:solidFill>
+                  <a:schemeClr val="tx1">
+                    <a:lumMod val="65000"/>
+                    <a:lumOff val="35000"/>
+                  </a:schemeClr>
+                </a:solidFill>
+                <a:latin typeface="Segoe UI" panose="020B0502040204020203" pitchFamily="34" charset="0"/>
+                <a:cs typeface="Segoe UI" panose="020B0502040204020203" pitchFamily="34" charset="0"/>
+              </a:rPr>
+              <a:t>Write to SQL</a:t>
+            </a:r>
+          </a:p>
+        </p:txBody>
+      </p:sp>
       <p:pic>
         <p:nvPicPr>
-          <p:cNvPr id="26" name="Picture 25">
+          <p:cNvPr id="37" name="Picture 36">
             <a:extLst>
               <a:ext uri="{FF2B5EF4-FFF2-40B4-BE49-F238E27FC236}">
-                <a16:creationId xmlns:a16="http://schemas.microsoft.com/office/drawing/2014/main" id="{E3F9DC0E-47D4-4738-8D6E-40B151394256}"/>
+                <a16:creationId xmlns:a16="http://schemas.microsoft.com/office/drawing/2014/main" id="{FF4340EE-E259-4530-8377-C3B5A533CAB0}"/>
               </a:ext>
             </a:extLst>
           </p:cNvPr>
@@ -9596,50 +9932,20 @@
         </p:blipFill>
         <p:spPr>
           <a:xfrm>
-            <a:off x="1929568" y="4879859"/>
-            <a:ext cx="1240815" cy="707829"/>
+            <a:off x="6350924" y="3094076"/>
+            <a:ext cx="360000" cy="360000"/>
           </a:xfrm>
           <a:prstGeom prst="rect">
             <a:avLst/>
           </a:prstGeom>
         </p:spPr>
       </p:pic>
-      <p:pic>
-        <p:nvPicPr>
-          <p:cNvPr id="27" name="Picture 26">
+      <p:sp>
+        <p:nvSpPr>
+          <p:cNvPr id="38" name="TextBox 37">
             <a:extLst>
               <a:ext uri="{FF2B5EF4-FFF2-40B4-BE49-F238E27FC236}">
-                <a16:creationId xmlns:a16="http://schemas.microsoft.com/office/drawing/2014/main" id="{8B8BFC3D-189C-4BAB-83BD-FCF1963F4F9C}"/>
-              </a:ext>
-            </a:extLst>
-          </p:cNvPr>
-          <p:cNvPicPr>
-            <a:picLocks noChangeAspect="1"/>
-          </p:cNvPicPr>
-          <p:nvPr/>
-        </p:nvPicPr>
-        <p:blipFill>
-          <a:blip r:embed="rId11"/>
-          <a:stretch>
-            <a:fillRect/>
-          </a:stretch>
-        </p:blipFill>
-        <p:spPr>
-          <a:xfrm>
-            <a:off x="6481992" y="4884095"/>
-            <a:ext cx="1240815" cy="707829"/>
-          </a:xfrm>
-          <a:prstGeom prst="rect">
-            <a:avLst/>
-          </a:prstGeom>
-        </p:spPr>
-      </p:pic>
-      <p:sp>
-        <p:nvSpPr>
-          <p:cNvPr id="28" name="TextBox 27">
-            <a:extLst>
-              <a:ext uri="{FF2B5EF4-FFF2-40B4-BE49-F238E27FC236}">
-                <a16:creationId xmlns:a16="http://schemas.microsoft.com/office/drawing/2014/main" id="{2AD51AFF-5859-41FC-9904-AEF2A2C173D0}"/>
+                <a16:creationId xmlns:a16="http://schemas.microsoft.com/office/drawing/2014/main" id="{AD25A02E-59B8-4972-A2D3-7B50ABE50DA2}"/>
               </a:ext>
             </a:extLst>
           </p:cNvPr>
@@ -9648,8 +9954,8 @@
         </p:nvSpPr>
         <p:spPr>
           <a:xfrm>
-            <a:off x="3634289" y="1768896"/>
-            <a:ext cx="2103075" cy="276999"/>
+            <a:off x="6782495" y="3110394"/>
+            <a:ext cx="2129961" cy="276999"/>
           </a:xfrm>
           <a:prstGeom prst="rect">
             <a:avLst/>
@@ -9663,7 +9969,7 @@
           <a:lstStyle/>
           <a:p>
             <a:r>
-              <a:rPr lang="en-IE" sz="1200" b="1" dirty="0">
+              <a:rPr lang="en-IE" sz="1200" dirty="0">
                 <a:solidFill>
                   <a:schemeClr val="tx1">
                     <a:lumMod val="65000"/>
@@ -9673,121 +9979,17 @@
                 <a:latin typeface="Segoe UI" panose="020B0502040204020203" pitchFamily="34" charset="0"/>
                 <a:cs typeface="Segoe UI" panose="020B0502040204020203" pitchFamily="34" charset="0"/>
               </a:rPr>
-              <a:t>For every attachment</a:t>
-            </a:r>
-          </a:p>
-        </p:txBody>
-      </p:sp>
-      <p:sp>
-        <p:nvSpPr>
-          <p:cNvPr id="29" name="TextBox 28">
+              <a:t>Computer Vision</a:t>
+            </a:r>
+          </a:p>
+        </p:txBody>
+      </p:sp>
+      <p:sp>
+        <p:nvSpPr>
+          <p:cNvPr id="39" name="Rectangle 38">
             <a:extLst>
               <a:ext uri="{FF2B5EF4-FFF2-40B4-BE49-F238E27FC236}">
-                <a16:creationId xmlns:a16="http://schemas.microsoft.com/office/drawing/2014/main" id="{550C0DD8-CA96-4E50-A6EE-177D75EEB050}"/>
-              </a:ext>
-            </a:extLst>
-          </p:cNvPr>
-          <p:cNvSpPr txBox="1"/>
-          <p:nvPr/>
-        </p:nvSpPr>
-        <p:spPr>
-          <a:xfrm>
-            <a:off x="6788185" y="1455579"/>
-            <a:ext cx="2238369" cy="276999"/>
-          </a:xfrm>
-          <a:prstGeom prst="rect">
-            <a:avLst/>
-          </a:prstGeom>
-          <a:noFill/>
-        </p:spPr>
-        <p:txBody>
-          <a:bodyPr wrap="square" rtlCol="0">
-            <a:spAutoFit/>
-          </a:bodyPr>
-          <a:lstStyle/>
-          <a:p>
-            <a:r>
-              <a:rPr lang="en-IE" sz="1200" b="1" dirty="0">
-                <a:solidFill>
-                  <a:schemeClr val="tx1">
-                    <a:lumMod val="65000"/>
-                    <a:lumOff val="35000"/>
-                  </a:schemeClr>
-                </a:solidFill>
-                <a:latin typeface="Segoe UI" panose="020B0502040204020203" pitchFamily="34" charset="0"/>
-                <a:cs typeface="Segoe UI" panose="020B0502040204020203" pitchFamily="34" charset="0"/>
-              </a:rPr>
-              <a:t>Face API – Facial Attributes</a:t>
-            </a:r>
-          </a:p>
-        </p:txBody>
-      </p:sp>
-      <p:pic>
-        <p:nvPicPr>
-          <p:cNvPr id="30" name="Picture 29">
-            <a:extLst>
-              <a:ext uri="{FF2B5EF4-FFF2-40B4-BE49-F238E27FC236}">
-                <a16:creationId xmlns:a16="http://schemas.microsoft.com/office/drawing/2014/main" id="{FC74C6BC-FEB6-4122-A1B6-F7736E394EA0}"/>
-              </a:ext>
-            </a:extLst>
-          </p:cNvPr>
-          <p:cNvPicPr>
-            <a:picLocks noChangeAspect="1"/>
-          </p:cNvPicPr>
-          <p:nvPr/>
-        </p:nvPicPr>
-        <p:blipFill>
-          <a:blip r:embed="rId12"/>
-          <a:stretch>
-            <a:fillRect/>
-          </a:stretch>
-        </p:blipFill>
-        <p:spPr>
-          <a:xfrm>
-            <a:off x="6356614" y="1434173"/>
-            <a:ext cx="374694" cy="360000"/>
-          </a:xfrm>
-          <a:prstGeom prst="rect">
-            <a:avLst/>
-          </a:prstGeom>
-        </p:spPr>
-      </p:pic>
-      <p:pic>
-        <p:nvPicPr>
-          <p:cNvPr id="31" name="Picture 30">
-            <a:extLst>
-              <a:ext uri="{FF2B5EF4-FFF2-40B4-BE49-F238E27FC236}">
-                <a16:creationId xmlns:a16="http://schemas.microsoft.com/office/drawing/2014/main" id="{D3D0BA25-4179-4418-8CB3-55344F4BD7DB}"/>
-              </a:ext>
-            </a:extLst>
-          </p:cNvPr>
-          <p:cNvPicPr>
-            <a:picLocks noChangeAspect="1"/>
-          </p:cNvPicPr>
-          <p:nvPr/>
-        </p:nvPicPr>
-        <p:blipFill>
-          <a:blip r:embed="rId12"/>
-          <a:stretch>
-            <a:fillRect/>
-          </a:stretch>
-        </p:blipFill>
-        <p:spPr>
-          <a:xfrm>
-            <a:off x="6356614" y="1837129"/>
-            <a:ext cx="374694" cy="360000"/>
-          </a:xfrm>
-          <a:prstGeom prst="rect">
-            <a:avLst/>
-          </a:prstGeom>
-        </p:spPr>
-      </p:pic>
-      <p:sp>
-        <p:nvSpPr>
-          <p:cNvPr id="32" name="Rectangle 31">
-            <a:extLst>
-              <a:ext uri="{FF2B5EF4-FFF2-40B4-BE49-F238E27FC236}">
-                <a16:creationId xmlns:a16="http://schemas.microsoft.com/office/drawing/2014/main" id="{E10B27CE-9535-4C68-8F53-4A7E0D2C1EB8}"/>
+                <a16:creationId xmlns:a16="http://schemas.microsoft.com/office/drawing/2014/main" id="{903EAAE5-E362-4EDC-8FA6-B402020ED175}"/>
               </a:ext>
             </a:extLst>
           </p:cNvPr>
@@ -9796,8 +9998,8 @@
         </p:nvSpPr>
         <p:spPr>
           <a:xfrm>
-            <a:off x="3634289" y="2155235"/>
-            <a:ext cx="2110612" cy="276999"/>
+            <a:off x="6782495" y="3513139"/>
+            <a:ext cx="2017556" cy="276999"/>
           </a:xfrm>
           <a:prstGeom prst="rect">
             <a:avLst/>
@@ -9810,93 +10012,7 @@
           <a:lstStyle/>
           <a:p>
             <a:r>
-              <a:rPr lang="en-IE" sz="1200" b="1" dirty="0">
-                <a:solidFill>
-                  <a:schemeClr val="tx1">
-                    <a:lumMod val="65000"/>
-                    <a:lumOff val="35000"/>
-                  </a:schemeClr>
-                </a:solidFill>
-                <a:latin typeface="Segoe UI" panose="020B0502040204020203" pitchFamily="34" charset="0"/>
-                <a:cs typeface="Segoe UI" panose="020B0502040204020203" pitchFamily="34" charset="0"/>
-              </a:rPr>
-              <a:t>Store it in Azure Blob</a:t>
-            </a:r>
-          </a:p>
-        </p:txBody>
-      </p:sp>
-      <p:sp>
-        <p:nvSpPr>
-          <p:cNvPr id="33" name="Rectangle 32">
-            <a:extLst>
-              <a:ext uri="{FF2B5EF4-FFF2-40B4-BE49-F238E27FC236}">
-                <a16:creationId xmlns:a16="http://schemas.microsoft.com/office/drawing/2014/main" id="{97521CC1-291A-418B-B43B-1A74A4A9C998}"/>
-              </a:ext>
-            </a:extLst>
-          </p:cNvPr>
-          <p:cNvSpPr/>
-          <p:nvPr/>
-        </p:nvSpPr>
-        <p:spPr>
-          <a:xfrm>
-            <a:off x="3634289" y="2520785"/>
-            <a:ext cx="2194076" cy="276999"/>
-          </a:xfrm>
-          <a:prstGeom prst="rect">
-            <a:avLst/>
-          </a:prstGeom>
-        </p:spPr>
-        <p:txBody>
-          <a:bodyPr wrap="square">
-            <a:spAutoFit/>
-          </a:bodyPr>
-          <a:lstStyle/>
-          <a:p>
-            <a:r>
-              <a:rPr lang="en-IE" sz="1200" b="1" dirty="0">
-                <a:solidFill>
-                  <a:schemeClr val="tx1">
-                    <a:lumMod val="65000"/>
-                    <a:lumOff val="35000"/>
-                  </a:schemeClr>
-                </a:solidFill>
-                <a:latin typeface="Segoe UI" panose="020B0502040204020203" pitchFamily="34" charset="0"/>
-                <a:cs typeface="Segoe UI" panose="020B0502040204020203" pitchFamily="34" charset="0"/>
-              </a:rPr>
-              <a:t>Write to streaming dataset</a:t>
-            </a:r>
-          </a:p>
-        </p:txBody>
-      </p:sp>
-      <p:sp>
-        <p:nvSpPr>
-          <p:cNvPr id="34" name="Rectangle 33">
-            <a:extLst>
-              <a:ext uri="{FF2B5EF4-FFF2-40B4-BE49-F238E27FC236}">
-                <a16:creationId xmlns:a16="http://schemas.microsoft.com/office/drawing/2014/main" id="{7E39360A-1FAF-4B3B-B087-C7FC8D31E094}"/>
-              </a:ext>
-            </a:extLst>
-          </p:cNvPr>
-          <p:cNvSpPr/>
-          <p:nvPr/>
-        </p:nvSpPr>
-        <p:spPr>
-          <a:xfrm>
-            <a:off x="3634289" y="2880858"/>
-            <a:ext cx="1104213" cy="276999"/>
-          </a:xfrm>
-          <a:prstGeom prst="rect">
-            <a:avLst/>
-          </a:prstGeom>
-        </p:spPr>
-        <p:txBody>
-          <a:bodyPr wrap="none">
-            <a:spAutoFit/>
-          </a:bodyPr>
-          <a:lstStyle/>
-          <a:p>
-            <a:r>
-              <a:rPr lang="en-IE" sz="1200" b="1" dirty="0">
+              <a:rPr lang="en-IE" sz="1200" dirty="0">
                 <a:solidFill>
                   <a:schemeClr val="tx1">
                     <a:lumMod val="65000"/>
@@ -9911,98 +10027,12 @@
           </a:p>
         </p:txBody>
       </p:sp>
-      <p:sp>
-        <p:nvSpPr>
-          <p:cNvPr id="35" name="Rectangle 34">
-            <a:extLst>
-              <a:ext uri="{FF2B5EF4-FFF2-40B4-BE49-F238E27FC236}">
-                <a16:creationId xmlns:a16="http://schemas.microsoft.com/office/drawing/2014/main" id="{82BA3F06-C4D5-4651-9266-1666927015D2}"/>
-              </a:ext>
-            </a:extLst>
-          </p:cNvPr>
-          <p:cNvSpPr/>
-          <p:nvPr/>
-        </p:nvSpPr>
-        <p:spPr>
-          <a:xfrm>
-            <a:off x="6788185" y="1858324"/>
-            <a:ext cx="2238369" cy="276999"/>
-          </a:xfrm>
-          <a:prstGeom prst="rect">
-            <a:avLst/>
-          </a:prstGeom>
-        </p:spPr>
-        <p:txBody>
-          <a:bodyPr wrap="square">
-            <a:spAutoFit/>
-          </a:bodyPr>
-          <a:lstStyle/>
-          <a:p>
-            <a:r>
-              <a:rPr lang="en-IE" sz="1200" b="1" dirty="0">
-                <a:solidFill>
-                  <a:schemeClr val="tx1">
-                    <a:lumMod val="65000"/>
-                    <a:lumOff val="35000"/>
-                  </a:schemeClr>
-                </a:solidFill>
-                <a:latin typeface="Segoe UI" panose="020B0502040204020203" pitchFamily="34" charset="0"/>
-                <a:cs typeface="Segoe UI" panose="020B0502040204020203" pitchFamily="34" charset="0"/>
-              </a:rPr>
-              <a:t>Face API - Recognition</a:t>
-            </a:r>
-          </a:p>
-        </p:txBody>
-      </p:sp>
-      <p:sp>
-        <p:nvSpPr>
-          <p:cNvPr id="36" name="Rectangle 35">
-            <a:extLst>
-              <a:ext uri="{FF2B5EF4-FFF2-40B4-BE49-F238E27FC236}">
-                <a16:creationId xmlns:a16="http://schemas.microsoft.com/office/drawing/2014/main" id="{BB3CB3D9-4D23-42F0-9791-394A2B59D6DD}"/>
-              </a:ext>
-            </a:extLst>
-          </p:cNvPr>
-          <p:cNvSpPr/>
-          <p:nvPr/>
-        </p:nvSpPr>
-        <p:spPr>
-          <a:xfrm>
-            <a:off x="6788185" y="2256557"/>
-            <a:ext cx="1104213" cy="276999"/>
-          </a:xfrm>
-          <a:prstGeom prst="rect">
-            <a:avLst/>
-          </a:prstGeom>
-        </p:spPr>
-        <p:txBody>
-          <a:bodyPr wrap="none">
-            <a:spAutoFit/>
-          </a:bodyPr>
-          <a:lstStyle/>
-          <a:p>
-            <a:r>
-              <a:rPr lang="en-IE" sz="1200" b="1" dirty="0">
-                <a:solidFill>
-                  <a:schemeClr val="tx1">
-                    <a:lumMod val="65000"/>
-                    <a:lumOff val="35000"/>
-                  </a:schemeClr>
-                </a:solidFill>
-                <a:latin typeface="Segoe UI" panose="020B0502040204020203" pitchFamily="34" charset="0"/>
-                <a:cs typeface="Segoe UI" panose="020B0502040204020203" pitchFamily="34" charset="0"/>
-              </a:rPr>
-              <a:t>Write to SQL</a:t>
-            </a:r>
-          </a:p>
-        </p:txBody>
-      </p:sp>
       <p:pic>
         <p:nvPicPr>
-          <p:cNvPr id="37" name="Picture 36">
+          <p:cNvPr id="40" name="Picture 39">
             <a:extLst>
               <a:ext uri="{FF2B5EF4-FFF2-40B4-BE49-F238E27FC236}">
-                <a16:creationId xmlns:a16="http://schemas.microsoft.com/office/drawing/2014/main" id="{FF4340EE-E259-4530-8377-C3B5A533CAB0}"/>
+                <a16:creationId xmlns:a16="http://schemas.microsoft.com/office/drawing/2014/main" id="{6019F957-AA2B-4190-91A9-0D0EFD9D76B3}"/>
               </a:ext>
             </a:extLst>
           </p:cNvPr>
@@ -10012,14 +10042,14 @@
           <p:nvPr/>
         </p:nvPicPr>
         <p:blipFill>
-          <a:blip r:embed="rId13"/>
+          <a:blip r:embed="rId4"/>
           <a:stretch>
             <a:fillRect/>
           </a:stretch>
         </p:blipFill>
         <p:spPr>
           <a:xfrm>
-            <a:off x="6350924" y="3094076"/>
+            <a:off x="6350924" y="3513139"/>
             <a:ext cx="360000" cy="360000"/>
           </a:xfrm>
           <a:prstGeom prst="rect">
@@ -10029,10 +10059,10 @@
       </p:pic>
       <p:sp>
         <p:nvSpPr>
-          <p:cNvPr id="38" name="TextBox 37">
+          <p:cNvPr id="41" name="TextBox 40">
             <a:extLst>
               <a:ext uri="{FF2B5EF4-FFF2-40B4-BE49-F238E27FC236}">
-                <a16:creationId xmlns:a16="http://schemas.microsoft.com/office/drawing/2014/main" id="{AD25A02E-59B8-4972-A2D3-7B50ABE50DA2}"/>
+                <a16:creationId xmlns:a16="http://schemas.microsoft.com/office/drawing/2014/main" id="{A65C82C1-B775-44A2-A13E-35C53916205C}"/>
               </a:ext>
             </a:extLst>
           </p:cNvPr>
@@ -10041,8 +10071,8 @@
         </p:nvSpPr>
         <p:spPr>
           <a:xfrm>
-            <a:off x="6782495" y="3110394"/>
-            <a:ext cx="2129961" cy="276999"/>
+            <a:off x="3632645" y="4955086"/>
+            <a:ext cx="1414911" cy="461665"/>
           </a:xfrm>
           <a:prstGeom prst="rect">
             <a:avLst/>
@@ -10056,124 +10086,7 @@
           <a:lstStyle/>
           <a:p>
             <a:r>
-              <a:rPr lang="en-IE" sz="1200" b="1" dirty="0">
-                <a:solidFill>
-                  <a:schemeClr val="tx1">
-                    <a:lumMod val="65000"/>
-                    <a:lumOff val="35000"/>
-                  </a:schemeClr>
-                </a:solidFill>
-                <a:latin typeface="Segoe UI" panose="020B0502040204020203" pitchFamily="34" charset="0"/>
-                <a:cs typeface="Segoe UI" panose="020B0502040204020203" pitchFamily="34" charset="0"/>
-              </a:rPr>
-              <a:t>Computer Vision</a:t>
-            </a:r>
-          </a:p>
-        </p:txBody>
-      </p:sp>
-      <p:sp>
-        <p:nvSpPr>
-          <p:cNvPr id="39" name="Rectangle 38">
-            <a:extLst>
-              <a:ext uri="{FF2B5EF4-FFF2-40B4-BE49-F238E27FC236}">
-                <a16:creationId xmlns:a16="http://schemas.microsoft.com/office/drawing/2014/main" id="{903EAAE5-E362-4EDC-8FA6-B402020ED175}"/>
-              </a:ext>
-            </a:extLst>
-          </p:cNvPr>
-          <p:cNvSpPr/>
-          <p:nvPr/>
-        </p:nvSpPr>
-        <p:spPr>
-          <a:xfrm>
-            <a:off x="6782495" y="3513139"/>
-            <a:ext cx="2017556" cy="276999"/>
-          </a:xfrm>
-          <a:prstGeom prst="rect">
-            <a:avLst/>
-          </a:prstGeom>
-        </p:spPr>
-        <p:txBody>
-          <a:bodyPr wrap="square">
-            <a:spAutoFit/>
-          </a:bodyPr>
-          <a:lstStyle/>
-          <a:p>
-            <a:r>
-              <a:rPr lang="en-IE" sz="1200" b="1" dirty="0">
-                <a:solidFill>
-                  <a:schemeClr val="tx1">
-                    <a:lumMod val="65000"/>
-                    <a:lumOff val="35000"/>
-                  </a:schemeClr>
-                </a:solidFill>
-                <a:latin typeface="Segoe UI" panose="020B0502040204020203" pitchFamily="34" charset="0"/>
-                <a:cs typeface="Segoe UI" panose="020B0502040204020203" pitchFamily="34" charset="0"/>
-              </a:rPr>
-              <a:t>Write to SQL</a:t>
-            </a:r>
-          </a:p>
-        </p:txBody>
-      </p:sp>
-      <p:pic>
-        <p:nvPicPr>
-          <p:cNvPr id="40" name="Picture 39">
-            <a:extLst>
-              <a:ext uri="{FF2B5EF4-FFF2-40B4-BE49-F238E27FC236}">
-                <a16:creationId xmlns:a16="http://schemas.microsoft.com/office/drawing/2014/main" id="{6019F957-AA2B-4190-91A9-0D0EFD9D76B3}"/>
-              </a:ext>
-            </a:extLst>
-          </p:cNvPr>
-          <p:cNvPicPr>
-            <a:picLocks noChangeAspect="1"/>
-          </p:cNvPicPr>
-          <p:nvPr/>
-        </p:nvPicPr>
-        <p:blipFill>
-          <a:blip r:embed="rId5"/>
-          <a:stretch>
-            <a:fillRect/>
-          </a:stretch>
-        </p:blipFill>
-        <p:spPr>
-          <a:xfrm>
-            <a:off x="6350924" y="3513139"/>
-            <a:ext cx="360000" cy="360000"/>
-          </a:xfrm>
-          <a:prstGeom prst="rect">
-            <a:avLst/>
-          </a:prstGeom>
-        </p:spPr>
-      </p:pic>
-      <p:sp>
-        <p:nvSpPr>
-          <p:cNvPr id="41" name="TextBox 40">
-            <a:extLst>
-              <a:ext uri="{FF2B5EF4-FFF2-40B4-BE49-F238E27FC236}">
-                <a16:creationId xmlns:a16="http://schemas.microsoft.com/office/drawing/2014/main" id="{A65C82C1-B775-44A2-A13E-35C53916205C}"/>
-              </a:ext>
-            </a:extLst>
-          </p:cNvPr>
-          <p:cNvSpPr txBox="1"/>
-          <p:nvPr/>
-        </p:nvSpPr>
-        <p:spPr>
-          <a:xfrm>
-            <a:off x="3233108" y="4926206"/>
-            <a:ext cx="1414911" cy="461665"/>
-          </a:xfrm>
-          <a:prstGeom prst="rect">
-            <a:avLst/>
-          </a:prstGeom>
-          <a:noFill/>
-        </p:spPr>
-        <p:txBody>
-          <a:bodyPr wrap="square" rtlCol="0">
-            <a:spAutoFit/>
-          </a:bodyPr>
-          <a:lstStyle/>
-          <a:p>
-            <a:r>
-              <a:rPr lang="en-IE" sz="1200" b="1" dirty="0">
+              <a:rPr lang="en-IE" sz="1200" dirty="0">
                 <a:solidFill>
                   <a:schemeClr val="tx1">
                     <a:lumMod val="65000"/>
@@ -10217,7 +10130,7 @@
           <a:lstStyle/>
           <a:p>
             <a:r>
-              <a:rPr lang="en-IE" sz="1200" b="1" dirty="0">
+              <a:rPr lang="en-IE" sz="1200" dirty="0">
                 <a:solidFill>
                   <a:schemeClr val="tx1">
                     <a:lumMod val="65000"/>
@@ -10261,7 +10174,7 @@
           <a:lstStyle/>
           <a:p>
             <a:r>
-              <a:rPr lang="en-IE" sz="1200" b="1" dirty="0">
+              <a:rPr lang="en-IE" sz="1200" dirty="0">
                 <a:solidFill>
                   <a:schemeClr val="tx1">
                     <a:lumMod val="65000"/>
@@ -10290,7 +10203,7 @@
         </p:nvSpPr>
         <p:spPr>
           <a:xfrm>
-            <a:off x="1703695" y="2376735"/>
+            <a:off x="1687349" y="2429623"/>
             <a:ext cx="928686" cy="954107"/>
           </a:xfrm>
           <a:prstGeom prst="rect">
@@ -10306,7 +10219,7 @@
           <a:p>
             <a:pPr algn="ctr"/>
             <a:r>
-              <a:rPr lang="en-IE" sz="1400" b="1" dirty="0">
+              <a:rPr lang="en-IE" sz="1400" dirty="0">
                 <a:solidFill>
                   <a:schemeClr val="tx1">
                     <a:lumMod val="65000"/>
@@ -10524,8 +10437,9 @@
             <a:r>
               <a:rPr lang="en-IE" sz="2800" dirty="0">
                 <a:solidFill>
-                  <a:schemeClr val="accent2">
-                    <a:lumMod val="75000"/>
+                  <a:schemeClr val="tx1">
+                    <a:lumMod val="65000"/>
+                    <a:lumOff val="35000"/>
                   </a:schemeClr>
                 </a:solidFill>
                 <a:latin typeface="Segoe UI" panose="020B0502040204020203" pitchFamily="34" charset="0"/>
@@ -10536,45 +10450,6 @@
           </a:p>
         </p:txBody>
       </p:sp>
-      <p:pic>
-        <p:nvPicPr>
-          <p:cNvPr id="50" name="Graphic 49">
-            <a:extLst>
-              <a:ext uri="{FF2B5EF4-FFF2-40B4-BE49-F238E27FC236}">
-                <a16:creationId xmlns:a16="http://schemas.microsoft.com/office/drawing/2014/main" id="{C804D4B0-32FB-47AE-8E9E-18A69C067BCE}"/>
-              </a:ext>
-            </a:extLst>
-          </p:cNvPr>
-          <p:cNvPicPr>
-            <a:picLocks noChangeAspect="1"/>
-          </p:cNvPicPr>
-          <p:nvPr/>
-        </p:nvPicPr>
-        <p:blipFill>
-          <a:blip r:embed="rId14">
-            <a:extLst>
-              <a:ext uri="{28A0092B-C50C-407E-A947-70E740481C1C}">
-                <a14:useLocalDpi xmlns:a14="http://schemas.microsoft.com/office/drawing/2010/main" val="0"/>
-              </a:ext>
-              <a:ext uri="{96DAC541-7B7A-43D3-8B79-37D633B846F1}">
-                <asvg:svgBlip xmlns:asvg="http://schemas.microsoft.com/office/drawing/2016/SVG/main" r:embed="rId15"/>
-              </a:ext>
-            </a:extLst>
-          </a:blip>
-          <a:stretch>
-            <a:fillRect/>
-          </a:stretch>
-        </p:blipFill>
-        <p:spPr>
-          <a:xfrm>
-            <a:off x="388247" y="4874468"/>
-            <a:ext cx="707829" cy="707829"/>
-          </a:xfrm>
-          <a:prstGeom prst="rect">
-            <a:avLst/>
-          </a:prstGeom>
-        </p:spPr>
-      </p:pic>
       <p:sp>
         <p:nvSpPr>
           <p:cNvPr id="51" name="TextBox 50">
@@ -10619,45 +10494,6 @@
           </a:p>
         </p:txBody>
       </p:sp>
-      <p:pic>
-        <p:nvPicPr>
-          <p:cNvPr id="52" name="Graphic 51">
-            <a:extLst>
-              <a:ext uri="{FF2B5EF4-FFF2-40B4-BE49-F238E27FC236}">
-                <a16:creationId xmlns:a16="http://schemas.microsoft.com/office/drawing/2014/main" id="{C3911EB2-4372-4663-B85E-80EA0BBE7F90}"/>
-              </a:ext>
-            </a:extLst>
-          </p:cNvPr>
-          <p:cNvPicPr>
-            <a:picLocks noChangeAspect="1"/>
-          </p:cNvPicPr>
-          <p:nvPr/>
-        </p:nvPicPr>
-        <p:blipFill>
-          <a:blip r:embed="rId16">
-            <a:extLst>
-              <a:ext uri="{28A0092B-C50C-407E-A947-70E740481C1C}">
-                <a14:useLocalDpi xmlns:a14="http://schemas.microsoft.com/office/drawing/2010/main" val="0"/>
-              </a:ext>
-              <a:ext uri="{96DAC541-7B7A-43D3-8B79-37D633B846F1}">
-                <asvg:svgBlip xmlns:asvg="http://schemas.microsoft.com/office/drawing/2016/SVG/main" r:embed="rId17"/>
-              </a:ext>
-            </a:extLst>
-          </a:blip>
-          <a:stretch>
-            <a:fillRect/>
-          </a:stretch>
-        </p:blipFill>
-        <p:spPr>
-          <a:xfrm>
-            <a:off x="384734" y="2074804"/>
-            <a:ext cx="711342" cy="530852"/>
-          </a:xfrm>
-          <a:prstGeom prst="rect">
-            <a:avLst/>
-          </a:prstGeom>
-        </p:spPr>
-      </p:pic>
       <p:cxnSp>
         <p:nvCxnSpPr>
           <p:cNvPr id="53" name="Connector: Elbow 52">
@@ -10711,15 +10547,16 @@
             </a:extLst>
           </p:cNvPr>
           <p:cNvCxnSpPr>
-            <a:stCxn id="17" idx="1"/>
-            <a:endCxn id="26" idx="0"/>
+            <a:cxnSpLocks/>
+            <a:stCxn id="62" idx="1"/>
+            <a:endCxn id="4" idx="0"/>
           </p:cNvCxnSpPr>
           <p:nvPr/>
         </p:nvCxnSpPr>
         <p:spPr>
           <a:xfrm rot="10800000" flipV="1">
-            <a:off x="2549976" y="2637343"/>
-            <a:ext cx="667384" cy="2242516"/>
+            <a:off x="2810064" y="2632410"/>
+            <a:ext cx="425983" cy="2209221"/>
           </a:xfrm>
           <a:prstGeom prst="curvedConnector2">
             <a:avLst/>
@@ -10761,14 +10598,14 @@
           <p:cNvCxnSpPr>
             <a:cxnSpLocks/>
             <a:stCxn id="18" idx="2"/>
-            <a:endCxn id="27" idx="0"/>
+            <a:endCxn id="5" idx="0"/>
           </p:cNvCxnSpPr>
           <p:nvPr/>
         </p:nvCxnSpPr>
         <p:spPr>
           <a:xfrm rot="16200000" flipH="1">
-            <a:off x="4400499" y="2182193"/>
-            <a:ext cx="1698763" cy="3705040"/>
+            <a:off x="4392629" y="2190063"/>
+            <a:ext cx="1684616" cy="3675154"/>
           </a:xfrm>
           <a:prstGeom prst="curvedConnector3">
             <a:avLst>
@@ -10812,14 +10649,14 @@
           <p:cNvCxnSpPr>
             <a:cxnSpLocks/>
             <a:stCxn id="40" idx="2"/>
-            <a:endCxn id="27" idx="0"/>
+            <a:endCxn id="5" idx="0"/>
           </p:cNvCxnSpPr>
           <p:nvPr/>
         </p:nvCxnSpPr>
         <p:spPr>
           <a:xfrm rot="16200000" flipH="1">
-            <a:off x="6311184" y="4092879"/>
-            <a:ext cx="1010956" cy="571476"/>
+            <a:off x="6303315" y="4100748"/>
+            <a:ext cx="996809" cy="541590"/>
           </a:xfrm>
           <a:prstGeom prst="curvedConnector3">
             <a:avLst>
@@ -10924,7 +10761,7 @@
         </p:nvSpPr>
         <p:spPr>
           <a:xfrm>
-            <a:off x="252327" y="4452383"/>
+            <a:off x="211574" y="4252345"/>
             <a:ext cx="1144865" cy="369332"/>
           </a:xfrm>
           <a:prstGeom prst="rect">
@@ -10955,6 +10792,188 @@
           </a:p>
         </p:txBody>
       </p:sp>
+      <p:pic>
+        <p:nvPicPr>
+          <p:cNvPr id="4" name="Picture 3">
+            <a:extLst>
+              <a:ext uri="{FF2B5EF4-FFF2-40B4-BE49-F238E27FC236}">
+                <a16:creationId xmlns:a16="http://schemas.microsoft.com/office/drawing/2014/main" id="{085A60DC-6068-48DB-8F45-EBF7AE149503}"/>
+              </a:ext>
+            </a:extLst>
+          </p:cNvPr>
+          <p:cNvPicPr>
+            <a:picLocks noChangeAspect="1"/>
+          </p:cNvPicPr>
+          <p:nvPr/>
+        </p:nvPicPr>
+        <p:blipFill>
+          <a:blip r:embed="rId12"/>
+          <a:stretch>
+            <a:fillRect/>
+          </a:stretch>
+        </p:blipFill>
+        <p:spPr>
+          <a:xfrm>
+            <a:off x="2035101" y="4841632"/>
+            <a:ext cx="1549923" cy="757349"/>
+          </a:xfrm>
+          <a:prstGeom prst="rect">
+            <a:avLst/>
+          </a:prstGeom>
+          <a:ln>
+            <a:solidFill>
+              <a:schemeClr val="bg1">
+                <a:lumMod val="85000"/>
+              </a:schemeClr>
+            </a:solidFill>
+          </a:ln>
+        </p:spPr>
+      </p:pic>
+      <p:pic>
+        <p:nvPicPr>
+          <p:cNvPr id="5" name="Picture 4">
+            <a:extLst>
+              <a:ext uri="{FF2B5EF4-FFF2-40B4-BE49-F238E27FC236}">
+                <a16:creationId xmlns:a16="http://schemas.microsoft.com/office/drawing/2014/main" id="{F95F1BC0-CD52-4912-86F8-8726C4A17202}"/>
+              </a:ext>
+            </a:extLst>
+          </p:cNvPr>
+          <p:cNvPicPr>
+            <a:picLocks noChangeAspect="1"/>
+          </p:cNvPicPr>
+          <p:nvPr/>
+        </p:nvPicPr>
+        <p:blipFill>
+          <a:blip r:embed="rId12"/>
+          <a:stretch>
+            <a:fillRect/>
+          </a:stretch>
+        </p:blipFill>
+        <p:spPr>
+          <a:xfrm>
+            <a:off x="6297552" y="4869948"/>
+            <a:ext cx="1549923" cy="757349"/>
+          </a:xfrm>
+          <a:prstGeom prst="rect">
+            <a:avLst/>
+          </a:prstGeom>
+          <a:ln>
+            <a:solidFill>
+              <a:schemeClr val="bg1">
+                <a:lumMod val="85000"/>
+              </a:schemeClr>
+            </a:solidFill>
+          </a:ln>
+        </p:spPr>
+      </p:pic>
+      <p:pic>
+        <p:nvPicPr>
+          <p:cNvPr id="7" name="Graphic 6">
+            <a:extLst>
+              <a:ext uri="{FF2B5EF4-FFF2-40B4-BE49-F238E27FC236}">
+                <a16:creationId xmlns:a16="http://schemas.microsoft.com/office/drawing/2014/main" id="{1CC9E8D9-B99B-4B48-93F4-14E1FDF117BF}"/>
+              </a:ext>
+            </a:extLst>
+          </p:cNvPr>
+          <p:cNvPicPr>
+            <a:picLocks noChangeAspect="1"/>
+          </p:cNvPicPr>
+          <p:nvPr/>
+        </p:nvPicPr>
+        <p:blipFill>
+          <a:blip r:embed="rId13">
+            <a:extLst>
+              <a:ext uri="{28A0092B-C50C-407E-A947-70E740481C1C}">
+                <a14:useLocalDpi xmlns:a14="http://schemas.microsoft.com/office/drawing/2010/main" val="0"/>
+              </a:ext>
+              <a:ext uri="{96DAC541-7B7A-43D3-8B79-37D633B846F1}">
+                <asvg:svgBlip xmlns:asvg="http://schemas.microsoft.com/office/drawing/2016/SVG/main" r:embed="rId14"/>
+              </a:ext>
+            </a:extLst>
+          </a:blip>
+          <a:stretch>
+            <a:fillRect/>
+          </a:stretch>
+        </p:blipFill>
+        <p:spPr>
+          <a:xfrm>
+            <a:off x="329693" y="4712897"/>
+            <a:ext cx="914400" cy="914400"/>
+          </a:xfrm>
+          <a:prstGeom prst="rect">
+            <a:avLst/>
+          </a:prstGeom>
+        </p:spPr>
+      </p:pic>
+      <p:pic>
+        <p:nvPicPr>
+          <p:cNvPr id="62" name="Graphic 61">
+            <a:extLst>
+              <a:ext uri="{FF2B5EF4-FFF2-40B4-BE49-F238E27FC236}">
+                <a16:creationId xmlns:a16="http://schemas.microsoft.com/office/drawing/2014/main" id="{A649919C-DFA6-4025-B66D-ABAB00EFAEE8}"/>
+              </a:ext>
+            </a:extLst>
+          </p:cNvPr>
+          <p:cNvPicPr>
+            <a:picLocks noChangeAspect="1"/>
+          </p:cNvPicPr>
+          <p:nvPr/>
+        </p:nvPicPr>
+        <p:blipFill>
+          <a:blip r:embed="rId13" cstate="print">
+            <a:extLst>
+              <a:ext uri="{28A0092B-C50C-407E-A947-70E740481C1C}">
+                <a14:useLocalDpi xmlns:a14="http://schemas.microsoft.com/office/drawing/2010/main" val="0"/>
+              </a:ext>
+              <a:ext uri="{96DAC541-7B7A-43D3-8B79-37D633B846F1}">
+                <asvg:svgBlip xmlns:asvg="http://schemas.microsoft.com/office/drawing/2016/SVG/main" r:embed="rId14"/>
+              </a:ext>
+            </a:extLst>
+          </a:blip>
+          <a:stretch>
+            <a:fillRect/>
+          </a:stretch>
+        </p:blipFill>
+        <p:spPr>
+          <a:xfrm>
+            <a:off x="3236046" y="2479705"/>
+            <a:ext cx="305411" cy="305411"/>
+          </a:xfrm>
+          <a:prstGeom prst="rect">
+            <a:avLst/>
+          </a:prstGeom>
+        </p:spPr>
+      </p:pic>
+      <p:pic>
+        <p:nvPicPr>
+          <p:cNvPr id="64" name="Picture 63">
+            <a:extLst>
+              <a:ext uri="{FF2B5EF4-FFF2-40B4-BE49-F238E27FC236}">
+                <a16:creationId xmlns:a16="http://schemas.microsoft.com/office/drawing/2014/main" id="{2C0C9FBF-8821-4E69-8CCC-2C742CC4D7AA}"/>
+              </a:ext>
+            </a:extLst>
+          </p:cNvPr>
+          <p:cNvPicPr>
+            <a:picLocks noChangeAspect="1"/>
+          </p:cNvPicPr>
+          <p:nvPr/>
+        </p:nvPicPr>
+        <p:blipFill>
+          <a:blip r:embed="rId15"/>
+          <a:stretch>
+            <a:fillRect/>
+          </a:stretch>
+        </p:blipFill>
+        <p:spPr>
+          <a:xfrm>
+            <a:off x="313319" y="1994890"/>
+            <a:ext cx="1032717" cy="834963"/>
+          </a:xfrm>
+          <a:prstGeom prst="rect">
+            <a:avLst/>
+          </a:prstGeom>
+        </p:spPr>
+      </p:pic>
     </p:spTree>
     <p:extLst>
       <p:ext uri="{BB962C8B-B14F-4D97-AF65-F5344CB8AC3E}">
@@ -12157,6 +12176,21 @@
 </file>
 
 <file path=customXml/item1.xml><?xml version="1.0" encoding="utf-8"?>
+<?mso-contentType ?>
+<FormTemplates xmlns="http://schemas.microsoft.com/sharepoint/v3/contenttype/forms">
+  <Display>DocumentLibraryForm</Display>
+  <Edit>DocumentLibraryForm</Edit>
+  <New>DocumentLibraryForm</New>
+</FormTemplates>
+</file>
+
+<file path=customXml/item2.xml><?xml version="1.0" encoding="utf-8"?>
+<p:properties xmlns:p="http://schemas.microsoft.com/office/2006/metadata/properties" xmlns:xsi="http://www.w3.org/2001/XMLSchema-instance" xmlns:pc="http://schemas.microsoft.com/office/infopath/2007/PartnerControls">
+  <documentManagement/>
+</p:properties>
+</file>
+
+<file path=customXml/item3.xml><?xml version="1.0" encoding="utf-8"?>
 <ct:contentTypeSchema xmlns:ct="http://schemas.microsoft.com/office/2006/metadata/contentType" xmlns:ma="http://schemas.microsoft.com/office/2006/metadata/properties/metaAttributes" ct:_="" ma:_="" ma:contentTypeName="Document" ma:contentTypeID="0x010100C06DE69A4F4BF842879CBB58309FEB35" ma:contentTypeVersion="10" ma:contentTypeDescription="Create a new document." ma:contentTypeScope="" ma:versionID="2186611467dfd53204e79c9641488a9c">
   <xsd:schema xmlns:xsd="http://www.w3.org/2001/XMLSchema" xmlns:xs="http://www.w3.org/2001/XMLSchema" xmlns:p="http://schemas.microsoft.com/office/2006/metadata/properties" xmlns:ns2="12d2731f-cf8f-4a67-b1ff-7d98a1aee283" xmlns:ns3="c353b6c8-18ed-4b56-a5c5-6495e55a9c15" targetNamespace="http://schemas.microsoft.com/office/2006/metadata/properties" ma:root="true" ma:fieldsID="d8b4bb9d5ba4a874382a27d5d1ce83b4" ns2:_="" ns3:_="">
     <xsd:import namespace="12d2731f-cf8f-4a67-b1ff-7d98a1aee283"/>
@@ -12359,36 +12393,10 @@
 </ct:contentTypeSchema>
 </file>
 
-<file path=customXml/item2.xml><?xml version="1.0" encoding="utf-8"?>
-<p:properties xmlns:p="http://schemas.microsoft.com/office/2006/metadata/properties" xmlns:xsi="http://www.w3.org/2001/XMLSchema-instance" xmlns:pc="http://schemas.microsoft.com/office/infopath/2007/PartnerControls">
-  <documentManagement/>
-</p:properties>
-</file>
-
-<file path=customXml/item3.xml><?xml version="1.0" encoding="utf-8"?>
-<?mso-contentType ?>
-<FormTemplates xmlns="http://schemas.microsoft.com/sharepoint/v3/contenttype/forms">
-  <Display>DocumentLibraryForm</Display>
-  <Edit>DocumentLibraryForm</Edit>
-  <New>DocumentLibraryForm</New>
-</FormTemplates>
-</file>
-
 <file path=customXml/itemProps1.xml><?xml version="1.0" encoding="utf-8"?>
-<ds:datastoreItem xmlns:ds="http://schemas.openxmlformats.org/officeDocument/2006/customXml" ds:itemID="{A531BB72-B9A7-4BD7-BFB1-AC10A5517624}">
+<ds:datastoreItem xmlns:ds="http://schemas.openxmlformats.org/officeDocument/2006/customXml" ds:itemID="{10C75660-6496-4BAB-8878-FA53D17BE5D9}">
   <ds:schemaRefs>
-    <ds:schemaRef ds:uri="http://schemas.microsoft.com/office/2006/metadata/contentType"/>
-    <ds:schemaRef ds:uri="http://schemas.microsoft.com/office/2006/metadata/properties/metaAttributes"/>
-    <ds:schemaRef ds:uri="http://www.w3.org/2001/XMLSchema"/>
-    <ds:schemaRef ds:uri="http://schemas.microsoft.com/office/2006/metadata/properties"/>
-    <ds:schemaRef ds:uri="12d2731f-cf8f-4a67-b1ff-7d98a1aee283"/>
-    <ds:schemaRef ds:uri="c353b6c8-18ed-4b56-a5c5-6495e55a9c15"/>
-    <ds:schemaRef ds:uri="http://schemas.microsoft.com/office/2006/documentManagement/types"/>
-    <ds:schemaRef ds:uri="http://schemas.microsoft.com/office/infopath/2007/PartnerControls"/>
-    <ds:schemaRef ds:uri="http://schemas.openxmlformats.org/package/2006/metadata/core-properties"/>
-    <ds:schemaRef ds:uri="http://purl.org/dc/elements/1.1/"/>
-    <ds:schemaRef ds:uri="http://purl.org/dc/terms/"/>
-    <ds:schemaRef ds:uri="http://schemas.microsoft.com/internal/obd"/>
+    <ds:schemaRef ds:uri="http://schemas.microsoft.com/sharepoint/v3/contenttype/forms"/>
   </ds:schemaRefs>
 </ds:datastoreItem>
 </file>
@@ -12411,9 +12419,20 @@
 </file>
 
 <file path=customXml/itemProps3.xml><?xml version="1.0" encoding="utf-8"?>
-<ds:datastoreItem xmlns:ds="http://schemas.openxmlformats.org/officeDocument/2006/customXml" ds:itemID="{10C75660-6496-4BAB-8878-FA53D17BE5D9}">
+<ds:datastoreItem xmlns:ds="http://schemas.openxmlformats.org/officeDocument/2006/customXml" ds:itemID="{A531BB72-B9A7-4BD7-BFB1-AC10A5517624}">
   <ds:schemaRefs>
-    <ds:schemaRef ds:uri="http://schemas.microsoft.com/sharepoint/v3/contenttype/forms"/>
+    <ds:schemaRef ds:uri="http://schemas.microsoft.com/office/2006/metadata/contentType"/>
+    <ds:schemaRef ds:uri="http://schemas.microsoft.com/office/2006/metadata/properties/metaAttributes"/>
+    <ds:schemaRef ds:uri="http://www.w3.org/2001/XMLSchema"/>
+    <ds:schemaRef ds:uri="http://schemas.microsoft.com/office/2006/metadata/properties"/>
+    <ds:schemaRef ds:uri="12d2731f-cf8f-4a67-b1ff-7d98a1aee283"/>
+    <ds:schemaRef ds:uri="c353b6c8-18ed-4b56-a5c5-6495e55a9c15"/>
+    <ds:schemaRef ds:uri="http://schemas.microsoft.com/office/2006/documentManagement/types"/>
+    <ds:schemaRef ds:uri="http://schemas.microsoft.com/office/infopath/2007/PartnerControls"/>
+    <ds:schemaRef ds:uri="http://schemas.openxmlformats.org/package/2006/metadata/core-properties"/>
+    <ds:schemaRef ds:uri="http://purl.org/dc/elements/1.1/"/>
+    <ds:schemaRef ds:uri="http://purl.org/dc/terms/"/>
+    <ds:schemaRef ds:uri="http://schemas.microsoft.com/internal/obd"/>
   </ds:schemaRefs>
 </ds:datastoreItem>
 </file>
--- a/Power Automate Image Analytics/Power Automate Image Analytics.pptx
+++ b/Power Automate Image Analytics/Power Automate Image Analytics.pptx
@@ -7696,14 +7696,21 @@
           <a:p>
             <a:r>
               <a:rPr lang="en-IE" dirty="0"/>
-              <a:t>Power Automate</a:t>
+              <a:t>Power Automate </a:t>
             </a:r>
             <a:br>
               <a:rPr lang="en-IE" dirty="0"/>
             </a:br>
             <a:r>
               <a:rPr lang="en-IE" dirty="0"/>
-              <a:t>Image Analytics</a:t>
+              <a:t>your way to </a:t>
+            </a:r>
+            <a:br>
+              <a:rPr lang="en-IE" dirty="0"/>
+            </a:br>
+            <a:r>
+              <a:rPr lang="en-IE" dirty="0"/>
+              <a:t>Cognitive Services</a:t>
             </a:r>
           </a:p>
         </p:txBody>
@@ -12176,21 +12183,6 @@
 </file>
 
 <file path=customXml/item1.xml><?xml version="1.0" encoding="utf-8"?>
-<?mso-contentType ?>
-<FormTemplates xmlns="http://schemas.microsoft.com/sharepoint/v3/contenttype/forms">
-  <Display>DocumentLibraryForm</Display>
-  <Edit>DocumentLibraryForm</Edit>
-  <New>DocumentLibraryForm</New>
-</FormTemplates>
-</file>
-
-<file path=customXml/item2.xml><?xml version="1.0" encoding="utf-8"?>
-<p:properties xmlns:p="http://schemas.microsoft.com/office/2006/metadata/properties" xmlns:xsi="http://www.w3.org/2001/XMLSchema-instance" xmlns:pc="http://schemas.microsoft.com/office/infopath/2007/PartnerControls">
-  <documentManagement/>
-</p:properties>
-</file>
-
-<file path=customXml/item3.xml><?xml version="1.0" encoding="utf-8"?>
 <ct:contentTypeSchema xmlns:ct="http://schemas.microsoft.com/office/2006/metadata/contentType" xmlns:ma="http://schemas.microsoft.com/office/2006/metadata/properties/metaAttributes" ct:_="" ma:_="" ma:contentTypeName="Document" ma:contentTypeID="0x010100C06DE69A4F4BF842879CBB58309FEB35" ma:contentTypeVersion="10" ma:contentTypeDescription="Create a new document." ma:contentTypeScope="" ma:versionID="2186611467dfd53204e79c9641488a9c">
   <xsd:schema xmlns:xsd="http://www.w3.org/2001/XMLSchema" xmlns:xs="http://www.w3.org/2001/XMLSchema" xmlns:p="http://schemas.microsoft.com/office/2006/metadata/properties" xmlns:ns2="12d2731f-cf8f-4a67-b1ff-7d98a1aee283" xmlns:ns3="c353b6c8-18ed-4b56-a5c5-6495e55a9c15" targetNamespace="http://schemas.microsoft.com/office/2006/metadata/properties" ma:root="true" ma:fieldsID="d8b4bb9d5ba4a874382a27d5d1ce83b4" ns2:_="" ns3:_="">
     <xsd:import namespace="12d2731f-cf8f-4a67-b1ff-7d98a1aee283"/>
@@ -12393,10 +12385,36 @@
 </ct:contentTypeSchema>
 </file>
 
+<file path=customXml/item2.xml><?xml version="1.0" encoding="utf-8"?>
+<p:properties xmlns:p="http://schemas.microsoft.com/office/2006/metadata/properties" xmlns:xsi="http://www.w3.org/2001/XMLSchema-instance" xmlns:pc="http://schemas.microsoft.com/office/infopath/2007/PartnerControls">
+  <documentManagement/>
+</p:properties>
+</file>
+
+<file path=customXml/item3.xml><?xml version="1.0" encoding="utf-8"?>
+<?mso-contentType ?>
+<FormTemplates xmlns="http://schemas.microsoft.com/sharepoint/v3/contenttype/forms">
+  <Display>DocumentLibraryForm</Display>
+  <Edit>DocumentLibraryForm</Edit>
+  <New>DocumentLibraryForm</New>
+</FormTemplates>
+</file>
+
 <file path=customXml/itemProps1.xml><?xml version="1.0" encoding="utf-8"?>
-<ds:datastoreItem xmlns:ds="http://schemas.openxmlformats.org/officeDocument/2006/customXml" ds:itemID="{10C75660-6496-4BAB-8878-FA53D17BE5D9}">
+<ds:datastoreItem xmlns:ds="http://schemas.openxmlformats.org/officeDocument/2006/customXml" ds:itemID="{A531BB72-B9A7-4BD7-BFB1-AC10A5517624}">
   <ds:schemaRefs>
-    <ds:schemaRef ds:uri="http://schemas.microsoft.com/sharepoint/v3/contenttype/forms"/>
+    <ds:schemaRef ds:uri="http://schemas.microsoft.com/office/2006/metadata/contentType"/>
+    <ds:schemaRef ds:uri="http://schemas.microsoft.com/office/2006/metadata/properties/metaAttributes"/>
+    <ds:schemaRef ds:uri="http://www.w3.org/2001/XMLSchema"/>
+    <ds:schemaRef ds:uri="http://schemas.microsoft.com/office/2006/metadata/properties"/>
+    <ds:schemaRef ds:uri="12d2731f-cf8f-4a67-b1ff-7d98a1aee283"/>
+    <ds:schemaRef ds:uri="c353b6c8-18ed-4b56-a5c5-6495e55a9c15"/>
+    <ds:schemaRef ds:uri="http://schemas.microsoft.com/office/2006/documentManagement/types"/>
+    <ds:schemaRef ds:uri="http://schemas.microsoft.com/office/infopath/2007/PartnerControls"/>
+    <ds:schemaRef ds:uri="http://schemas.openxmlformats.org/package/2006/metadata/core-properties"/>
+    <ds:schemaRef ds:uri="http://purl.org/dc/elements/1.1/"/>
+    <ds:schemaRef ds:uri="http://purl.org/dc/terms/"/>
+    <ds:schemaRef ds:uri="http://schemas.microsoft.com/internal/obd"/>
   </ds:schemaRefs>
 </ds:datastoreItem>
 </file>
@@ -12419,20 +12437,9 @@
 </file>
 
 <file path=customXml/itemProps3.xml><?xml version="1.0" encoding="utf-8"?>
-<ds:datastoreItem xmlns:ds="http://schemas.openxmlformats.org/officeDocument/2006/customXml" ds:itemID="{A531BB72-B9A7-4BD7-BFB1-AC10A5517624}">
+<ds:datastoreItem xmlns:ds="http://schemas.openxmlformats.org/officeDocument/2006/customXml" ds:itemID="{10C75660-6496-4BAB-8878-FA53D17BE5D9}">
   <ds:schemaRefs>
-    <ds:schemaRef ds:uri="http://schemas.microsoft.com/office/2006/metadata/contentType"/>
-    <ds:schemaRef ds:uri="http://schemas.microsoft.com/office/2006/metadata/properties/metaAttributes"/>
-    <ds:schemaRef ds:uri="http://www.w3.org/2001/XMLSchema"/>
-    <ds:schemaRef ds:uri="http://schemas.microsoft.com/office/2006/metadata/properties"/>
-    <ds:schemaRef ds:uri="12d2731f-cf8f-4a67-b1ff-7d98a1aee283"/>
-    <ds:schemaRef ds:uri="c353b6c8-18ed-4b56-a5c5-6495e55a9c15"/>
-    <ds:schemaRef ds:uri="http://schemas.microsoft.com/office/2006/documentManagement/types"/>
-    <ds:schemaRef ds:uri="http://schemas.microsoft.com/office/infopath/2007/PartnerControls"/>
-    <ds:schemaRef ds:uri="http://schemas.openxmlformats.org/package/2006/metadata/core-properties"/>
-    <ds:schemaRef ds:uri="http://purl.org/dc/elements/1.1/"/>
-    <ds:schemaRef ds:uri="http://purl.org/dc/terms/"/>
-    <ds:schemaRef ds:uri="http://schemas.microsoft.com/internal/obd"/>
+    <ds:schemaRef ds:uri="http://schemas.microsoft.com/sharepoint/v3/contenttype/forms"/>
   </ds:schemaRefs>
 </ds:datastoreItem>
 </file>
--- a/Power Automate Image Analytics/Power Automate Image Analytics.pptx
+++ b/Power Automate Image Analytics/Power Automate Image Analytics.pptx
@@ -208,7 +208,7 @@
           <a:p>
             <a:fld id="{34B5C9CA-2D5F-447E-9B79-C98CB45DDD68}" type="datetimeFigureOut">
               <a:rPr lang="en-US" smtClean="0"/>
-              <a:t>11/5/2020</a:t>
+              <a:t>11/6/2020</a:t>
             </a:fld>
             <a:endParaRPr lang="en-US"/>
           </a:p>
@@ -373,7 +373,7 @@
           <a:p>
             <a:fld id="{9FBB69ED-36D7-4532-B7E1-AEDC9E37F886}" type="datetimeFigureOut">
               <a:rPr lang="en-US" smtClean="0"/>
-              <a:t>11/5/2020</a:t>
+              <a:t>11/6/2020</a:t>
             </a:fld>
             <a:endParaRPr lang="en-US"/>
           </a:p>
@@ -7983,7 +7983,7 @@
         <p:spPr>
           <a:xfrm>
             <a:off x="5798009" y="3059372"/>
-            <a:ext cx="5141537" cy="1569660"/>
+            <a:ext cx="5141537" cy="1938992"/>
           </a:xfrm>
           <a:prstGeom prst="rect">
             <a:avLst/>
@@ -8057,6 +8057,22 @@
                 <a:cs typeface="Segoe UI" panose="020B0502040204020203" pitchFamily="34" charset="0"/>
               </a:rPr>
               <a:t>New Pics or from your Gallery</a:t>
+            </a:r>
+          </a:p>
+          <a:p>
+            <a:pPr marL="285750" indent="-285750">
+              <a:buFont typeface="Wingdings" panose="05000000000000000000" pitchFamily="2" charset="2"/>
+              <a:buChar char="ü"/>
+            </a:pPr>
+            <a:r>
+              <a:rPr lang="en-IE" sz="2400" dirty="0">
+                <a:solidFill>
+                  <a:schemeClr val="accent6"/>
+                </a:solidFill>
+                <a:latin typeface="Segoe UI" panose="020B0502040204020203" pitchFamily="34" charset="0"/>
+                <a:cs typeface="Segoe UI" panose="020B0502040204020203" pitchFamily="34" charset="0"/>
+              </a:rPr>
+              <a:t>No USA Election!!</a:t>
             </a:r>
           </a:p>
         </p:txBody>
@@ -12183,6 +12199,21 @@
 </file>
 
 <file path=customXml/item1.xml><?xml version="1.0" encoding="utf-8"?>
+<?mso-contentType ?>
+<FormTemplates xmlns="http://schemas.microsoft.com/sharepoint/v3/contenttype/forms">
+  <Display>DocumentLibraryForm</Display>
+  <Edit>DocumentLibraryForm</Edit>
+  <New>DocumentLibraryForm</New>
+</FormTemplates>
+</file>
+
+<file path=customXml/item2.xml><?xml version="1.0" encoding="utf-8"?>
+<p:properties xmlns:p="http://schemas.microsoft.com/office/2006/metadata/properties" xmlns:xsi="http://www.w3.org/2001/XMLSchema-instance" xmlns:pc="http://schemas.microsoft.com/office/infopath/2007/PartnerControls">
+  <documentManagement/>
+</p:properties>
+</file>
+
+<file path=customXml/item3.xml><?xml version="1.0" encoding="utf-8"?>
 <ct:contentTypeSchema xmlns:ct="http://schemas.microsoft.com/office/2006/metadata/contentType" xmlns:ma="http://schemas.microsoft.com/office/2006/metadata/properties/metaAttributes" ct:_="" ma:_="" ma:contentTypeName="Document" ma:contentTypeID="0x010100C06DE69A4F4BF842879CBB58309FEB35" ma:contentTypeVersion="10" ma:contentTypeDescription="Create a new document." ma:contentTypeScope="" ma:versionID="2186611467dfd53204e79c9641488a9c">
   <xsd:schema xmlns:xsd="http://www.w3.org/2001/XMLSchema" xmlns:xs="http://www.w3.org/2001/XMLSchema" xmlns:p="http://schemas.microsoft.com/office/2006/metadata/properties" xmlns:ns2="12d2731f-cf8f-4a67-b1ff-7d98a1aee283" xmlns:ns3="c353b6c8-18ed-4b56-a5c5-6495e55a9c15" targetNamespace="http://schemas.microsoft.com/office/2006/metadata/properties" ma:root="true" ma:fieldsID="d8b4bb9d5ba4a874382a27d5d1ce83b4" ns2:_="" ns3:_="">
     <xsd:import namespace="12d2731f-cf8f-4a67-b1ff-7d98a1aee283"/>
@@ -12385,36 +12416,10 @@
 </ct:contentTypeSchema>
 </file>
 
-<file path=customXml/item2.xml><?xml version="1.0" encoding="utf-8"?>
-<p:properties xmlns:p="http://schemas.microsoft.com/office/2006/metadata/properties" xmlns:xsi="http://www.w3.org/2001/XMLSchema-instance" xmlns:pc="http://schemas.microsoft.com/office/infopath/2007/PartnerControls">
-  <documentManagement/>
-</p:properties>
-</file>
-
-<file path=customXml/item3.xml><?xml version="1.0" encoding="utf-8"?>
-<?mso-contentType ?>
-<FormTemplates xmlns="http://schemas.microsoft.com/sharepoint/v3/contenttype/forms">
-  <Display>DocumentLibraryForm</Display>
-  <Edit>DocumentLibraryForm</Edit>
-  <New>DocumentLibraryForm</New>
-</FormTemplates>
-</file>
-
 <file path=customXml/itemProps1.xml><?xml version="1.0" encoding="utf-8"?>
-<ds:datastoreItem xmlns:ds="http://schemas.openxmlformats.org/officeDocument/2006/customXml" ds:itemID="{A531BB72-B9A7-4BD7-BFB1-AC10A5517624}">
+<ds:datastoreItem xmlns:ds="http://schemas.openxmlformats.org/officeDocument/2006/customXml" ds:itemID="{10C75660-6496-4BAB-8878-FA53D17BE5D9}">
   <ds:schemaRefs>
-    <ds:schemaRef ds:uri="http://schemas.microsoft.com/office/2006/metadata/contentType"/>
-    <ds:schemaRef ds:uri="http://schemas.microsoft.com/office/2006/metadata/properties/metaAttributes"/>
-    <ds:schemaRef ds:uri="http://www.w3.org/2001/XMLSchema"/>
-    <ds:schemaRef ds:uri="http://schemas.microsoft.com/office/2006/metadata/properties"/>
-    <ds:schemaRef ds:uri="12d2731f-cf8f-4a67-b1ff-7d98a1aee283"/>
-    <ds:schemaRef ds:uri="c353b6c8-18ed-4b56-a5c5-6495e55a9c15"/>
-    <ds:schemaRef ds:uri="http://schemas.microsoft.com/office/2006/documentManagement/types"/>
-    <ds:schemaRef ds:uri="http://schemas.microsoft.com/office/infopath/2007/PartnerControls"/>
-    <ds:schemaRef ds:uri="http://schemas.openxmlformats.org/package/2006/metadata/core-properties"/>
-    <ds:schemaRef ds:uri="http://purl.org/dc/elements/1.1/"/>
-    <ds:schemaRef ds:uri="http://purl.org/dc/terms/"/>
-    <ds:schemaRef ds:uri="http://schemas.microsoft.com/internal/obd"/>
+    <ds:schemaRef ds:uri="http://schemas.microsoft.com/sharepoint/v3/contenttype/forms"/>
   </ds:schemaRefs>
 </ds:datastoreItem>
 </file>
@@ -12437,9 +12442,20 @@
 </file>
 
 <file path=customXml/itemProps3.xml><?xml version="1.0" encoding="utf-8"?>
-<ds:datastoreItem xmlns:ds="http://schemas.openxmlformats.org/officeDocument/2006/customXml" ds:itemID="{10C75660-6496-4BAB-8878-FA53D17BE5D9}">
+<ds:datastoreItem xmlns:ds="http://schemas.openxmlformats.org/officeDocument/2006/customXml" ds:itemID="{A531BB72-B9A7-4BD7-BFB1-AC10A5517624}">
   <ds:schemaRefs>
-    <ds:schemaRef ds:uri="http://schemas.microsoft.com/sharepoint/v3/contenttype/forms"/>
+    <ds:schemaRef ds:uri="http://schemas.microsoft.com/office/2006/metadata/contentType"/>
+    <ds:schemaRef ds:uri="http://schemas.microsoft.com/office/2006/metadata/properties/metaAttributes"/>
+    <ds:schemaRef ds:uri="http://www.w3.org/2001/XMLSchema"/>
+    <ds:schemaRef ds:uri="http://schemas.microsoft.com/office/2006/metadata/properties"/>
+    <ds:schemaRef ds:uri="12d2731f-cf8f-4a67-b1ff-7d98a1aee283"/>
+    <ds:schemaRef ds:uri="c353b6c8-18ed-4b56-a5c5-6495e55a9c15"/>
+    <ds:schemaRef ds:uri="http://schemas.microsoft.com/office/2006/documentManagement/types"/>
+    <ds:schemaRef ds:uri="http://schemas.microsoft.com/office/infopath/2007/PartnerControls"/>
+    <ds:schemaRef ds:uri="http://schemas.openxmlformats.org/package/2006/metadata/core-properties"/>
+    <ds:schemaRef ds:uri="http://purl.org/dc/elements/1.1/"/>
+    <ds:schemaRef ds:uri="http://purl.org/dc/terms/"/>
+    <ds:schemaRef ds:uri="http://schemas.microsoft.com/internal/obd"/>
   </ds:schemaRefs>
 </ds:datastoreItem>
 </file>
--- a/Power Automate Image Analytics/Power Automate Image Analytics.pptx
+++ b/Power Automate Image Analytics/Power Automate Image Analytics.pptx
@@ -208,7 +208,7 @@
           <a:p>
             <a:fld id="{34B5C9CA-2D5F-447E-9B79-C98CB45DDD68}" type="datetimeFigureOut">
               <a:rPr lang="en-US" smtClean="0"/>
-              <a:t>11/6/2020</a:t>
+              <a:t>2/6/2021</a:t>
             </a:fld>
             <a:endParaRPr lang="en-US"/>
           </a:p>
@@ -373,7 +373,7 @@
           <a:p>
             <a:fld id="{9FBB69ED-36D7-4532-B7E1-AEDC9E37F886}" type="datetimeFigureOut">
               <a:rPr lang="en-US" smtClean="0"/>
-              <a:t>11/6/2020</a:t>
+              <a:t>2/6/2021</a:t>
             </a:fld>
             <a:endParaRPr lang="en-US"/>
           </a:p>
@@ -8072,7 +8072,28 @@
                 <a:latin typeface="Segoe UI" panose="020B0502040204020203" pitchFamily="34" charset="0"/>
                 <a:cs typeface="Segoe UI" panose="020B0502040204020203" pitchFamily="34" charset="0"/>
               </a:rPr>
-              <a:t>No USA Election!!</a:t>
+              <a:t>No Politics Please </a:t>
+            </a:r>
+            <a:r>
+              <a:rPr lang="en-IE" sz="2400" dirty="0">
+                <a:solidFill>
+                  <a:schemeClr val="accent6"/>
+                </a:solidFill>
+                <a:latin typeface="Segoe UI" panose="020B0502040204020203" pitchFamily="34" charset="0"/>
+                <a:cs typeface="Segoe UI" panose="020B0502040204020203" pitchFamily="34" charset="0"/>
+                <a:sym typeface="Wingdings" panose="05000000000000000000" pitchFamily="2" charset="2"/>
+              </a:rPr>
+              <a:t> </a:t>
+            </a:r>
+            <a:r>
+              <a:rPr lang="en-IE" sz="2400" dirty="0">
+                <a:solidFill>
+                  <a:schemeClr val="accent6"/>
+                </a:solidFill>
+                <a:latin typeface="Segoe UI" panose="020B0502040204020203" pitchFamily="34" charset="0"/>
+                <a:cs typeface="Segoe UI" panose="020B0502040204020203" pitchFamily="34" charset="0"/>
+              </a:rPr>
+              <a:t>!!</a:t>
             </a:r>
           </a:p>
         </p:txBody>
@@ -12199,21 +12220,6 @@
 </file>
 
 <file path=customXml/item1.xml><?xml version="1.0" encoding="utf-8"?>
-<?mso-contentType ?>
-<FormTemplates xmlns="http://schemas.microsoft.com/sharepoint/v3/contenttype/forms">
-  <Display>DocumentLibraryForm</Display>
-  <Edit>DocumentLibraryForm</Edit>
-  <New>DocumentLibraryForm</New>
-</FormTemplates>
-</file>
-
-<file path=customXml/item2.xml><?xml version="1.0" encoding="utf-8"?>
-<p:properties xmlns:p="http://schemas.microsoft.com/office/2006/metadata/properties" xmlns:xsi="http://www.w3.org/2001/XMLSchema-instance" xmlns:pc="http://schemas.microsoft.com/office/infopath/2007/PartnerControls">
-  <documentManagement/>
-</p:properties>
-</file>
-
-<file path=customXml/item3.xml><?xml version="1.0" encoding="utf-8"?>
 <ct:contentTypeSchema xmlns:ct="http://schemas.microsoft.com/office/2006/metadata/contentType" xmlns:ma="http://schemas.microsoft.com/office/2006/metadata/properties/metaAttributes" ct:_="" ma:_="" ma:contentTypeName="Document" ma:contentTypeID="0x010100C06DE69A4F4BF842879CBB58309FEB35" ma:contentTypeVersion="10" ma:contentTypeDescription="Create a new document." ma:contentTypeScope="" ma:versionID="2186611467dfd53204e79c9641488a9c">
   <xsd:schema xmlns:xsd="http://www.w3.org/2001/XMLSchema" xmlns:xs="http://www.w3.org/2001/XMLSchema" xmlns:p="http://schemas.microsoft.com/office/2006/metadata/properties" xmlns:ns2="12d2731f-cf8f-4a67-b1ff-7d98a1aee283" xmlns:ns3="c353b6c8-18ed-4b56-a5c5-6495e55a9c15" targetNamespace="http://schemas.microsoft.com/office/2006/metadata/properties" ma:root="true" ma:fieldsID="d8b4bb9d5ba4a874382a27d5d1ce83b4" ns2:_="" ns3:_="">
     <xsd:import namespace="12d2731f-cf8f-4a67-b1ff-7d98a1aee283"/>
@@ -12416,10 +12422,36 @@
 </ct:contentTypeSchema>
 </file>
 
+<file path=customXml/item2.xml><?xml version="1.0" encoding="utf-8"?>
+<p:properties xmlns:p="http://schemas.microsoft.com/office/2006/metadata/properties" xmlns:xsi="http://www.w3.org/2001/XMLSchema-instance" xmlns:pc="http://schemas.microsoft.com/office/infopath/2007/PartnerControls">
+  <documentManagement/>
+</p:properties>
+</file>
+
+<file path=customXml/item3.xml><?xml version="1.0" encoding="utf-8"?>
+<?mso-contentType ?>
+<FormTemplates xmlns="http://schemas.microsoft.com/sharepoint/v3/contenttype/forms">
+  <Display>DocumentLibraryForm</Display>
+  <Edit>DocumentLibraryForm</Edit>
+  <New>DocumentLibraryForm</New>
+</FormTemplates>
+</file>
+
 <file path=customXml/itemProps1.xml><?xml version="1.0" encoding="utf-8"?>
-<ds:datastoreItem xmlns:ds="http://schemas.openxmlformats.org/officeDocument/2006/customXml" ds:itemID="{10C75660-6496-4BAB-8878-FA53D17BE5D9}">
+<ds:datastoreItem xmlns:ds="http://schemas.openxmlformats.org/officeDocument/2006/customXml" ds:itemID="{A531BB72-B9A7-4BD7-BFB1-AC10A5517624}">
   <ds:schemaRefs>
-    <ds:schemaRef ds:uri="http://schemas.microsoft.com/sharepoint/v3/contenttype/forms"/>
+    <ds:schemaRef ds:uri="http://schemas.microsoft.com/office/2006/metadata/contentType"/>
+    <ds:schemaRef ds:uri="http://schemas.microsoft.com/office/2006/metadata/properties/metaAttributes"/>
+    <ds:schemaRef ds:uri="http://www.w3.org/2001/XMLSchema"/>
+    <ds:schemaRef ds:uri="http://schemas.microsoft.com/office/2006/metadata/properties"/>
+    <ds:schemaRef ds:uri="12d2731f-cf8f-4a67-b1ff-7d98a1aee283"/>
+    <ds:schemaRef ds:uri="c353b6c8-18ed-4b56-a5c5-6495e55a9c15"/>
+    <ds:schemaRef ds:uri="http://schemas.microsoft.com/office/2006/documentManagement/types"/>
+    <ds:schemaRef ds:uri="http://schemas.microsoft.com/office/infopath/2007/PartnerControls"/>
+    <ds:schemaRef ds:uri="http://schemas.openxmlformats.org/package/2006/metadata/core-properties"/>
+    <ds:schemaRef ds:uri="http://purl.org/dc/elements/1.1/"/>
+    <ds:schemaRef ds:uri="http://purl.org/dc/terms/"/>
+    <ds:schemaRef ds:uri="http://schemas.microsoft.com/internal/obd"/>
   </ds:schemaRefs>
 </ds:datastoreItem>
 </file>
@@ -12442,20 +12474,9 @@
 </file>
 
 <file path=customXml/itemProps3.xml><?xml version="1.0" encoding="utf-8"?>
-<ds:datastoreItem xmlns:ds="http://schemas.openxmlformats.org/officeDocument/2006/customXml" ds:itemID="{A531BB72-B9A7-4BD7-BFB1-AC10A5517624}">
+<ds:datastoreItem xmlns:ds="http://schemas.openxmlformats.org/officeDocument/2006/customXml" ds:itemID="{10C75660-6496-4BAB-8878-FA53D17BE5D9}">
   <ds:schemaRefs>
-    <ds:schemaRef ds:uri="http://schemas.microsoft.com/office/2006/metadata/contentType"/>
-    <ds:schemaRef ds:uri="http://schemas.microsoft.com/office/2006/metadata/properties/metaAttributes"/>
-    <ds:schemaRef ds:uri="http://www.w3.org/2001/XMLSchema"/>
-    <ds:schemaRef ds:uri="http://schemas.microsoft.com/office/2006/metadata/properties"/>
-    <ds:schemaRef ds:uri="12d2731f-cf8f-4a67-b1ff-7d98a1aee283"/>
-    <ds:schemaRef ds:uri="c353b6c8-18ed-4b56-a5c5-6495e55a9c15"/>
-    <ds:schemaRef ds:uri="http://schemas.microsoft.com/office/2006/documentManagement/types"/>
-    <ds:schemaRef ds:uri="http://schemas.microsoft.com/office/infopath/2007/PartnerControls"/>
-    <ds:schemaRef ds:uri="http://schemas.openxmlformats.org/package/2006/metadata/core-properties"/>
-    <ds:schemaRef ds:uri="http://purl.org/dc/elements/1.1/"/>
-    <ds:schemaRef ds:uri="http://purl.org/dc/terms/"/>
-    <ds:schemaRef ds:uri="http://schemas.microsoft.com/internal/obd"/>
+    <ds:schemaRef ds:uri="http://schemas.microsoft.com/sharepoint/v3/contenttype/forms"/>
   </ds:schemaRefs>
 </ds:datastoreItem>
 </file>
--- a/Power Automate Image Analytics/Power Automate Image Analytics.pptx
+++ b/Power Automate Image Analytics/Power Automate Image Analytics.pptx
@@ -208,7 +208,7 @@
           <a:p>
             <a:fld id="{34B5C9CA-2D5F-447E-9B79-C98CB45DDD68}" type="datetimeFigureOut">
               <a:rPr lang="en-US" smtClean="0"/>
-              <a:t>2/6/2021</a:t>
+              <a:t>2/7/2021</a:t>
             </a:fld>
             <a:endParaRPr lang="en-US"/>
           </a:p>
@@ -373,7 +373,7 @@
           <a:p>
             <a:fld id="{9FBB69ED-36D7-4532-B7E1-AEDC9E37F886}" type="datetimeFigureOut">
               <a:rPr lang="en-US" smtClean="0"/>
-              <a:t>2/6/2021</a:t>
+              <a:t>2/7/2021</a:t>
             </a:fld>
             <a:endParaRPr lang="en-US"/>
           </a:p>
@@ -9079,7 +9079,7 @@
           <a:prstGeom prst="rect">
             <a:avLst/>
           </a:prstGeom>
-          <a:ln w="12700">
+          <a:ln w="9525">
             <a:solidFill>
               <a:schemeClr val="tx1">
                 <a:lumMod val="65000"/>
@@ -9583,7 +9583,7 @@
         </p:blipFill>
         <p:spPr>
           <a:xfrm>
-            <a:off x="9881608" y="2691619"/>
+            <a:off x="9966267" y="2427396"/>
             <a:ext cx="360000" cy="360000"/>
           </a:xfrm>
           <a:prstGeom prst="rect">
@@ -10203,7 +10203,7 @@
         </p:nvSpPr>
         <p:spPr>
           <a:xfrm>
-            <a:off x="10301058" y="2632411"/>
+            <a:off x="10385717" y="2368188"/>
             <a:ext cx="1526702" cy="461665"/>
           </a:xfrm>
           <a:prstGeom prst="rect">
@@ -11018,6 +11018,89 @@
           </a:prstGeom>
         </p:spPr>
       </p:pic>
+      <p:pic>
+        <p:nvPicPr>
+          <p:cNvPr id="8" name="Graphic 7" descr="Garbage outline">
+            <a:extLst>
+              <a:ext uri="{FF2B5EF4-FFF2-40B4-BE49-F238E27FC236}">
+                <a16:creationId xmlns:a16="http://schemas.microsoft.com/office/drawing/2014/main" id="{56840D06-9B57-4729-A128-68CF49A51CFF}"/>
+              </a:ext>
+            </a:extLst>
+          </p:cNvPr>
+          <p:cNvPicPr>
+            <a:picLocks noChangeAspect="1"/>
+          </p:cNvPicPr>
+          <p:nvPr/>
+        </p:nvPicPr>
+        <p:blipFill>
+          <a:blip r:embed="rId16" cstate="print">
+            <a:extLst>
+              <a:ext uri="{28A0092B-C50C-407E-A947-70E740481C1C}">
+                <a14:useLocalDpi xmlns:a14="http://schemas.microsoft.com/office/drawing/2010/main" val="0"/>
+              </a:ext>
+              <a:ext uri="{96DAC541-7B7A-43D3-8B79-37D633B846F1}">
+                <asvg:svgBlip xmlns:asvg="http://schemas.microsoft.com/office/drawing/2016/SVG/main" r:embed="rId17"/>
+              </a:ext>
+            </a:extLst>
+          </a:blip>
+          <a:stretch>
+            <a:fillRect/>
+          </a:stretch>
+        </p:blipFill>
+        <p:spPr>
+          <a:xfrm>
+            <a:off x="9980217" y="2853641"/>
+            <a:ext cx="360001" cy="360001"/>
+          </a:xfrm>
+          <a:prstGeom prst="rect">
+            <a:avLst/>
+          </a:prstGeom>
+        </p:spPr>
+      </p:pic>
+      <p:sp>
+        <p:nvSpPr>
+          <p:cNvPr id="60" name="TextBox 59">
+            <a:extLst>
+              <a:ext uri="{FF2B5EF4-FFF2-40B4-BE49-F238E27FC236}">
+                <a16:creationId xmlns:a16="http://schemas.microsoft.com/office/drawing/2014/main" id="{77874033-1E0D-4781-8DDC-B85B71B1D5A7}"/>
+              </a:ext>
+            </a:extLst>
+          </p:cNvPr>
+          <p:cNvSpPr txBox="1"/>
+          <p:nvPr/>
+        </p:nvSpPr>
+        <p:spPr>
+          <a:xfrm>
+            <a:off x="10385717" y="2883298"/>
+            <a:ext cx="1526702" cy="276999"/>
+          </a:xfrm>
+          <a:prstGeom prst="rect">
+            <a:avLst/>
+          </a:prstGeom>
+          <a:noFill/>
+        </p:spPr>
+        <p:txBody>
+          <a:bodyPr wrap="square" rtlCol="0">
+            <a:spAutoFit/>
+          </a:bodyPr>
+          <a:lstStyle/>
+          <a:p>
+            <a:r>
+              <a:rPr lang="en-IE" sz="1200" dirty="0">
+                <a:solidFill>
+                  <a:schemeClr val="tx1">
+                    <a:lumMod val="65000"/>
+                    <a:lumOff val="35000"/>
+                  </a:schemeClr>
+                </a:solidFill>
+                <a:latin typeface="Segoe UI" panose="020B0502040204020203" pitchFamily="34" charset="0"/>
+                <a:cs typeface="Segoe UI" panose="020B0502040204020203" pitchFamily="34" charset="0"/>
+              </a:rPr>
+              <a:t>Delete Email</a:t>
+            </a:r>
+          </a:p>
+        </p:txBody>
+      </p:sp>
     </p:spTree>
     <p:extLst>
       <p:ext uri="{BB962C8B-B14F-4D97-AF65-F5344CB8AC3E}">
@@ -12220,6 +12303,21 @@
 </file>
 
 <file path=customXml/item1.xml><?xml version="1.0" encoding="utf-8"?>
+<?mso-contentType ?>
+<FormTemplates xmlns="http://schemas.microsoft.com/sharepoint/v3/contenttype/forms">
+  <Display>DocumentLibraryForm</Display>
+  <Edit>DocumentLibraryForm</Edit>
+  <New>DocumentLibraryForm</New>
+</FormTemplates>
+</file>
+
+<file path=customXml/item2.xml><?xml version="1.0" encoding="utf-8"?>
+<p:properties xmlns:p="http://schemas.microsoft.com/office/2006/metadata/properties" xmlns:xsi="http://www.w3.org/2001/XMLSchema-instance" xmlns:pc="http://schemas.microsoft.com/office/infopath/2007/PartnerControls">
+  <documentManagement/>
+</p:properties>
+</file>
+
+<file path=customXml/item3.xml><?xml version="1.0" encoding="utf-8"?>
 <ct:contentTypeSchema xmlns:ct="http://schemas.microsoft.com/office/2006/metadata/contentType" xmlns:ma="http://schemas.microsoft.com/office/2006/metadata/properties/metaAttributes" ct:_="" ma:_="" ma:contentTypeName="Document" ma:contentTypeID="0x010100C06DE69A4F4BF842879CBB58309FEB35" ma:contentTypeVersion="10" ma:contentTypeDescription="Create a new document." ma:contentTypeScope="" ma:versionID="2186611467dfd53204e79c9641488a9c">
   <xsd:schema xmlns:xsd="http://www.w3.org/2001/XMLSchema" xmlns:xs="http://www.w3.org/2001/XMLSchema" xmlns:p="http://schemas.microsoft.com/office/2006/metadata/properties" xmlns:ns2="12d2731f-cf8f-4a67-b1ff-7d98a1aee283" xmlns:ns3="c353b6c8-18ed-4b56-a5c5-6495e55a9c15" targetNamespace="http://schemas.microsoft.com/office/2006/metadata/properties" ma:root="true" ma:fieldsID="d8b4bb9d5ba4a874382a27d5d1ce83b4" ns2:_="" ns3:_="">
     <xsd:import namespace="12d2731f-cf8f-4a67-b1ff-7d98a1aee283"/>
@@ -12422,36 +12520,10 @@
 </ct:contentTypeSchema>
 </file>
 
-<file path=customXml/item2.xml><?xml version="1.0" encoding="utf-8"?>
-<p:properties xmlns:p="http://schemas.microsoft.com/office/2006/metadata/properties" xmlns:xsi="http://www.w3.org/2001/XMLSchema-instance" xmlns:pc="http://schemas.microsoft.com/office/infopath/2007/PartnerControls">
-  <documentManagement/>
-</p:properties>
-</file>
-
-<file path=customXml/item3.xml><?xml version="1.0" encoding="utf-8"?>
-<?mso-contentType ?>
-<FormTemplates xmlns="http://schemas.microsoft.com/sharepoint/v3/contenttype/forms">
-  <Display>DocumentLibraryForm</Display>
-  <Edit>DocumentLibraryForm</Edit>
-  <New>DocumentLibraryForm</New>
-</FormTemplates>
-</file>
-
 <file path=customXml/itemProps1.xml><?xml version="1.0" encoding="utf-8"?>
-<ds:datastoreItem xmlns:ds="http://schemas.openxmlformats.org/officeDocument/2006/customXml" ds:itemID="{A531BB72-B9A7-4BD7-BFB1-AC10A5517624}">
+<ds:datastoreItem xmlns:ds="http://schemas.openxmlformats.org/officeDocument/2006/customXml" ds:itemID="{10C75660-6496-4BAB-8878-FA53D17BE5D9}">
   <ds:schemaRefs>
-    <ds:schemaRef ds:uri="http://schemas.microsoft.com/office/2006/metadata/contentType"/>
-    <ds:schemaRef ds:uri="http://schemas.microsoft.com/office/2006/metadata/properties/metaAttributes"/>
-    <ds:schemaRef ds:uri="http://www.w3.org/2001/XMLSchema"/>
-    <ds:schemaRef ds:uri="http://schemas.microsoft.com/office/2006/metadata/properties"/>
-    <ds:schemaRef ds:uri="12d2731f-cf8f-4a67-b1ff-7d98a1aee283"/>
-    <ds:schemaRef ds:uri="c353b6c8-18ed-4b56-a5c5-6495e55a9c15"/>
-    <ds:schemaRef ds:uri="http://schemas.microsoft.com/office/2006/documentManagement/types"/>
-    <ds:schemaRef ds:uri="http://schemas.microsoft.com/office/infopath/2007/PartnerControls"/>
-    <ds:schemaRef ds:uri="http://schemas.openxmlformats.org/package/2006/metadata/core-properties"/>
-    <ds:schemaRef ds:uri="http://purl.org/dc/elements/1.1/"/>
-    <ds:schemaRef ds:uri="http://purl.org/dc/terms/"/>
-    <ds:schemaRef ds:uri="http://schemas.microsoft.com/internal/obd"/>
+    <ds:schemaRef ds:uri="http://schemas.microsoft.com/sharepoint/v3/contenttype/forms"/>
   </ds:schemaRefs>
 </ds:datastoreItem>
 </file>
@@ -12474,9 +12546,20 @@
 </file>
 
 <file path=customXml/itemProps3.xml><?xml version="1.0" encoding="utf-8"?>
-<ds:datastoreItem xmlns:ds="http://schemas.openxmlformats.org/officeDocument/2006/customXml" ds:itemID="{10C75660-6496-4BAB-8878-FA53D17BE5D9}">
+<ds:datastoreItem xmlns:ds="http://schemas.openxmlformats.org/officeDocument/2006/customXml" ds:itemID="{A531BB72-B9A7-4BD7-BFB1-AC10A5517624}">
   <ds:schemaRefs>
-    <ds:schemaRef ds:uri="http://schemas.microsoft.com/sharepoint/v3/contenttype/forms"/>
+    <ds:schemaRef ds:uri="http://schemas.microsoft.com/office/2006/metadata/contentType"/>
+    <ds:schemaRef ds:uri="http://schemas.microsoft.com/office/2006/metadata/properties/metaAttributes"/>
+    <ds:schemaRef ds:uri="http://www.w3.org/2001/XMLSchema"/>
+    <ds:schemaRef ds:uri="http://schemas.microsoft.com/office/2006/metadata/properties"/>
+    <ds:schemaRef ds:uri="12d2731f-cf8f-4a67-b1ff-7d98a1aee283"/>
+    <ds:schemaRef ds:uri="c353b6c8-18ed-4b56-a5c5-6495e55a9c15"/>
+    <ds:schemaRef ds:uri="http://schemas.microsoft.com/office/2006/documentManagement/types"/>
+    <ds:schemaRef ds:uri="http://schemas.microsoft.com/office/infopath/2007/PartnerControls"/>
+    <ds:schemaRef ds:uri="http://schemas.openxmlformats.org/package/2006/metadata/core-properties"/>
+    <ds:schemaRef ds:uri="http://purl.org/dc/elements/1.1/"/>
+    <ds:schemaRef ds:uri="http://purl.org/dc/terms/"/>
+    <ds:schemaRef ds:uri="http://schemas.microsoft.com/internal/obd"/>
   </ds:schemaRefs>
 </ds:datastoreItem>
 </file>
--- a/Power Automate Image Analytics/Power Automate Image Analytics.pptx
+++ b/Power Automate Image Analytics/Power Automate Image Analytics.pptx
@@ -208,7 +208,7 @@
           <a:p>
             <a:fld id="{34B5C9CA-2D5F-447E-9B79-C98CB45DDD68}" type="datetimeFigureOut">
               <a:rPr lang="en-US" smtClean="0"/>
-              <a:t>2/7/2021</a:t>
+              <a:t>3/9/2021</a:t>
             </a:fld>
             <a:endParaRPr lang="en-US"/>
           </a:p>
@@ -373,7 +373,7 @@
           <a:p>
             <a:fld id="{9FBB69ED-36D7-4532-B7E1-AEDC9E37F886}" type="datetimeFigureOut">
               <a:rPr lang="en-US" smtClean="0"/>
-              <a:t>2/7/2021</a:t>
+              <a:t>3/9/2021</a:t>
             </a:fld>
             <a:endParaRPr lang="en-US"/>
           </a:p>
@@ -8680,7 +8680,7 @@
         </p:blipFill>
         <p:spPr>
           <a:xfrm>
-            <a:off x="5922997" y="4917422"/>
+            <a:off x="4891151" y="4450579"/>
             <a:ext cx="534764" cy="533871"/>
           </a:xfrm>
           <a:prstGeom prst="rect">
@@ -8688,81 +8688,12 @@
           </a:prstGeom>
         </p:spPr>
       </p:pic>
-      <p:pic>
-        <p:nvPicPr>
-          <p:cNvPr id="14" name="Graphic 13" descr="Envelope">
+      <p:sp>
+        <p:nvSpPr>
+          <p:cNvPr id="18" name="TextBox 17">
             <a:extLst>
               <a:ext uri="{FF2B5EF4-FFF2-40B4-BE49-F238E27FC236}">
-                <a16:creationId xmlns:a16="http://schemas.microsoft.com/office/drawing/2014/main" id="{749A4629-AB46-4E2D-91C4-0617FA694759}"/>
-              </a:ext>
-            </a:extLst>
-          </p:cNvPr>
-          <p:cNvPicPr>
-            <a:picLocks noChangeAspect="1"/>
-          </p:cNvPicPr>
-          <p:nvPr/>
-        </p:nvPicPr>
-        <p:blipFill>
-          <a:blip r:embed="rId4">
-            <a:extLst>
-              <a:ext uri="{28A0092B-C50C-407E-A947-70E740481C1C}">
-                <a14:useLocalDpi xmlns:a14="http://schemas.microsoft.com/office/drawing/2010/main" val="0"/>
-              </a:ext>
-              <a:ext uri="{96DAC541-7B7A-43D3-8B79-37D633B846F1}">
-                <asvg:svgBlip xmlns:asvg="http://schemas.microsoft.com/office/drawing/2016/SVG/main" r:embed="rId5"/>
-              </a:ext>
-            </a:extLst>
-          </a:blip>
-          <a:stretch>
-            <a:fillRect/>
-          </a:stretch>
-        </p:blipFill>
-        <p:spPr>
-          <a:xfrm>
-            <a:off x="5841577" y="4270270"/>
-            <a:ext cx="706185" cy="706185"/>
-          </a:xfrm>
-          <a:prstGeom prst="rect">
-            <a:avLst/>
-          </a:prstGeom>
-        </p:spPr>
-      </p:pic>
-      <p:pic>
-        <p:nvPicPr>
-          <p:cNvPr id="15" name="Picture 14">
-            <a:extLst>
-              <a:ext uri="{FF2B5EF4-FFF2-40B4-BE49-F238E27FC236}">
-                <a16:creationId xmlns:a16="http://schemas.microsoft.com/office/drawing/2014/main" id="{F95EF7ED-93EC-40FE-9280-798D45D02876}"/>
-              </a:ext>
-            </a:extLst>
-          </p:cNvPr>
-          <p:cNvPicPr>
-            <a:picLocks noChangeAspect="1"/>
-          </p:cNvPicPr>
-          <p:nvPr/>
-        </p:nvPicPr>
-        <p:blipFill>
-          <a:blip r:embed="rId6"/>
-          <a:stretch>
-            <a:fillRect/>
-          </a:stretch>
-        </p:blipFill>
-        <p:spPr>
-          <a:xfrm>
-            <a:off x="5914002" y="5501433"/>
-            <a:ext cx="543759" cy="542442"/>
-          </a:xfrm>
-          <a:prstGeom prst="rect">
-            <a:avLst/>
-          </a:prstGeom>
-        </p:spPr>
-      </p:pic>
-      <p:sp>
-        <p:nvSpPr>
-          <p:cNvPr id="17" name="TextBox 16">
-            <a:extLst>
-              <a:ext uri="{FF2B5EF4-FFF2-40B4-BE49-F238E27FC236}">
-                <a16:creationId xmlns:a16="http://schemas.microsoft.com/office/drawing/2014/main" id="{0E90488A-DA76-4F0D-9C86-91914C44A92C}"/>
+                <a16:creationId xmlns:a16="http://schemas.microsoft.com/office/drawing/2014/main" id="{447DAB3D-C9B8-42D4-B78B-76823F77CE6B}"/>
               </a:ext>
             </a:extLst>
           </p:cNvPr>
@@ -8771,74 +8702,7 @@
         </p:nvSpPr>
         <p:spPr>
           <a:xfrm>
-            <a:off x="6554970" y="5572599"/>
-            <a:ext cx="3677679" cy="400110"/>
-          </a:xfrm>
-          <a:prstGeom prst="rect">
-            <a:avLst/>
-          </a:prstGeom>
-          <a:noFill/>
-        </p:spPr>
-        <p:txBody>
-          <a:bodyPr wrap="square" rtlCol="0">
-            <a:spAutoFit/>
-          </a:bodyPr>
-          <a:lstStyle/>
-          <a:p>
-            <a:r>
-              <a:rPr lang="en-IE" sz="2000" dirty="0">
-                <a:solidFill>
-                  <a:schemeClr val="tx1">
-                    <a:lumMod val="65000"/>
-                    <a:lumOff val="35000"/>
-                  </a:schemeClr>
-                </a:solidFill>
-                <a:latin typeface="Segoe UI" panose="020B0502040204020203" pitchFamily="34" charset="0"/>
-                <a:cs typeface="Segoe UI" panose="020B0502040204020203" pitchFamily="34" charset="0"/>
-              </a:rPr>
-              <a:t>linkedin.com/in/</a:t>
-            </a:r>
-            <a:r>
-              <a:rPr lang="en-IE" sz="2000" dirty="0" err="1">
-                <a:solidFill>
-                  <a:schemeClr val="tx1">
-                    <a:lumMod val="65000"/>
-                    <a:lumOff val="35000"/>
-                  </a:schemeClr>
-                </a:solidFill>
-                <a:latin typeface="Segoe UI" panose="020B0502040204020203" pitchFamily="34" charset="0"/>
-                <a:cs typeface="Segoe UI" panose="020B0502040204020203" pitchFamily="34" charset="0"/>
-              </a:rPr>
-              <a:t>benonline</a:t>
-            </a:r>
-            <a:endParaRPr lang="en-IE" sz="2000" dirty="0">
-              <a:solidFill>
-                <a:schemeClr val="tx1">
-                  <a:lumMod val="65000"/>
-                  <a:lumOff val="35000"/>
-                </a:schemeClr>
-              </a:solidFill>
-              <a:latin typeface="Segoe UI" panose="020B0502040204020203" pitchFamily="34" charset="0"/>
-              <a:cs typeface="Segoe UI" panose="020B0502040204020203" pitchFamily="34" charset="0"/>
-            </a:endParaRPr>
-          </a:p>
-        </p:txBody>
-      </p:sp>
-      <p:sp>
-        <p:nvSpPr>
-          <p:cNvPr id="18" name="TextBox 17">
-            <a:extLst>
-              <a:ext uri="{FF2B5EF4-FFF2-40B4-BE49-F238E27FC236}">
-                <a16:creationId xmlns:a16="http://schemas.microsoft.com/office/drawing/2014/main" id="{447DAB3D-C9B8-42D4-B78B-76823F77CE6B}"/>
-              </a:ext>
-            </a:extLst>
-          </p:cNvPr>
-          <p:cNvSpPr txBox="1"/>
-          <p:nvPr/>
-        </p:nvSpPr>
-        <p:spPr>
-          <a:xfrm>
-            <a:off x="6554970" y="4984450"/>
+            <a:off x="5425915" y="4517459"/>
             <a:ext cx="2775385" cy="400110"/>
           </a:xfrm>
           <a:prstGeom prst="rect">
@@ -8891,50 +8755,6 @@
           </a:p>
         </p:txBody>
       </p:sp>
-      <p:sp>
-        <p:nvSpPr>
-          <p:cNvPr id="19" name="TextBox 18">
-            <a:extLst>
-              <a:ext uri="{FF2B5EF4-FFF2-40B4-BE49-F238E27FC236}">
-                <a16:creationId xmlns:a16="http://schemas.microsoft.com/office/drawing/2014/main" id="{B56F43C5-C8E8-4D75-8125-9AABA4711640}"/>
-              </a:ext>
-            </a:extLst>
-          </p:cNvPr>
-          <p:cNvSpPr txBox="1"/>
-          <p:nvPr/>
-        </p:nvSpPr>
-        <p:spPr>
-          <a:xfrm>
-            <a:off x="6554970" y="4432106"/>
-            <a:ext cx="2775385" cy="400110"/>
-          </a:xfrm>
-          <a:prstGeom prst="rect">
-            <a:avLst/>
-          </a:prstGeom>
-          <a:noFill/>
-        </p:spPr>
-        <p:txBody>
-          <a:bodyPr wrap="square" rtlCol="0">
-            <a:spAutoFit/>
-          </a:bodyPr>
-          <a:lstStyle/>
-          <a:p>
-            <a:r>
-              <a:rPr lang="en-IE" sz="2000" dirty="0">
-                <a:solidFill>
-                  <a:schemeClr val="tx1">
-                    <a:lumMod val="65000"/>
-                    <a:lumOff val="35000"/>
-                  </a:schemeClr>
-                </a:solidFill>
-                <a:latin typeface="Segoe UI" panose="020B0502040204020203" pitchFamily="34" charset="0"/>
-                <a:cs typeface="Segoe UI" panose="020B0502040204020203" pitchFamily="34" charset="0"/>
-              </a:rPr>
-              <a:t>ben@datalineo.com</a:t>
-            </a:r>
-          </a:p>
-        </p:txBody>
-      </p:sp>
       <p:pic>
         <p:nvPicPr>
           <p:cNvPr id="4" name="Picture 3" descr="A close up of a sign&#10;&#10;Description automatically generated">
@@ -8950,7 +8770,7 @@
           <p:nvPr/>
         </p:nvPicPr>
         <p:blipFill>
-          <a:blip r:embed="rId7" cstate="print">
+          <a:blip r:embed="rId4" cstate="print">
             <a:extLst>
               <a:ext uri="{28A0092B-C50C-407E-A947-70E740481C1C}">
                 <a14:useLocalDpi xmlns:a14="http://schemas.microsoft.com/office/drawing/2010/main" val="0"/>
@@ -11211,7 +11031,7 @@
         </p:blipFill>
         <p:spPr>
           <a:xfrm>
-            <a:off x="588062" y="2005841"/>
+            <a:off x="646785" y="1653552"/>
             <a:ext cx="534764" cy="533871"/>
           </a:xfrm>
           <a:prstGeom prst="rect">
@@ -11219,81 +11039,12 @@
           </a:prstGeom>
         </p:spPr>
       </p:pic>
-      <p:pic>
-        <p:nvPicPr>
-          <p:cNvPr id="60" name="Graphic 59" descr="Envelope">
+      <p:sp>
+        <p:nvSpPr>
+          <p:cNvPr id="63" name="TextBox 62">
             <a:extLst>
               <a:ext uri="{FF2B5EF4-FFF2-40B4-BE49-F238E27FC236}">
-                <a16:creationId xmlns:a16="http://schemas.microsoft.com/office/drawing/2014/main" id="{BCE1C22B-781C-4B13-9EE7-E995EE6A77F4}"/>
-              </a:ext>
-            </a:extLst>
-          </p:cNvPr>
-          <p:cNvPicPr>
-            <a:picLocks noChangeAspect="1"/>
-          </p:cNvPicPr>
-          <p:nvPr/>
-        </p:nvPicPr>
-        <p:blipFill>
-          <a:blip r:embed="rId3">
-            <a:extLst>
-              <a:ext uri="{28A0092B-C50C-407E-A947-70E740481C1C}">
-                <a14:useLocalDpi xmlns:a14="http://schemas.microsoft.com/office/drawing/2010/main" val="0"/>
-              </a:ext>
-              <a:ext uri="{96DAC541-7B7A-43D3-8B79-37D633B846F1}">
-                <asvg:svgBlip xmlns:asvg="http://schemas.microsoft.com/office/drawing/2016/SVG/main" r:embed="rId4"/>
-              </a:ext>
-            </a:extLst>
-          </a:blip>
-          <a:stretch>
-            <a:fillRect/>
-          </a:stretch>
-        </p:blipFill>
-        <p:spPr>
-          <a:xfrm>
-            <a:off x="506642" y="1358689"/>
-            <a:ext cx="706185" cy="706185"/>
-          </a:xfrm>
-          <a:prstGeom prst="rect">
-            <a:avLst/>
-          </a:prstGeom>
-        </p:spPr>
-      </p:pic>
-      <p:pic>
-        <p:nvPicPr>
-          <p:cNvPr id="61" name="Picture 60">
-            <a:extLst>
-              <a:ext uri="{FF2B5EF4-FFF2-40B4-BE49-F238E27FC236}">
-                <a16:creationId xmlns:a16="http://schemas.microsoft.com/office/drawing/2014/main" id="{FAEF39DB-ADE7-4F84-9728-D63E87C4B469}"/>
-              </a:ext>
-            </a:extLst>
-          </p:cNvPr>
-          <p:cNvPicPr>
-            <a:picLocks noChangeAspect="1"/>
-          </p:cNvPicPr>
-          <p:nvPr/>
-        </p:nvPicPr>
-        <p:blipFill>
-          <a:blip r:embed="rId5"/>
-          <a:stretch>
-            <a:fillRect/>
-          </a:stretch>
-        </p:blipFill>
-        <p:spPr>
-          <a:xfrm>
-            <a:off x="579067" y="2589852"/>
-            <a:ext cx="543759" cy="542442"/>
-          </a:xfrm>
-          <a:prstGeom prst="rect">
-            <a:avLst/>
-          </a:prstGeom>
-        </p:spPr>
-      </p:pic>
-      <p:sp>
-        <p:nvSpPr>
-          <p:cNvPr id="62" name="TextBox 61">
-            <a:extLst>
-              <a:ext uri="{FF2B5EF4-FFF2-40B4-BE49-F238E27FC236}">
-                <a16:creationId xmlns:a16="http://schemas.microsoft.com/office/drawing/2014/main" id="{6CE4121F-48E4-41C4-8E57-CA3BEA81A155}"/>
+                <a16:creationId xmlns:a16="http://schemas.microsoft.com/office/drawing/2014/main" id="{77665774-37C2-4479-B3F8-B504F2CDA7AD}"/>
               </a:ext>
             </a:extLst>
           </p:cNvPr>
@@ -11302,68 +11053,7 @@
         </p:nvSpPr>
         <p:spPr>
           <a:xfrm>
-            <a:off x="1220035" y="2661018"/>
-            <a:ext cx="3677679" cy="400110"/>
-          </a:xfrm>
-          <a:prstGeom prst="rect">
-            <a:avLst/>
-          </a:prstGeom>
-          <a:noFill/>
-        </p:spPr>
-        <p:txBody>
-          <a:bodyPr wrap="square" rtlCol="0">
-            <a:spAutoFit/>
-          </a:bodyPr>
-          <a:lstStyle/>
-          <a:p>
-            <a:r>
-              <a:rPr lang="en-IE" sz="2000" dirty="0">
-                <a:solidFill>
-                  <a:schemeClr val="tx1">
-                    <a:lumMod val="75000"/>
-                    <a:lumOff val="25000"/>
-                  </a:schemeClr>
-                </a:solidFill>
-              </a:rPr>
-              <a:t>linkedin.com/in/</a:t>
-            </a:r>
-            <a:r>
-              <a:rPr lang="en-IE" sz="2000" dirty="0" err="1">
-                <a:solidFill>
-                  <a:schemeClr val="tx1">
-                    <a:lumMod val="75000"/>
-                    <a:lumOff val="25000"/>
-                  </a:schemeClr>
-                </a:solidFill>
-              </a:rPr>
-              <a:t>benonline</a:t>
-            </a:r>
-            <a:endParaRPr lang="en-IE" sz="2000" dirty="0">
-              <a:solidFill>
-                <a:schemeClr val="tx1">
-                  <a:lumMod val="75000"/>
-                  <a:lumOff val="25000"/>
-                </a:schemeClr>
-              </a:solidFill>
-            </a:endParaRPr>
-          </a:p>
-        </p:txBody>
-      </p:sp>
-      <p:sp>
-        <p:nvSpPr>
-          <p:cNvPr id="63" name="TextBox 62">
-            <a:extLst>
-              <a:ext uri="{FF2B5EF4-FFF2-40B4-BE49-F238E27FC236}">
-                <a16:creationId xmlns:a16="http://schemas.microsoft.com/office/drawing/2014/main" id="{77665774-37C2-4479-B3F8-B504F2CDA7AD}"/>
-              </a:ext>
-            </a:extLst>
-          </p:cNvPr>
-          <p:cNvSpPr txBox="1"/>
-          <p:nvPr/>
-        </p:nvSpPr>
-        <p:spPr>
-          <a:xfrm>
-            <a:off x="1220035" y="2072869"/>
+            <a:off x="1278758" y="1720580"/>
             <a:ext cx="2775385" cy="400110"/>
           </a:xfrm>
           <a:prstGeom prst="rect">
@@ -11410,48 +11100,6 @@
           </a:p>
         </p:txBody>
       </p:sp>
-      <p:sp>
-        <p:nvSpPr>
-          <p:cNvPr id="64" name="TextBox 63">
-            <a:extLst>
-              <a:ext uri="{FF2B5EF4-FFF2-40B4-BE49-F238E27FC236}">
-                <a16:creationId xmlns:a16="http://schemas.microsoft.com/office/drawing/2014/main" id="{0230F88B-2E57-4AAF-8E9D-D613CAC5AB18}"/>
-              </a:ext>
-            </a:extLst>
-          </p:cNvPr>
-          <p:cNvSpPr txBox="1"/>
-          <p:nvPr/>
-        </p:nvSpPr>
-        <p:spPr>
-          <a:xfrm>
-            <a:off x="1220035" y="1520525"/>
-            <a:ext cx="2775385" cy="400110"/>
-          </a:xfrm>
-          <a:prstGeom prst="rect">
-            <a:avLst/>
-          </a:prstGeom>
-          <a:noFill/>
-        </p:spPr>
-        <p:txBody>
-          <a:bodyPr wrap="square" rtlCol="0">
-            <a:spAutoFit/>
-          </a:bodyPr>
-          <a:lstStyle/>
-          <a:p>
-            <a:r>
-              <a:rPr lang="en-IE" sz="2000" dirty="0">
-                <a:solidFill>
-                  <a:schemeClr val="tx1">
-                    <a:lumMod val="75000"/>
-                    <a:lumOff val="25000"/>
-                  </a:schemeClr>
-                </a:solidFill>
-              </a:rPr>
-              <a:t>ben@datalineo.com</a:t>
-            </a:r>
-          </a:p>
-        </p:txBody>
-      </p:sp>
       <p:pic>
         <p:nvPicPr>
           <p:cNvPr id="65" name="Picture 64">
@@ -11467,7 +11115,7 @@
           <p:nvPr/>
         </p:nvPicPr>
         <p:blipFill>
-          <a:blip r:embed="rId6"/>
+          <a:blip r:embed="rId3"/>
           <a:stretch>
             <a:fillRect/>
           </a:stretch>
@@ -12303,18 +11951,18 @@
 </file>
 
 <file path=customXml/item1.xml><?xml version="1.0" encoding="utf-8"?>
+<p:properties xmlns:p="http://schemas.microsoft.com/office/2006/metadata/properties" xmlns:xsi="http://www.w3.org/2001/XMLSchema-instance" xmlns:pc="http://schemas.microsoft.com/office/infopath/2007/PartnerControls">
+  <documentManagement/>
+</p:properties>
+</file>
+
+<file path=customXml/item2.xml><?xml version="1.0" encoding="utf-8"?>
 <?mso-contentType ?>
 <FormTemplates xmlns="http://schemas.microsoft.com/sharepoint/v3/contenttype/forms">
   <Display>DocumentLibraryForm</Display>
   <Edit>DocumentLibraryForm</Edit>
   <New>DocumentLibraryForm</New>
 </FormTemplates>
-</file>
-
-<file path=customXml/item2.xml><?xml version="1.0" encoding="utf-8"?>
-<p:properties xmlns:p="http://schemas.microsoft.com/office/2006/metadata/properties" xmlns:xsi="http://www.w3.org/2001/XMLSchema-instance" xmlns:pc="http://schemas.microsoft.com/office/infopath/2007/PartnerControls">
-  <documentManagement/>
-</p:properties>
 </file>
 
 <file path=customXml/item3.xml><?xml version="1.0" encoding="utf-8"?>
@@ -12521,26 +12169,26 @@
 </file>
 
 <file path=customXml/itemProps1.xml><?xml version="1.0" encoding="utf-8"?>
-<ds:datastoreItem xmlns:ds="http://schemas.openxmlformats.org/officeDocument/2006/customXml" ds:itemID="{10C75660-6496-4BAB-8878-FA53D17BE5D9}">
+<ds:datastoreItem xmlns:ds="http://schemas.openxmlformats.org/officeDocument/2006/customXml" ds:itemID="{A2AA3CB1-2443-4FA1-815D-951C2BDC7424}">
   <ds:schemaRefs>
-    <ds:schemaRef ds:uri="http://schemas.microsoft.com/sharepoint/v3/contenttype/forms"/>
+    <ds:schemaRef ds:uri="http://schemas.microsoft.com/office/2006/documentManagement/types"/>
+    <ds:schemaRef ds:uri="http://purl.org/dc/elements/1.1/"/>
+    <ds:schemaRef ds:uri="http://www.w3.org/XML/1998/namespace"/>
+    <ds:schemaRef ds:uri="12d2731f-cf8f-4a67-b1ff-7d98a1aee283"/>
+    <ds:schemaRef ds:uri="http://schemas.microsoft.com/office/infopath/2007/PartnerControls"/>
+    <ds:schemaRef ds:uri="http://purl.org/dc/terms/"/>
+    <ds:schemaRef ds:uri="http://purl.org/dc/dcmitype/"/>
+    <ds:schemaRef ds:uri="c353b6c8-18ed-4b56-a5c5-6495e55a9c15"/>
+    <ds:schemaRef ds:uri="http://schemas.openxmlformats.org/package/2006/metadata/core-properties"/>
+    <ds:schemaRef ds:uri="http://schemas.microsoft.com/office/2006/metadata/properties"/>
   </ds:schemaRefs>
 </ds:datastoreItem>
 </file>
 
 <file path=customXml/itemProps2.xml><?xml version="1.0" encoding="utf-8"?>
-<ds:datastoreItem xmlns:ds="http://schemas.openxmlformats.org/officeDocument/2006/customXml" ds:itemID="{A2AA3CB1-2443-4FA1-815D-951C2BDC7424}">
+<ds:datastoreItem xmlns:ds="http://schemas.openxmlformats.org/officeDocument/2006/customXml" ds:itemID="{10C75660-6496-4BAB-8878-FA53D17BE5D9}">
   <ds:schemaRefs>
-    <ds:schemaRef ds:uri="12d2731f-cf8f-4a67-b1ff-7d98a1aee283"/>
-    <ds:schemaRef ds:uri="http://www.w3.org/XML/1998/namespace"/>
-    <ds:schemaRef ds:uri="http://purl.org/dc/elements/1.1/"/>
-    <ds:schemaRef ds:uri="http://purl.org/dc/dcmitype/"/>
-    <ds:schemaRef ds:uri="http://schemas.microsoft.com/office/2006/documentManagement/types"/>
-    <ds:schemaRef ds:uri="http://purl.org/dc/terms/"/>
-    <ds:schemaRef ds:uri="c353b6c8-18ed-4b56-a5c5-6495e55a9c15"/>
-    <ds:schemaRef ds:uri="http://schemas.microsoft.com/office/infopath/2007/PartnerControls"/>
-    <ds:schemaRef ds:uri="http://schemas.openxmlformats.org/package/2006/metadata/core-properties"/>
-    <ds:schemaRef ds:uri="http://schemas.microsoft.com/office/2006/metadata/properties"/>
+    <ds:schemaRef ds:uri="http://schemas.microsoft.com/sharepoint/v3/contenttype/forms"/>
   </ds:schemaRefs>
 </ds:datastoreItem>
 </file>

--- a/Power Automate Image Analytics/Power Automate Image Analytics.pptx
+++ b/Power Automate Image Analytics/Power Automate Image Analytics.pptx
@@ -208,7 +208,7 @@
           <a:p>
             <a:fld id="{34B5C9CA-2D5F-447E-9B79-C98CB45DDD68}" type="datetimeFigureOut">
               <a:rPr lang="en-US" smtClean="0"/>
-              <a:t>3/9/2021</a:t>
+              <a:t>3/12/2021</a:t>
             </a:fld>
             <a:endParaRPr lang="en-US"/>
           </a:p>
@@ -373,7 +373,7 @@
           <a:p>
             <a:fld id="{9FBB69ED-36D7-4532-B7E1-AEDC9E37F886}" type="datetimeFigureOut">
               <a:rPr lang="en-US" smtClean="0"/>
-              <a:t>3/9/2021</a:t>
+              <a:t>3/12/2021</a:t>
             </a:fld>
             <a:endParaRPr lang="en-US"/>
           </a:p>
@@ -9164,7 +9164,7 @@
         <p:spPr>
           <a:xfrm>
             <a:off x="3218136" y="1742593"/>
-            <a:ext cx="360000" cy="340000"/>
+            <a:ext cx="343058" cy="324000"/>
           </a:xfrm>
           <a:prstGeom prst="rect">
             <a:avLst/>
@@ -9173,10 +9173,10 @@
       </p:pic>
       <p:pic>
         <p:nvPicPr>
-          <p:cNvPr id="18" name="Picture 17">
+          <p:cNvPr id="21" name="Picture 20">
             <a:extLst>
               <a:ext uri="{FF2B5EF4-FFF2-40B4-BE49-F238E27FC236}">
-                <a16:creationId xmlns:a16="http://schemas.microsoft.com/office/drawing/2014/main" id="{991989E2-DBC6-48D9-99F3-CC7234CCF8CA}"/>
+                <a16:creationId xmlns:a16="http://schemas.microsoft.com/office/drawing/2014/main" id="{1811E613-8530-420F-AC86-24046088E5C5}"/>
               </a:ext>
             </a:extLst>
           </p:cNvPr>
@@ -9193,8 +9193,8 @@
         </p:blipFill>
         <p:spPr>
           <a:xfrm>
-            <a:off x="3217360" y="2825332"/>
-            <a:ext cx="360000" cy="360000"/>
+            <a:off x="8479542" y="2459343"/>
+            <a:ext cx="187500" cy="180000"/>
           </a:xfrm>
           <a:prstGeom prst="rect">
             <a:avLst/>
@@ -9203,40 +9203,10 @@
       </p:pic>
       <p:pic>
         <p:nvPicPr>
-          <p:cNvPr id="19" name="Picture 18">
+          <p:cNvPr id="22" name="Picture 21">
             <a:extLst>
               <a:ext uri="{FF2B5EF4-FFF2-40B4-BE49-F238E27FC236}">
-                <a16:creationId xmlns:a16="http://schemas.microsoft.com/office/drawing/2014/main" id="{CA1AFED7-144D-4716-A666-3F1D467474C5}"/>
-              </a:ext>
-            </a:extLst>
-          </p:cNvPr>
-          <p:cNvPicPr>
-            <a:picLocks noChangeAspect="1"/>
-          </p:cNvPicPr>
-          <p:nvPr/>
-        </p:nvPicPr>
-        <p:blipFill>
-          <a:blip r:embed="rId4"/>
-          <a:stretch>
-            <a:fillRect/>
-          </a:stretch>
-        </p:blipFill>
-        <p:spPr>
-          <a:xfrm>
-            <a:off x="6356614" y="2240085"/>
-            <a:ext cx="360000" cy="360000"/>
-          </a:xfrm>
-          <a:prstGeom prst="rect">
-            <a:avLst/>
-          </a:prstGeom>
-        </p:spPr>
-      </p:pic>
-      <p:pic>
-        <p:nvPicPr>
-          <p:cNvPr id="20" name="Picture 19">
-            <a:extLst>
-              <a:ext uri="{FF2B5EF4-FFF2-40B4-BE49-F238E27FC236}">
-                <a16:creationId xmlns:a16="http://schemas.microsoft.com/office/drawing/2014/main" id="{AA0E2C54-0C11-4333-A770-C0670562DEBA}"/>
+                <a16:creationId xmlns:a16="http://schemas.microsoft.com/office/drawing/2014/main" id="{84BA74F4-0D74-45BA-A90A-42E3EDADCF40}"/>
               </a:ext>
             </a:extLst>
           </p:cNvPr>
@@ -9253,8 +9223,8 @@
         </p:blipFill>
         <p:spPr>
           <a:xfrm>
-            <a:off x="3225024" y="2093883"/>
-            <a:ext cx="360000" cy="360000"/>
+            <a:off x="8240563" y="2459343"/>
+            <a:ext cx="180000" cy="180000"/>
           </a:xfrm>
           <a:prstGeom prst="rect">
             <a:avLst/>
@@ -9263,10 +9233,10 @@
       </p:pic>
       <p:pic>
         <p:nvPicPr>
-          <p:cNvPr id="21" name="Picture 20">
+          <p:cNvPr id="23" name="Picture 22">
             <a:extLst>
               <a:ext uri="{FF2B5EF4-FFF2-40B4-BE49-F238E27FC236}">
-                <a16:creationId xmlns:a16="http://schemas.microsoft.com/office/drawing/2014/main" id="{1811E613-8530-420F-AC86-24046088E5C5}"/>
+                <a16:creationId xmlns:a16="http://schemas.microsoft.com/office/drawing/2014/main" id="{DFCC2D02-37B7-4317-9652-2E33349F0EA2}"/>
               </a:ext>
             </a:extLst>
           </p:cNvPr>
@@ -9283,8 +9253,8 @@
         </p:blipFill>
         <p:spPr>
           <a:xfrm>
-            <a:off x="8479542" y="2459343"/>
-            <a:ext cx="187500" cy="180000"/>
+            <a:off x="8728781" y="2459343"/>
+            <a:ext cx="183675" cy="180000"/>
           </a:xfrm>
           <a:prstGeom prst="rect">
             <a:avLst/>
@@ -9293,10 +9263,10 @@
       </p:pic>
       <p:pic>
         <p:nvPicPr>
-          <p:cNvPr id="22" name="Picture 21">
+          <p:cNvPr id="24" name="Picture 23">
             <a:extLst>
               <a:ext uri="{FF2B5EF4-FFF2-40B4-BE49-F238E27FC236}">
-                <a16:creationId xmlns:a16="http://schemas.microsoft.com/office/drawing/2014/main" id="{84BA74F4-0D74-45BA-A90A-42E3EDADCF40}"/>
+                <a16:creationId xmlns:a16="http://schemas.microsoft.com/office/drawing/2014/main" id="{3DD966B6-977A-45FD-AB4B-594F7E30AC19}"/>
               </a:ext>
             </a:extLst>
           </p:cNvPr>
@@ -9313,7 +9283,7 @@
         </p:blipFill>
         <p:spPr>
           <a:xfrm>
-            <a:off x="8240563" y="2459343"/>
+            <a:off x="8001584" y="2459343"/>
             <a:ext cx="180000" cy="180000"/>
           </a:xfrm>
           <a:prstGeom prst="rect">
@@ -9323,10 +9293,128 @@
       </p:pic>
       <p:pic>
         <p:nvPicPr>
-          <p:cNvPr id="23" name="Picture 22">
+          <p:cNvPr id="25" name="Picture 24">
             <a:extLst>
               <a:ext uri="{FF2B5EF4-FFF2-40B4-BE49-F238E27FC236}">
-                <a16:creationId xmlns:a16="http://schemas.microsoft.com/office/drawing/2014/main" id="{DFCC2D02-37B7-4317-9652-2E33349F0EA2}"/>
+                <a16:creationId xmlns:a16="http://schemas.microsoft.com/office/drawing/2014/main" id="{9907FF13-CDAA-438B-9B04-492B7C6A7566}"/>
+              </a:ext>
+            </a:extLst>
+          </p:cNvPr>
+          <p:cNvPicPr>
+            <a:picLocks noChangeAspect="1"/>
+          </p:cNvPicPr>
+          <p:nvPr/>
+        </p:nvPicPr>
+        <p:blipFill>
+          <a:blip r:embed="rId2"/>
+          <a:stretch>
+            <a:fillRect/>
+          </a:stretch>
+        </p:blipFill>
+        <p:spPr>
+          <a:xfrm>
+            <a:off x="9966267" y="2427396"/>
+            <a:ext cx="360000" cy="360000"/>
+          </a:xfrm>
+          <a:prstGeom prst="rect">
+            <a:avLst/>
+          </a:prstGeom>
+        </p:spPr>
+      </p:pic>
+      <p:sp>
+        <p:nvSpPr>
+          <p:cNvPr id="28" name="TextBox 27">
+            <a:extLst>
+              <a:ext uri="{FF2B5EF4-FFF2-40B4-BE49-F238E27FC236}">
+                <a16:creationId xmlns:a16="http://schemas.microsoft.com/office/drawing/2014/main" id="{2AD51AFF-5859-41FC-9904-AEF2A2C173D0}"/>
+              </a:ext>
+            </a:extLst>
+          </p:cNvPr>
+          <p:cNvSpPr txBox="1"/>
+          <p:nvPr/>
+        </p:nvSpPr>
+        <p:spPr>
+          <a:xfrm>
+            <a:off x="3634289" y="1768896"/>
+            <a:ext cx="2103075" cy="276999"/>
+          </a:xfrm>
+          <a:prstGeom prst="rect">
+            <a:avLst/>
+          </a:prstGeom>
+          <a:noFill/>
+        </p:spPr>
+        <p:txBody>
+          <a:bodyPr wrap="square" rtlCol="0">
+            <a:spAutoFit/>
+          </a:bodyPr>
+          <a:lstStyle/>
+          <a:p>
+            <a:r>
+              <a:rPr lang="en-IE" sz="1200" dirty="0">
+                <a:solidFill>
+                  <a:schemeClr val="tx1">
+                    <a:lumMod val="65000"/>
+                    <a:lumOff val="35000"/>
+                  </a:schemeClr>
+                </a:solidFill>
+                <a:latin typeface="Segoe UI" panose="020B0502040204020203" pitchFamily="34" charset="0"/>
+                <a:cs typeface="Segoe UI" panose="020B0502040204020203" pitchFamily="34" charset="0"/>
+              </a:rPr>
+              <a:t>For every attachment</a:t>
+            </a:r>
+          </a:p>
+        </p:txBody>
+      </p:sp>
+      <p:sp>
+        <p:nvSpPr>
+          <p:cNvPr id="29" name="TextBox 28">
+            <a:extLst>
+              <a:ext uri="{FF2B5EF4-FFF2-40B4-BE49-F238E27FC236}">
+                <a16:creationId xmlns:a16="http://schemas.microsoft.com/office/drawing/2014/main" id="{550C0DD8-CA96-4E50-A6EE-177D75EEB050}"/>
+              </a:ext>
+            </a:extLst>
+          </p:cNvPr>
+          <p:cNvSpPr txBox="1"/>
+          <p:nvPr/>
+        </p:nvSpPr>
+        <p:spPr>
+          <a:xfrm>
+            <a:off x="6788185" y="1455579"/>
+            <a:ext cx="2238369" cy="276999"/>
+          </a:xfrm>
+          <a:prstGeom prst="rect">
+            <a:avLst/>
+          </a:prstGeom>
+          <a:noFill/>
+        </p:spPr>
+        <p:txBody>
+          <a:bodyPr wrap="square" rtlCol="0">
+            <a:spAutoFit/>
+          </a:bodyPr>
+          <a:lstStyle/>
+          <a:p>
+            <a:r>
+              <a:rPr lang="en-IE" sz="1200" dirty="0">
+                <a:solidFill>
+                  <a:schemeClr val="tx1">
+                    <a:lumMod val="65000"/>
+                    <a:lumOff val="35000"/>
+                  </a:schemeClr>
+                </a:solidFill>
+                <a:latin typeface="Segoe UI" panose="020B0502040204020203" pitchFamily="34" charset="0"/>
+                <a:cs typeface="Segoe UI" panose="020B0502040204020203" pitchFamily="34" charset="0"/>
+              </a:rPr>
+              <a:t>Face API – Facial Attributes</a:t>
+            </a:r>
+          </a:p>
+        </p:txBody>
+      </p:sp>
+      <p:pic>
+        <p:nvPicPr>
+          <p:cNvPr id="30" name="Picture 29">
+            <a:extLst>
+              <a:ext uri="{FF2B5EF4-FFF2-40B4-BE49-F238E27FC236}">
+                <a16:creationId xmlns:a16="http://schemas.microsoft.com/office/drawing/2014/main" id="{FC74C6BC-FEB6-4122-A1B6-F7736E394EA0}"/>
               </a:ext>
             </a:extLst>
           </p:cNvPr>
@@ -9343,8 +9431,8 @@
         </p:blipFill>
         <p:spPr>
           <a:xfrm>
-            <a:off x="8728781" y="2459343"/>
-            <a:ext cx="183675" cy="180000"/>
+            <a:off x="6356614" y="1434173"/>
+            <a:ext cx="374694" cy="360000"/>
           </a:xfrm>
           <a:prstGeom prst="rect">
             <a:avLst/>
@@ -9353,10 +9441,255 @@
       </p:pic>
       <p:pic>
         <p:nvPicPr>
-          <p:cNvPr id="24" name="Picture 23">
+          <p:cNvPr id="31" name="Picture 30">
             <a:extLst>
               <a:ext uri="{FF2B5EF4-FFF2-40B4-BE49-F238E27FC236}">
-                <a16:creationId xmlns:a16="http://schemas.microsoft.com/office/drawing/2014/main" id="{3DD966B6-977A-45FD-AB4B-594F7E30AC19}"/>
+                <a16:creationId xmlns:a16="http://schemas.microsoft.com/office/drawing/2014/main" id="{D3D0BA25-4179-4418-8CB3-55344F4BD7DB}"/>
+              </a:ext>
+            </a:extLst>
+          </p:cNvPr>
+          <p:cNvPicPr>
+            <a:picLocks noChangeAspect="1"/>
+          </p:cNvPicPr>
+          <p:nvPr/>
+        </p:nvPicPr>
+        <p:blipFill>
+          <a:blip r:embed="rId8"/>
+          <a:stretch>
+            <a:fillRect/>
+          </a:stretch>
+        </p:blipFill>
+        <p:spPr>
+          <a:xfrm>
+            <a:off x="6356614" y="1837129"/>
+            <a:ext cx="374694" cy="360000"/>
+          </a:xfrm>
+          <a:prstGeom prst="rect">
+            <a:avLst/>
+          </a:prstGeom>
+        </p:spPr>
+      </p:pic>
+      <p:sp>
+        <p:nvSpPr>
+          <p:cNvPr id="32" name="Rectangle 31">
+            <a:extLst>
+              <a:ext uri="{FF2B5EF4-FFF2-40B4-BE49-F238E27FC236}">
+                <a16:creationId xmlns:a16="http://schemas.microsoft.com/office/drawing/2014/main" id="{E10B27CE-9535-4C68-8F53-4A7E0D2C1EB8}"/>
+              </a:ext>
+            </a:extLst>
+          </p:cNvPr>
+          <p:cNvSpPr/>
+          <p:nvPr/>
+        </p:nvSpPr>
+        <p:spPr>
+          <a:xfrm>
+            <a:off x="3634289" y="2155235"/>
+            <a:ext cx="2110612" cy="276999"/>
+          </a:xfrm>
+          <a:prstGeom prst="rect">
+            <a:avLst/>
+          </a:prstGeom>
+        </p:spPr>
+        <p:txBody>
+          <a:bodyPr wrap="square">
+            <a:spAutoFit/>
+          </a:bodyPr>
+          <a:lstStyle/>
+          <a:p>
+            <a:r>
+              <a:rPr lang="en-IE" sz="1200" dirty="0">
+                <a:solidFill>
+                  <a:schemeClr val="tx1">
+                    <a:lumMod val="65000"/>
+                    <a:lumOff val="35000"/>
+                  </a:schemeClr>
+                </a:solidFill>
+                <a:latin typeface="Segoe UI" panose="020B0502040204020203" pitchFamily="34" charset="0"/>
+                <a:cs typeface="Segoe UI" panose="020B0502040204020203" pitchFamily="34" charset="0"/>
+              </a:rPr>
+              <a:t>Store it in Azure Blob</a:t>
+            </a:r>
+          </a:p>
+        </p:txBody>
+      </p:sp>
+      <p:sp>
+        <p:nvSpPr>
+          <p:cNvPr id="33" name="Rectangle 32">
+            <a:extLst>
+              <a:ext uri="{FF2B5EF4-FFF2-40B4-BE49-F238E27FC236}">
+                <a16:creationId xmlns:a16="http://schemas.microsoft.com/office/drawing/2014/main" id="{97521CC1-291A-418B-B43B-1A74A4A9C998}"/>
+              </a:ext>
+            </a:extLst>
+          </p:cNvPr>
+          <p:cNvSpPr/>
+          <p:nvPr/>
+        </p:nvSpPr>
+        <p:spPr>
+          <a:xfrm>
+            <a:off x="3634289" y="2520785"/>
+            <a:ext cx="2194076" cy="276999"/>
+          </a:xfrm>
+          <a:prstGeom prst="rect">
+            <a:avLst/>
+          </a:prstGeom>
+        </p:spPr>
+        <p:txBody>
+          <a:bodyPr wrap="square">
+            <a:spAutoFit/>
+          </a:bodyPr>
+          <a:lstStyle/>
+          <a:p>
+            <a:r>
+              <a:rPr lang="en-IE" sz="1200" dirty="0">
+                <a:solidFill>
+                  <a:schemeClr val="tx1">
+                    <a:lumMod val="65000"/>
+                    <a:lumOff val="35000"/>
+                  </a:schemeClr>
+                </a:solidFill>
+                <a:latin typeface="Segoe UI" panose="020B0502040204020203" pitchFamily="34" charset="0"/>
+                <a:cs typeface="Segoe UI" panose="020B0502040204020203" pitchFamily="34" charset="0"/>
+              </a:rPr>
+              <a:t>Write to streaming dataset</a:t>
+            </a:r>
+          </a:p>
+        </p:txBody>
+      </p:sp>
+      <p:sp>
+        <p:nvSpPr>
+          <p:cNvPr id="34" name="Rectangle 33">
+            <a:extLst>
+              <a:ext uri="{FF2B5EF4-FFF2-40B4-BE49-F238E27FC236}">
+                <a16:creationId xmlns:a16="http://schemas.microsoft.com/office/drawing/2014/main" id="{7E39360A-1FAF-4B3B-B087-C7FC8D31E094}"/>
+              </a:ext>
+            </a:extLst>
+          </p:cNvPr>
+          <p:cNvSpPr/>
+          <p:nvPr/>
+        </p:nvSpPr>
+        <p:spPr>
+          <a:xfrm>
+            <a:off x="3634289" y="2880858"/>
+            <a:ext cx="1044645" cy="276999"/>
+          </a:xfrm>
+          <a:prstGeom prst="rect">
+            <a:avLst/>
+          </a:prstGeom>
+        </p:spPr>
+        <p:txBody>
+          <a:bodyPr wrap="none">
+            <a:spAutoFit/>
+          </a:bodyPr>
+          <a:lstStyle/>
+          <a:p>
+            <a:r>
+              <a:rPr lang="en-IE" sz="1200" dirty="0">
+                <a:solidFill>
+                  <a:schemeClr val="tx1">
+                    <a:lumMod val="65000"/>
+                    <a:lumOff val="35000"/>
+                  </a:schemeClr>
+                </a:solidFill>
+                <a:latin typeface="Segoe UI" panose="020B0502040204020203" pitchFamily="34" charset="0"/>
+                <a:cs typeface="Segoe UI" panose="020B0502040204020203" pitchFamily="34" charset="0"/>
+              </a:rPr>
+              <a:t>Write to SQL</a:t>
+            </a:r>
+          </a:p>
+        </p:txBody>
+      </p:sp>
+      <p:sp>
+        <p:nvSpPr>
+          <p:cNvPr id="35" name="Rectangle 34">
+            <a:extLst>
+              <a:ext uri="{FF2B5EF4-FFF2-40B4-BE49-F238E27FC236}">
+                <a16:creationId xmlns:a16="http://schemas.microsoft.com/office/drawing/2014/main" id="{82BA3F06-C4D5-4651-9266-1666927015D2}"/>
+              </a:ext>
+            </a:extLst>
+          </p:cNvPr>
+          <p:cNvSpPr/>
+          <p:nvPr/>
+        </p:nvSpPr>
+        <p:spPr>
+          <a:xfrm>
+            <a:off x="6788185" y="1858324"/>
+            <a:ext cx="2238369" cy="276999"/>
+          </a:xfrm>
+          <a:prstGeom prst="rect">
+            <a:avLst/>
+          </a:prstGeom>
+        </p:spPr>
+        <p:txBody>
+          <a:bodyPr wrap="square">
+            <a:spAutoFit/>
+          </a:bodyPr>
+          <a:lstStyle/>
+          <a:p>
+            <a:r>
+              <a:rPr lang="en-IE" sz="1200" dirty="0">
+                <a:solidFill>
+                  <a:schemeClr val="tx1">
+                    <a:lumMod val="65000"/>
+                    <a:lumOff val="35000"/>
+                  </a:schemeClr>
+                </a:solidFill>
+                <a:latin typeface="Segoe UI" panose="020B0502040204020203" pitchFamily="34" charset="0"/>
+                <a:cs typeface="Segoe UI" panose="020B0502040204020203" pitchFamily="34" charset="0"/>
+              </a:rPr>
+              <a:t>Face API - Recognition</a:t>
+            </a:r>
+          </a:p>
+        </p:txBody>
+      </p:sp>
+      <p:sp>
+        <p:nvSpPr>
+          <p:cNvPr id="36" name="Rectangle 35">
+            <a:extLst>
+              <a:ext uri="{FF2B5EF4-FFF2-40B4-BE49-F238E27FC236}">
+                <a16:creationId xmlns:a16="http://schemas.microsoft.com/office/drawing/2014/main" id="{BB3CB3D9-4D23-42F0-9791-394A2B59D6DD}"/>
+              </a:ext>
+            </a:extLst>
+          </p:cNvPr>
+          <p:cNvSpPr/>
+          <p:nvPr/>
+        </p:nvSpPr>
+        <p:spPr>
+          <a:xfrm>
+            <a:off x="6788185" y="2256557"/>
+            <a:ext cx="1044645" cy="276999"/>
+          </a:xfrm>
+          <a:prstGeom prst="rect">
+            <a:avLst/>
+          </a:prstGeom>
+        </p:spPr>
+        <p:txBody>
+          <a:bodyPr wrap="none">
+            <a:spAutoFit/>
+          </a:bodyPr>
+          <a:lstStyle/>
+          <a:p>
+            <a:r>
+              <a:rPr lang="en-IE" sz="1200" dirty="0">
+                <a:solidFill>
+                  <a:schemeClr val="tx1">
+                    <a:lumMod val="65000"/>
+                    <a:lumOff val="35000"/>
+                  </a:schemeClr>
+                </a:solidFill>
+                <a:latin typeface="Segoe UI" panose="020B0502040204020203" pitchFamily="34" charset="0"/>
+                <a:cs typeface="Segoe UI" panose="020B0502040204020203" pitchFamily="34" charset="0"/>
+              </a:rPr>
+              <a:t>Write to SQL</a:t>
+            </a:r>
+          </a:p>
+        </p:txBody>
+      </p:sp>
+      <p:pic>
+        <p:nvPicPr>
+          <p:cNvPr id="37" name="Picture 36">
+            <a:extLst>
+              <a:ext uri="{FF2B5EF4-FFF2-40B4-BE49-F238E27FC236}">
+                <a16:creationId xmlns:a16="http://schemas.microsoft.com/office/drawing/2014/main" id="{FF4340EE-E259-4530-8377-C3B5A533CAB0}"/>
               </a:ext>
             </a:extLst>
           </p:cNvPr>
@@ -9373,50 +9706,20 @@
         </p:blipFill>
         <p:spPr>
           <a:xfrm>
-            <a:off x="8001584" y="2459343"/>
-            <a:ext cx="180000" cy="180000"/>
+            <a:off x="6350924" y="3094076"/>
+            <a:ext cx="360000" cy="360000"/>
           </a:xfrm>
           <a:prstGeom prst="rect">
             <a:avLst/>
           </a:prstGeom>
         </p:spPr>
       </p:pic>
-      <p:pic>
-        <p:nvPicPr>
-          <p:cNvPr id="25" name="Picture 24">
+      <p:sp>
+        <p:nvSpPr>
+          <p:cNvPr id="38" name="TextBox 37">
             <a:extLst>
               <a:ext uri="{FF2B5EF4-FFF2-40B4-BE49-F238E27FC236}">
-                <a16:creationId xmlns:a16="http://schemas.microsoft.com/office/drawing/2014/main" id="{9907FF13-CDAA-438B-9B04-492B7C6A7566}"/>
-              </a:ext>
-            </a:extLst>
-          </p:cNvPr>
-          <p:cNvPicPr>
-            <a:picLocks noChangeAspect="1"/>
-          </p:cNvPicPr>
-          <p:nvPr/>
-        </p:nvPicPr>
-        <p:blipFill>
-          <a:blip r:embed="rId2"/>
-          <a:stretch>
-            <a:fillRect/>
-          </a:stretch>
-        </p:blipFill>
-        <p:spPr>
-          <a:xfrm>
-            <a:off x="9966267" y="2427396"/>
-            <a:ext cx="360000" cy="360000"/>
-          </a:xfrm>
-          <a:prstGeom prst="rect">
-            <a:avLst/>
-          </a:prstGeom>
-        </p:spPr>
-      </p:pic>
-      <p:sp>
-        <p:nvSpPr>
-          <p:cNvPr id="28" name="TextBox 27">
-            <a:extLst>
-              <a:ext uri="{FF2B5EF4-FFF2-40B4-BE49-F238E27FC236}">
-                <a16:creationId xmlns:a16="http://schemas.microsoft.com/office/drawing/2014/main" id="{2AD51AFF-5859-41FC-9904-AEF2A2C173D0}"/>
+                <a16:creationId xmlns:a16="http://schemas.microsoft.com/office/drawing/2014/main" id="{AD25A02E-59B8-4972-A2D3-7B50ABE50DA2}"/>
               </a:ext>
             </a:extLst>
           </p:cNvPr>
@@ -9425,8 +9728,8 @@
         </p:nvSpPr>
         <p:spPr>
           <a:xfrm>
-            <a:off x="3634289" y="1768896"/>
-            <a:ext cx="2103075" cy="276999"/>
+            <a:off x="6782495" y="3110394"/>
+            <a:ext cx="2129961" cy="276999"/>
           </a:xfrm>
           <a:prstGeom prst="rect">
             <a:avLst/>
@@ -9450,121 +9753,17 @@
                 <a:latin typeface="Segoe UI" panose="020B0502040204020203" pitchFamily="34" charset="0"/>
                 <a:cs typeface="Segoe UI" panose="020B0502040204020203" pitchFamily="34" charset="0"/>
               </a:rPr>
-              <a:t>For every attachment</a:t>
-            </a:r>
-          </a:p>
-        </p:txBody>
-      </p:sp>
-      <p:sp>
-        <p:nvSpPr>
-          <p:cNvPr id="29" name="TextBox 28">
+              <a:t>Computer Vision</a:t>
+            </a:r>
+          </a:p>
+        </p:txBody>
+      </p:sp>
+      <p:sp>
+        <p:nvSpPr>
+          <p:cNvPr id="39" name="Rectangle 38">
             <a:extLst>
               <a:ext uri="{FF2B5EF4-FFF2-40B4-BE49-F238E27FC236}">
-                <a16:creationId xmlns:a16="http://schemas.microsoft.com/office/drawing/2014/main" id="{550C0DD8-CA96-4E50-A6EE-177D75EEB050}"/>
-              </a:ext>
-            </a:extLst>
-          </p:cNvPr>
-          <p:cNvSpPr txBox="1"/>
-          <p:nvPr/>
-        </p:nvSpPr>
-        <p:spPr>
-          <a:xfrm>
-            <a:off x="6788185" y="1455579"/>
-            <a:ext cx="2238369" cy="276999"/>
-          </a:xfrm>
-          <a:prstGeom prst="rect">
-            <a:avLst/>
-          </a:prstGeom>
-          <a:noFill/>
-        </p:spPr>
-        <p:txBody>
-          <a:bodyPr wrap="square" rtlCol="0">
-            <a:spAutoFit/>
-          </a:bodyPr>
-          <a:lstStyle/>
-          <a:p>
-            <a:r>
-              <a:rPr lang="en-IE" sz="1200" dirty="0">
-                <a:solidFill>
-                  <a:schemeClr val="tx1">
-                    <a:lumMod val="65000"/>
-                    <a:lumOff val="35000"/>
-                  </a:schemeClr>
-                </a:solidFill>
-                <a:latin typeface="Segoe UI" panose="020B0502040204020203" pitchFamily="34" charset="0"/>
-                <a:cs typeface="Segoe UI" panose="020B0502040204020203" pitchFamily="34" charset="0"/>
-              </a:rPr>
-              <a:t>Face API – Facial Attributes</a:t>
-            </a:r>
-          </a:p>
-        </p:txBody>
-      </p:sp>
-      <p:pic>
-        <p:nvPicPr>
-          <p:cNvPr id="30" name="Picture 29">
-            <a:extLst>
-              <a:ext uri="{FF2B5EF4-FFF2-40B4-BE49-F238E27FC236}">
-                <a16:creationId xmlns:a16="http://schemas.microsoft.com/office/drawing/2014/main" id="{FC74C6BC-FEB6-4122-A1B6-F7736E394EA0}"/>
-              </a:ext>
-            </a:extLst>
-          </p:cNvPr>
-          <p:cNvPicPr>
-            <a:picLocks noChangeAspect="1"/>
-          </p:cNvPicPr>
-          <p:nvPr/>
-        </p:nvPicPr>
-        <p:blipFill>
-          <a:blip r:embed="rId10"/>
-          <a:stretch>
-            <a:fillRect/>
-          </a:stretch>
-        </p:blipFill>
-        <p:spPr>
-          <a:xfrm>
-            <a:off x="6356614" y="1434173"/>
-            <a:ext cx="374694" cy="360000"/>
-          </a:xfrm>
-          <a:prstGeom prst="rect">
-            <a:avLst/>
-          </a:prstGeom>
-        </p:spPr>
-      </p:pic>
-      <p:pic>
-        <p:nvPicPr>
-          <p:cNvPr id="31" name="Picture 30">
-            <a:extLst>
-              <a:ext uri="{FF2B5EF4-FFF2-40B4-BE49-F238E27FC236}">
-                <a16:creationId xmlns:a16="http://schemas.microsoft.com/office/drawing/2014/main" id="{D3D0BA25-4179-4418-8CB3-55344F4BD7DB}"/>
-              </a:ext>
-            </a:extLst>
-          </p:cNvPr>
-          <p:cNvPicPr>
-            <a:picLocks noChangeAspect="1"/>
-          </p:cNvPicPr>
-          <p:nvPr/>
-        </p:nvPicPr>
-        <p:blipFill>
-          <a:blip r:embed="rId10"/>
-          <a:stretch>
-            <a:fillRect/>
-          </a:stretch>
-        </p:blipFill>
-        <p:spPr>
-          <a:xfrm>
-            <a:off x="6356614" y="1837129"/>
-            <a:ext cx="374694" cy="360000"/>
-          </a:xfrm>
-          <a:prstGeom prst="rect">
-            <a:avLst/>
-          </a:prstGeom>
-        </p:spPr>
-      </p:pic>
-      <p:sp>
-        <p:nvSpPr>
-          <p:cNvPr id="32" name="Rectangle 31">
-            <a:extLst>
-              <a:ext uri="{FF2B5EF4-FFF2-40B4-BE49-F238E27FC236}">
-                <a16:creationId xmlns:a16="http://schemas.microsoft.com/office/drawing/2014/main" id="{E10B27CE-9535-4C68-8F53-4A7E0D2C1EB8}"/>
+                <a16:creationId xmlns:a16="http://schemas.microsoft.com/office/drawing/2014/main" id="{903EAAE5-E362-4EDC-8FA6-B402020ED175}"/>
               </a:ext>
             </a:extLst>
           </p:cNvPr>
@@ -9573,8 +9772,8 @@
         </p:nvSpPr>
         <p:spPr>
           <a:xfrm>
-            <a:off x="3634289" y="2155235"/>
-            <a:ext cx="2110612" cy="276999"/>
+            <a:off x="6782495" y="3513139"/>
+            <a:ext cx="2017556" cy="276999"/>
           </a:xfrm>
           <a:prstGeom prst="rect">
             <a:avLst/>
@@ -9582,92 +9781,6 @@
         </p:spPr>
         <p:txBody>
           <a:bodyPr wrap="square">
-            <a:spAutoFit/>
-          </a:bodyPr>
-          <a:lstStyle/>
-          <a:p>
-            <a:r>
-              <a:rPr lang="en-IE" sz="1200" dirty="0">
-                <a:solidFill>
-                  <a:schemeClr val="tx1">
-                    <a:lumMod val="65000"/>
-                    <a:lumOff val="35000"/>
-                  </a:schemeClr>
-                </a:solidFill>
-                <a:latin typeface="Segoe UI" panose="020B0502040204020203" pitchFamily="34" charset="0"/>
-                <a:cs typeface="Segoe UI" panose="020B0502040204020203" pitchFamily="34" charset="0"/>
-              </a:rPr>
-              <a:t>Store it in Azure Blob</a:t>
-            </a:r>
-          </a:p>
-        </p:txBody>
-      </p:sp>
-      <p:sp>
-        <p:nvSpPr>
-          <p:cNvPr id="33" name="Rectangle 32">
-            <a:extLst>
-              <a:ext uri="{FF2B5EF4-FFF2-40B4-BE49-F238E27FC236}">
-                <a16:creationId xmlns:a16="http://schemas.microsoft.com/office/drawing/2014/main" id="{97521CC1-291A-418B-B43B-1A74A4A9C998}"/>
-              </a:ext>
-            </a:extLst>
-          </p:cNvPr>
-          <p:cNvSpPr/>
-          <p:nvPr/>
-        </p:nvSpPr>
-        <p:spPr>
-          <a:xfrm>
-            <a:off x="3634289" y="2520785"/>
-            <a:ext cx="2194076" cy="276999"/>
-          </a:xfrm>
-          <a:prstGeom prst="rect">
-            <a:avLst/>
-          </a:prstGeom>
-        </p:spPr>
-        <p:txBody>
-          <a:bodyPr wrap="square">
-            <a:spAutoFit/>
-          </a:bodyPr>
-          <a:lstStyle/>
-          <a:p>
-            <a:r>
-              <a:rPr lang="en-IE" sz="1200" dirty="0">
-                <a:solidFill>
-                  <a:schemeClr val="tx1">
-                    <a:lumMod val="65000"/>
-                    <a:lumOff val="35000"/>
-                  </a:schemeClr>
-                </a:solidFill>
-                <a:latin typeface="Segoe UI" panose="020B0502040204020203" pitchFamily="34" charset="0"/>
-                <a:cs typeface="Segoe UI" panose="020B0502040204020203" pitchFamily="34" charset="0"/>
-              </a:rPr>
-              <a:t>Write to streaming dataset</a:t>
-            </a:r>
-          </a:p>
-        </p:txBody>
-      </p:sp>
-      <p:sp>
-        <p:nvSpPr>
-          <p:cNvPr id="34" name="Rectangle 33">
-            <a:extLst>
-              <a:ext uri="{FF2B5EF4-FFF2-40B4-BE49-F238E27FC236}">
-                <a16:creationId xmlns:a16="http://schemas.microsoft.com/office/drawing/2014/main" id="{7E39360A-1FAF-4B3B-B087-C7FC8D31E094}"/>
-              </a:ext>
-            </a:extLst>
-          </p:cNvPr>
-          <p:cNvSpPr/>
-          <p:nvPr/>
-        </p:nvSpPr>
-        <p:spPr>
-          <a:xfrm>
-            <a:off x="3634289" y="2880858"/>
-            <a:ext cx="1044645" cy="276999"/>
-          </a:xfrm>
-          <a:prstGeom prst="rect">
-            <a:avLst/>
-          </a:prstGeom>
-        </p:spPr>
-        <p:txBody>
-          <a:bodyPr wrap="none">
             <a:spAutoFit/>
           </a:bodyPr>
           <a:lstStyle/>
@@ -9688,239 +9801,6 @@
           </a:p>
         </p:txBody>
       </p:sp>
-      <p:sp>
-        <p:nvSpPr>
-          <p:cNvPr id="35" name="Rectangle 34">
-            <a:extLst>
-              <a:ext uri="{FF2B5EF4-FFF2-40B4-BE49-F238E27FC236}">
-                <a16:creationId xmlns:a16="http://schemas.microsoft.com/office/drawing/2014/main" id="{82BA3F06-C4D5-4651-9266-1666927015D2}"/>
-              </a:ext>
-            </a:extLst>
-          </p:cNvPr>
-          <p:cNvSpPr/>
-          <p:nvPr/>
-        </p:nvSpPr>
-        <p:spPr>
-          <a:xfrm>
-            <a:off x="6788185" y="1858324"/>
-            <a:ext cx="2238369" cy="276999"/>
-          </a:xfrm>
-          <a:prstGeom prst="rect">
-            <a:avLst/>
-          </a:prstGeom>
-        </p:spPr>
-        <p:txBody>
-          <a:bodyPr wrap="square">
-            <a:spAutoFit/>
-          </a:bodyPr>
-          <a:lstStyle/>
-          <a:p>
-            <a:r>
-              <a:rPr lang="en-IE" sz="1200" dirty="0">
-                <a:solidFill>
-                  <a:schemeClr val="tx1">
-                    <a:lumMod val="65000"/>
-                    <a:lumOff val="35000"/>
-                  </a:schemeClr>
-                </a:solidFill>
-                <a:latin typeface="Segoe UI" panose="020B0502040204020203" pitchFamily="34" charset="0"/>
-                <a:cs typeface="Segoe UI" panose="020B0502040204020203" pitchFamily="34" charset="0"/>
-              </a:rPr>
-              <a:t>Face API - Recognition</a:t>
-            </a:r>
-          </a:p>
-        </p:txBody>
-      </p:sp>
-      <p:sp>
-        <p:nvSpPr>
-          <p:cNvPr id="36" name="Rectangle 35">
-            <a:extLst>
-              <a:ext uri="{FF2B5EF4-FFF2-40B4-BE49-F238E27FC236}">
-                <a16:creationId xmlns:a16="http://schemas.microsoft.com/office/drawing/2014/main" id="{BB3CB3D9-4D23-42F0-9791-394A2B59D6DD}"/>
-              </a:ext>
-            </a:extLst>
-          </p:cNvPr>
-          <p:cNvSpPr/>
-          <p:nvPr/>
-        </p:nvSpPr>
-        <p:spPr>
-          <a:xfrm>
-            <a:off x="6788185" y="2256557"/>
-            <a:ext cx="1044645" cy="276999"/>
-          </a:xfrm>
-          <a:prstGeom prst="rect">
-            <a:avLst/>
-          </a:prstGeom>
-        </p:spPr>
-        <p:txBody>
-          <a:bodyPr wrap="none">
-            <a:spAutoFit/>
-          </a:bodyPr>
-          <a:lstStyle/>
-          <a:p>
-            <a:r>
-              <a:rPr lang="en-IE" sz="1200" dirty="0">
-                <a:solidFill>
-                  <a:schemeClr val="tx1">
-                    <a:lumMod val="65000"/>
-                    <a:lumOff val="35000"/>
-                  </a:schemeClr>
-                </a:solidFill>
-                <a:latin typeface="Segoe UI" panose="020B0502040204020203" pitchFamily="34" charset="0"/>
-                <a:cs typeface="Segoe UI" panose="020B0502040204020203" pitchFamily="34" charset="0"/>
-              </a:rPr>
-              <a:t>Write to SQL</a:t>
-            </a:r>
-          </a:p>
-        </p:txBody>
-      </p:sp>
-      <p:pic>
-        <p:nvPicPr>
-          <p:cNvPr id="37" name="Picture 36">
-            <a:extLst>
-              <a:ext uri="{FF2B5EF4-FFF2-40B4-BE49-F238E27FC236}">
-                <a16:creationId xmlns:a16="http://schemas.microsoft.com/office/drawing/2014/main" id="{FF4340EE-E259-4530-8377-C3B5A533CAB0}"/>
-              </a:ext>
-            </a:extLst>
-          </p:cNvPr>
-          <p:cNvPicPr>
-            <a:picLocks noChangeAspect="1"/>
-          </p:cNvPicPr>
-          <p:nvPr/>
-        </p:nvPicPr>
-        <p:blipFill>
-          <a:blip r:embed="rId11"/>
-          <a:stretch>
-            <a:fillRect/>
-          </a:stretch>
-        </p:blipFill>
-        <p:spPr>
-          <a:xfrm>
-            <a:off x="6350924" y="3094076"/>
-            <a:ext cx="360000" cy="360000"/>
-          </a:xfrm>
-          <a:prstGeom prst="rect">
-            <a:avLst/>
-          </a:prstGeom>
-        </p:spPr>
-      </p:pic>
-      <p:sp>
-        <p:nvSpPr>
-          <p:cNvPr id="38" name="TextBox 37">
-            <a:extLst>
-              <a:ext uri="{FF2B5EF4-FFF2-40B4-BE49-F238E27FC236}">
-                <a16:creationId xmlns:a16="http://schemas.microsoft.com/office/drawing/2014/main" id="{AD25A02E-59B8-4972-A2D3-7B50ABE50DA2}"/>
-              </a:ext>
-            </a:extLst>
-          </p:cNvPr>
-          <p:cNvSpPr txBox="1"/>
-          <p:nvPr/>
-        </p:nvSpPr>
-        <p:spPr>
-          <a:xfrm>
-            <a:off x="6782495" y="3110394"/>
-            <a:ext cx="2129961" cy="276999"/>
-          </a:xfrm>
-          <a:prstGeom prst="rect">
-            <a:avLst/>
-          </a:prstGeom>
-          <a:noFill/>
-        </p:spPr>
-        <p:txBody>
-          <a:bodyPr wrap="square" rtlCol="0">
-            <a:spAutoFit/>
-          </a:bodyPr>
-          <a:lstStyle/>
-          <a:p>
-            <a:r>
-              <a:rPr lang="en-IE" sz="1200" dirty="0">
-                <a:solidFill>
-                  <a:schemeClr val="tx1">
-                    <a:lumMod val="65000"/>
-                    <a:lumOff val="35000"/>
-                  </a:schemeClr>
-                </a:solidFill>
-                <a:latin typeface="Segoe UI" panose="020B0502040204020203" pitchFamily="34" charset="0"/>
-                <a:cs typeface="Segoe UI" panose="020B0502040204020203" pitchFamily="34" charset="0"/>
-              </a:rPr>
-              <a:t>Computer Vision</a:t>
-            </a:r>
-          </a:p>
-        </p:txBody>
-      </p:sp>
-      <p:sp>
-        <p:nvSpPr>
-          <p:cNvPr id="39" name="Rectangle 38">
-            <a:extLst>
-              <a:ext uri="{FF2B5EF4-FFF2-40B4-BE49-F238E27FC236}">
-                <a16:creationId xmlns:a16="http://schemas.microsoft.com/office/drawing/2014/main" id="{903EAAE5-E362-4EDC-8FA6-B402020ED175}"/>
-              </a:ext>
-            </a:extLst>
-          </p:cNvPr>
-          <p:cNvSpPr/>
-          <p:nvPr/>
-        </p:nvSpPr>
-        <p:spPr>
-          <a:xfrm>
-            <a:off x="6782495" y="3513139"/>
-            <a:ext cx="2017556" cy="276999"/>
-          </a:xfrm>
-          <a:prstGeom prst="rect">
-            <a:avLst/>
-          </a:prstGeom>
-        </p:spPr>
-        <p:txBody>
-          <a:bodyPr wrap="square">
-            <a:spAutoFit/>
-          </a:bodyPr>
-          <a:lstStyle/>
-          <a:p>
-            <a:r>
-              <a:rPr lang="en-IE" sz="1200" dirty="0">
-                <a:solidFill>
-                  <a:schemeClr val="tx1">
-                    <a:lumMod val="65000"/>
-                    <a:lumOff val="35000"/>
-                  </a:schemeClr>
-                </a:solidFill>
-                <a:latin typeface="Segoe UI" panose="020B0502040204020203" pitchFamily="34" charset="0"/>
-                <a:cs typeface="Segoe UI" panose="020B0502040204020203" pitchFamily="34" charset="0"/>
-              </a:rPr>
-              <a:t>Write to SQL</a:t>
-            </a:r>
-          </a:p>
-        </p:txBody>
-      </p:sp>
-      <p:pic>
-        <p:nvPicPr>
-          <p:cNvPr id="40" name="Picture 39">
-            <a:extLst>
-              <a:ext uri="{FF2B5EF4-FFF2-40B4-BE49-F238E27FC236}">
-                <a16:creationId xmlns:a16="http://schemas.microsoft.com/office/drawing/2014/main" id="{6019F957-AA2B-4190-91A9-0D0EFD9D76B3}"/>
-              </a:ext>
-            </a:extLst>
-          </p:cNvPr>
-          <p:cNvPicPr>
-            <a:picLocks noChangeAspect="1"/>
-          </p:cNvPicPr>
-          <p:nvPr/>
-        </p:nvPicPr>
-        <p:blipFill>
-          <a:blip r:embed="rId4"/>
-          <a:stretch>
-            <a:fillRect/>
-          </a:stretch>
-        </p:blipFill>
-        <p:spPr>
-          <a:xfrm>
-            <a:off x="6350924" y="3513139"/>
-            <a:ext cx="360000" cy="360000"/>
-          </a:xfrm>
-          <a:prstGeom prst="rect">
-            <a:avLst/>
-          </a:prstGeom>
-        </p:spPr>
-      </p:pic>
       <p:sp>
         <p:nvSpPr>
           <p:cNvPr id="41" name="TextBox 40">
@@ -10461,15 +10341,15 @@
           </p:cNvPr>
           <p:cNvCxnSpPr>
             <a:cxnSpLocks/>
-            <a:stCxn id="18" idx="2"/>
+            <a:stCxn id="26" idx="2"/>
             <a:endCxn id="5" idx="0"/>
           </p:cNvCxnSpPr>
           <p:nvPr/>
         </p:nvCxnSpPr>
         <p:spPr>
           <a:xfrm rot="16200000" flipH="1">
-            <a:off x="4392629" y="2190063"/>
-            <a:ext cx="1684616" cy="3675154"/>
+            <a:off x="4390530" y="2187964"/>
+            <a:ext cx="1680204" cy="3683763"/>
           </a:xfrm>
           <a:prstGeom prst="curvedConnector3">
             <a:avLst>
@@ -10512,15 +10392,15 @@
           </p:cNvPr>
           <p:cNvCxnSpPr>
             <a:cxnSpLocks/>
-            <a:stCxn id="40" idx="2"/>
+            <a:stCxn id="63" idx="2"/>
             <a:endCxn id="5" idx="0"/>
           </p:cNvCxnSpPr>
           <p:nvPr/>
         </p:nvCxnSpPr>
         <p:spPr>
           <a:xfrm rot="16200000" flipH="1">
-            <a:off x="6303315" y="4100748"/>
-            <a:ext cx="996809" cy="541590"/>
+            <a:off x="6292044" y="4089478"/>
+            <a:ext cx="1021552" cy="539388"/>
           </a:xfrm>
           <a:prstGeom prst="curvedConnector3">
             <a:avLst>
@@ -10671,7 +10551,7 @@
           <p:nvPr/>
         </p:nvPicPr>
         <p:blipFill>
-          <a:blip r:embed="rId12"/>
+          <a:blip r:embed="rId10"/>
           <a:stretch>
             <a:fillRect/>
           </a:stretch>
@@ -10708,7 +10588,7 @@
           <p:nvPr/>
         </p:nvPicPr>
         <p:blipFill>
-          <a:blip r:embed="rId12"/>
+          <a:blip r:embed="rId10"/>
           <a:stretch>
             <a:fillRect/>
           </a:stretch>
@@ -10745,13 +10625,13 @@
           <p:nvPr/>
         </p:nvPicPr>
         <p:blipFill>
-          <a:blip r:embed="rId13">
+          <a:blip r:embed="rId11">
             <a:extLst>
               <a:ext uri="{28A0092B-C50C-407E-A947-70E740481C1C}">
                 <a14:useLocalDpi xmlns:a14="http://schemas.microsoft.com/office/drawing/2010/main" val="0"/>
               </a:ext>
               <a:ext uri="{96DAC541-7B7A-43D3-8B79-37D633B846F1}">
-                <asvg:svgBlip xmlns:asvg="http://schemas.microsoft.com/office/drawing/2016/SVG/main" r:embed="rId14"/>
+                <asvg:svgBlip xmlns:asvg="http://schemas.microsoft.com/office/drawing/2016/SVG/main" r:embed="rId12"/>
               </a:ext>
             </a:extLst>
           </a:blip>
@@ -10784,13 +10664,13 @@
           <p:nvPr/>
         </p:nvPicPr>
         <p:blipFill>
-          <a:blip r:embed="rId13" cstate="print">
+          <a:blip r:embed="rId11" cstate="print">
             <a:extLst>
               <a:ext uri="{28A0092B-C50C-407E-A947-70E740481C1C}">
                 <a14:useLocalDpi xmlns:a14="http://schemas.microsoft.com/office/drawing/2010/main" val="0"/>
               </a:ext>
               <a:ext uri="{96DAC541-7B7A-43D3-8B79-37D633B846F1}">
-                <asvg:svgBlip xmlns:asvg="http://schemas.microsoft.com/office/drawing/2016/SVG/main" r:embed="rId14"/>
+                <asvg:svgBlip xmlns:asvg="http://schemas.microsoft.com/office/drawing/2016/SVG/main" r:embed="rId12"/>
               </a:ext>
             </a:extLst>
           </a:blip>
@@ -10823,7 +10703,7 @@
           <p:nvPr/>
         </p:nvPicPr>
         <p:blipFill>
-          <a:blip r:embed="rId15"/>
+          <a:blip r:embed="rId13"/>
           <a:stretch>
             <a:fillRect/>
           </a:stretch>
@@ -10853,13 +10733,13 @@
           <p:nvPr/>
         </p:nvPicPr>
         <p:blipFill>
-          <a:blip r:embed="rId16" cstate="print">
+          <a:blip r:embed="rId14" cstate="print">
             <a:extLst>
               <a:ext uri="{28A0092B-C50C-407E-A947-70E740481C1C}">
                 <a14:useLocalDpi xmlns:a14="http://schemas.microsoft.com/office/drawing/2010/main" val="0"/>
               </a:ext>
               <a:ext uri="{96DAC541-7B7A-43D3-8B79-37D633B846F1}">
-                <asvg:svgBlip xmlns:asvg="http://schemas.microsoft.com/office/drawing/2016/SVG/main" r:embed="rId17"/>
+                <asvg:svgBlip xmlns:asvg="http://schemas.microsoft.com/office/drawing/2016/SVG/main" r:embed="rId15"/>
               </a:ext>
             </a:extLst>
           </a:blip>
@@ -10921,6 +10801,162 @@
           </a:p>
         </p:txBody>
       </p:sp>
+      <p:pic>
+        <p:nvPicPr>
+          <p:cNvPr id="9" name="Graphic 8">
+            <a:extLst>
+              <a:ext uri="{FF2B5EF4-FFF2-40B4-BE49-F238E27FC236}">
+                <a16:creationId xmlns:a16="http://schemas.microsoft.com/office/drawing/2014/main" id="{115FF5D9-F835-412B-87EE-979C7341EECE}"/>
+              </a:ext>
+            </a:extLst>
+          </p:cNvPr>
+          <p:cNvPicPr>
+            <a:picLocks noChangeAspect="1"/>
+          </p:cNvPicPr>
+          <p:nvPr/>
+        </p:nvPicPr>
+        <p:blipFill>
+          <a:blip r:embed="rId16">
+            <a:extLst>
+              <a:ext uri="{28A0092B-C50C-407E-A947-70E740481C1C}">
+                <a14:useLocalDpi xmlns:a14="http://schemas.microsoft.com/office/drawing/2010/main" val="0"/>
+              </a:ext>
+              <a:ext uri="{96DAC541-7B7A-43D3-8B79-37D633B846F1}">
+                <asvg:svgBlip xmlns:asvg="http://schemas.microsoft.com/office/drawing/2016/SVG/main" r:embed="rId17"/>
+              </a:ext>
+            </a:extLst>
+          </a:blip>
+          <a:stretch>
+            <a:fillRect/>
+          </a:stretch>
+        </p:blipFill>
+        <p:spPr>
+          <a:xfrm>
+            <a:off x="3236046" y="2093546"/>
+            <a:ext cx="324000" cy="324000"/>
+          </a:xfrm>
+          <a:prstGeom prst="rect">
+            <a:avLst/>
+          </a:prstGeom>
+        </p:spPr>
+      </p:pic>
+      <p:pic>
+        <p:nvPicPr>
+          <p:cNvPr id="26" name="Graphic 25">
+            <a:extLst>
+              <a:ext uri="{FF2B5EF4-FFF2-40B4-BE49-F238E27FC236}">
+                <a16:creationId xmlns:a16="http://schemas.microsoft.com/office/drawing/2014/main" id="{C0E0FA42-6AC5-470C-A1A6-0BDE896F3F65}"/>
+              </a:ext>
+            </a:extLst>
+          </p:cNvPr>
+          <p:cNvPicPr>
+            <a:picLocks noChangeAspect="1"/>
+          </p:cNvPicPr>
+          <p:nvPr/>
+        </p:nvPicPr>
+        <p:blipFill>
+          <a:blip r:embed="rId18">
+            <a:extLst>
+              <a:ext uri="{28A0092B-C50C-407E-A947-70E740481C1C}">
+                <a14:useLocalDpi xmlns:a14="http://schemas.microsoft.com/office/drawing/2010/main" val="0"/>
+              </a:ext>
+              <a:ext uri="{96DAC541-7B7A-43D3-8B79-37D633B846F1}">
+                <asvg:svgBlip xmlns:asvg="http://schemas.microsoft.com/office/drawing/2016/SVG/main" r:embed="rId19"/>
+              </a:ext>
+            </a:extLst>
+          </a:blip>
+          <a:stretch>
+            <a:fillRect/>
+          </a:stretch>
+        </p:blipFill>
+        <p:spPr>
+          <a:xfrm>
+            <a:off x="3226751" y="2865744"/>
+            <a:ext cx="324000" cy="324000"/>
+          </a:xfrm>
+          <a:prstGeom prst="rect">
+            <a:avLst/>
+          </a:prstGeom>
+        </p:spPr>
+      </p:pic>
+      <p:pic>
+        <p:nvPicPr>
+          <p:cNvPr id="61" name="Graphic 60">
+            <a:extLst>
+              <a:ext uri="{FF2B5EF4-FFF2-40B4-BE49-F238E27FC236}">
+                <a16:creationId xmlns:a16="http://schemas.microsoft.com/office/drawing/2014/main" id="{34C9A095-F8C2-4534-A789-9522069BA09B}"/>
+              </a:ext>
+            </a:extLst>
+          </p:cNvPr>
+          <p:cNvPicPr>
+            <a:picLocks noChangeAspect="1"/>
+          </p:cNvPicPr>
+          <p:nvPr/>
+        </p:nvPicPr>
+        <p:blipFill>
+          <a:blip r:embed="rId18">
+            <a:extLst>
+              <a:ext uri="{28A0092B-C50C-407E-A947-70E740481C1C}">
+                <a14:useLocalDpi xmlns:a14="http://schemas.microsoft.com/office/drawing/2010/main" val="0"/>
+              </a:ext>
+              <a:ext uri="{96DAC541-7B7A-43D3-8B79-37D633B846F1}">
+                <asvg:svgBlip xmlns:asvg="http://schemas.microsoft.com/office/drawing/2016/SVG/main" r:embed="rId19"/>
+              </a:ext>
+            </a:extLst>
+          </a:blip>
+          <a:stretch>
+            <a:fillRect/>
+          </a:stretch>
+        </p:blipFill>
+        <p:spPr>
+          <a:xfrm>
+            <a:off x="6375175" y="2242370"/>
+            <a:ext cx="324000" cy="324000"/>
+          </a:xfrm>
+          <a:prstGeom prst="rect">
+            <a:avLst/>
+          </a:prstGeom>
+        </p:spPr>
+      </p:pic>
+      <p:pic>
+        <p:nvPicPr>
+          <p:cNvPr id="63" name="Graphic 62">
+            <a:extLst>
+              <a:ext uri="{FF2B5EF4-FFF2-40B4-BE49-F238E27FC236}">
+                <a16:creationId xmlns:a16="http://schemas.microsoft.com/office/drawing/2014/main" id="{01EA63B9-C65B-48C7-8F29-3C720299FB28}"/>
+              </a:ext>
+            </a:extLst>
+          </p:cNvPr>
+          <p:cNvPicPr>
+            <a:picLocks noChangeAspect="1"/>
+          </p:cNvPicPr>
+          <p:nvPr/>
+        </p:nvPicPr>
+        <p:blipFill>
+          <a:blip r:embed="rId18">
+            <a:extLst>
+              <a:ext uri="{28A0092B-C50C-407E-A947-70E740481C1C}">
+                <a14:useLocalDpi xmlns:a14="http://schemas.microsoft.com/office/drawing/2010/main" val="0"/>
+              </a:ext>
+              <a:ext uri="{96DAC541-7B7A-43D3-8B79-37D633B846F1}">
+                <asvg:svgBlip xmlns:asvg="http://schemas.microsoft.com/office/drawing/2016/SVG/main" r:embed="rId19"/>
+              </a:ext>
+            </a:extLst>
+          </a:blip>
+          <a:stretch>
+            <a:fillRect/>
+          </a:stretch>
+        </p:blipFill>
+        <p:spPr>
+          <a:xfrm>
+            <a:off x="6371126" y="3524396"/>
+            <a:ext cx="324000" cy="324000"/>
+          </a:xfrm>
+          <a:prstGeom prst="rect">
+            <a:avLst/>
+          </a:prstGeom>
+        </p:spPr>
+      </p:pic>
     </p:spTree>
     <p:extLst>
       <p:ext uri="{BB962C8B-B14F-4D97-AF65-F5344CB8AC3E}">
@@ -11951,21 +11987,6 @@
 </file>
 
 <file path=customXml/item1.xml><?xml version="1.0" encoding="utf-8"?>
-<p:properties xmlns:p="http://schemas.microsoft.com/office/2006/metadata/properties" xmlns:xsi="http://www.w3.org/2001/XMLSchema-instance" xmlns:pc="http://schemas.microsoft.com/office/infopath/2007/PartnerControls">
-  <documentManagement/>
-</p:properties>
-</file>
-
-<file path=customXml/item2.xml><?xml version="1.0" encoding="utf-8"?>
-<?mso-contentType ?>
-<FormTemplates xmlns="http://schemas.microsoft.com/sharepoint/v3/contenttype/forms">
-  <Display>DocumentLibraryForm</Display>
-  <Edit>DocumentLibraryForm</Edit>
-  <New>DocumentLibraryForm</New>
-</FormTemplates>
-</file>
-
-<file path=customXml/item3.xml><?xml version="1.0" encoding="utf-8"?>
 <ct:contentTypeSchema xmlns:ct="http://schemas.microsoft.com/office/2006/metadata/contentType" xmlns:ma="http://schemas.microsoft.com/office/2006/metadata/properties/metaAttributes" ct:_="" ma:_="" ma:contentTypeName="Document" ma:contentTypeID="0x010100C06DE69A4F4BF842879CBB58309FEB35" ma:contentTypeVersion="10" ma:contentTypeDescription="Create a new document." ma:contentTypeScope="" ma:versionID="2186611467dfd53204e79c9641488a9c">
   <xsd:schema xmlns:xsd="http://www.w3.org/2001/XMLSchema" xmlns:xs="http://www.w3.org/2001/XMLSchema" xmlns:p="http://schemas.microsoft.com/office/2006/metadata/properties" xmlns:ns2="12d2731f-cf8f-4a67-b1ff-7d98a1aee283" xmlns:ns3="c353b6c8-18ed-4b56-a5c5-6495e55a9c15" targetNamespace="http://schemas.microsoft.com/office/2006/metadata/properties" ma:root="true" ma:fieldsID="d8b4bb9d5ba4a874382a27d5d1ce83b4" ns2:_="" ns3:_="">
     <xsd:import namespace="12d2731f-cf8f-4a67-b1ff-7d98a1aee283"/>
@@ -12168,32 +12189,22 @@
 </ct:contentTypeSchema>
 </file>
 
-<file path=customXml/itemProps1.xml><?xml version="1.0" encoding="utf-8"?>
-<ds:datastoreItem xmlns:ds="http://schemas.openxmlformats.org/officeDocument/2006/customXml" ds:itemID="{A2AA3CB1-2443-4FA1-815D-951C2BDC7424}">
-  <ds:schemaRefs>
-    <ds:schemaRef ds:uri="http://schemas.microsoft.com/office/2006/documentManagement/types"/>
-    <ds:schemaRef ds:uri="http://purl.org/dc/elements/1.1/"/>
-    <ds:schemaRef ds:uri="http://www.w3.org/XML/1998/namespace"/>
-    <ds:schemaRef ds:uri="12d2731f-cf8f-4a67-b1ff-7d98a1aee283"/>
-    <ds:schemaRef ds:uri="http://schemas.microsoft.com/office/infopath/2007/PartnerControls"/>
-    <ds:schemaRef ds:uri="http://purl.org/dc/terms/"/>
-    <ds:schemaRef ds:uri="http://purl.org/dc/dcmitype/"/>
-    <ds:schemaRef ds:uri="c353b6c8-18ed-4b56-a5c5-6495e55a9c15"/>
-    <ds:schemaRef ds:uri="http://schemas.openxmlformats.org/package/2006/metadata/core-properties"/>
-    <ds:schemaRef ds:uri="http://schemas.microsoft.com/office/2006/metadata/properties"/>
-  </ds:schemaRefs>
-</ds:datastoreItem>
+<file path=customXml/item2.xml><?xml version="1.0" encoding="utf-8"?>
+<?mso-contentType ?>
+<FormTemplates xmlns="http://schemas.microsoft.com/sharepoint/v3/contenttype/forms">
+  <Display>DocumentLibraryForm</Display>
+  <Edit>DocumentLibraryForm</Edit>
+  <New>DocumentLibraryForm</New>
+</FormTemplates>
 </file>
 
-<file path=customXml/itemProps2.xml><?xml version="1.0" encoding="utf-8"?>
-<ds:datastoreItem xmlns:ds="http://schemas.openxmlformats.org/officeDocument/2006/customXml" ds:itemID="{10C75660-6496-4BAB-8878-FA53D17BE5D9}">
-  <ds:schemaRefs>
-    <ds:schemaRef ds:uri="http://schemas.microsoft.com/sharepoint/v3/contenttype/forms"/>
-  </ds:schemaRefs>
-</ds:datastoreItem>
+<file path=customXml/item3.xml><?xml version="1.0" encoding="utf-8"?>
+<p:properties xmlns:p="http://schemas.microsoft.com/office/2006/metadata/properties" xmlns:xsi="http://www.w3.org/2001/XMLSchema-instance" xmlns:pc="http://schemas.microsoft.com/office/infopath/2007/PartnerControls">
+  <documentManagement/>
+</p:properties>
 </file>
 
-<file path=customXml/itemProps3.xml><?xml version="1.0" encoding="utf-8"?>
+<file path=customXml/itemProps1.xml><?xml version="1.0" encoding="utf-8"?>
 <ds:datastoreItem xmlns:ds="http://schemas.openxmlformats.org/officeDocument/2006/customXml" ds:itemID="{A531BB72-B9A7-4BD7-BFB1-AC10A5517624}">
   <ds:schemaRefs>
     <ds:schemaRef ds:uri="http://schemas.microsoft.com/office/2006/metadata/contentType"/>
@@ -12210,4 +12221,29 @@
     <ds:schemaRef ds:uri="http://schemas.microsoft.com/internal/obd"/>
   </ds:schemaRefs>
 </ds:datastoreItem>
+</file>
+
+<file path=customXml/itemProps2.xml><?xml version="1.0" encoding="utf-8"?>
+<ds:datastoreItem xmlns:ds="http://schemas.openxmlformats.org/officeDocument/2006/customXml" ds:itemID="{10C75660-6496-4BAB-8878-FA53D17BE5D9}">
+  <ds:schemaRefs>
+    <ds:schemaRef ds:uri="http://schemas.microsoft.com/sharepoint/v3/contenttype/forms"/>
+  </ds:schemaRefs>
+</ds:datastoreItem>
+</file>
+
+<file path=customXml/itemProps3.xml><?xml version="1.0" encoding="utf-8"?>
+<ds:datastoreItem xmlns:ds="http://schemas.openxmlformats.org/officeDocument/2006/customXml" ds:itemID="{A2AA3CB1-2443-4FA1-815D-951C2BDC7424}">
+  <ds:schemaRefs>
+    <ds:schemaRef ds:uri="http://schemas.microsoft.com/office/2006/documentManagement/types"/>
+    <ds:schemaRef ds:uri="http://purl.org/dc/elements/1.1/"/>
+    <ds:schemaRef ds:uri="http://www.w3.org/XML/1998/namespace"/>
+    <ds:schemaRef ds:uri="12d2731f-cf8f-4a67-b1ff-7d98a1aee283"/>
+    <ds:schemaRef ds:uri="http://schemas.microsoft.com/office/infopath/2007/PartnerControls"/>
+    <ds:schemaRef ds:uri="http://purl.org/dc/terms/"/>
+    <ds:schemaRef ds:uri="http://purl.org/dc/dcmitype/"/>
+    <ds:schemaRef ds:uri="c353b6c8-18ed-4b56-a5c5-6495e55a9c15"/>
+    <ds:schemaRef ds:uri="http://schemas.openxmlformats.org/package/2006/metadata/core-properties"/>
+    <ds:schemaRef ds:uri="http://schemas.microsoft.com/office/2006/metadata/properties"/>
+  </ds:schemaRefs>
+</ds:datastoreItem>
 </file>
--- a/Power Automate Image Analytics/Power Automate Image Analytics.pptx
+++ b/Power Automate Image Analytics/Power Automate Image Analytics.pptx
@@ -208,7 +208,7 @@
           <a:p>
             <a:fld id="{34B5C9CA-2D5F-447E-9B79-C98CB45DDD68}" type="datetimeFigureOut">
               <a:rPr lang="en-US" smtClean="0"/>
-              <a:t>3/12/2021</a:t>
+              <a:t>9/2/2022</a:t>
             </a:fld>
             <a:endParaRPr lang="en-US"/>
           </a:p>
@@ -373,7 +373,7 @@
           <a:p>
             <a:fld id="{9FBB69ED-36D7-4532-B7E1-AEDC9E37F886}" type="datetimeFigureOut">
               <a:rPr lang="en-US" smtClean="0"/>
-              <a:t>3/12/2021</a:t>
+              <a:t>9/2/2022</a:t>
             </a:fld>
             <a:endParaRPr lang="en-US"/>
           </a:p>
@@ -8072,7 +8072,7 @@
                 <a:latin typeface="Segoe UI" panose="020B0502040204020203" pitchFamily="34" charset="0"/>
                 <a:cs typeface="Segoe UI" panose="020B0502040204020203" pitchFamily="34" charset="0"/>
               </a:rPr>
-              <a:t>No Politics Please </a:t>
+              <a:t>No Politics/Provocative Please </a:t>
             </a:r>
             <a:r>
               <a:rPr lang="en-IE" sz="2400" dirty="0">
@@ -12190,18 +12190,18 @@
 </file>
 
 <file path=customXml/item2.xml><?xml version="1.0" encoding="utf-8"?>
+<p:properties xmlns:p="http://schemas.microsoft.com/office/2006/metadata/properties" xmlns:xsi="http://www.w3.org/2001/XMLSchema-instance" xmlns:pc="http://schemas.microsoft.com/office/infopath/2007/PartnerControls">
+  <documentManagement/>
+</p:properties>
+</file>
+
+<file path=customXml/item3.xml><?xml version="1.0" encoding="utf-8"?>
 <?mso-contentType ?>
 <FormTemplates xmlns="http://schemas.microsoft.com/sharepoint/v3/contenttype/forms">
   <Display>DocumentLibraryForm</Display>
   <Edit>DocumentLibraryForm</Edit>
   <New>DocumentLibraryForm</New>
 </FormTemplates>
-</file>
-
-<file path=customXml/item3.xml><?xml version="1.0" encoding="utf-8"?>
-<p:properties xmlns:p="http://schemas.microsoft.com/office/2006/metadata/properties" xmlns:xsi="http://www.w3.org/2001/XMLSchema-instance" xmlns:pc="http://schemas.microsoft.com/office/infopath/2007/PartnerControls">
-  <documentManagement/>
-</p:properties>
 </file>
 
 <file path=customXml/itemProps1.xml><?xml version="1.0" encoding="utf-8"?>
@@ -12224,14 +12224,6 @@
 </file>
 
 <file path=customXml/itemProps2.xml><?xml version="1.0" encoding="utf-8"?>
-<ds:datastoreItem xmlns:ds="http://schemas.openxmlformats.org/officeDocument/2006/customXml" ds:itemID="{10C75660-6496-4BAB-8878-FA53D17BE5D9}">
-  <ds:schemaRefs>
-    <ds:schemaRef ds:uri="http://schemas.microsoft.com/sharepoint/v3/contenttype/forms"/>
-  </ds:schemaRefs>
-</ds:datastoreItem>
-</file>
-
-<file path=customXml/itemProps3.xml><?xml version="1.0" encoding="utf-8"?>
 <ds:datastoreItem xmlns:ds="http://schemas.openxmlformats.org/officeDocument/2006/customXml" ds:itemID="{A2AA3CB1-2443-4FA1-815D-951C2BDC7424}">
   <ds:schemaRefs>
     <ds:schemaRef ds:uri="http://schemas.microsoft.com/office/2006/documentManagement/types"/>
@@ -12246,4 +12238,12 @@
     <ds:schemaRef ds:uri="http://schemas.microsoft.com/office/2006/metadata/properties"/>
   </ds:schemaRefs>
 </ds:datastoreItem>
+</file>
+
+<file path=customXml/itemProps3.xml><?xml version="1.0" encoding="utf-8"?>
+<ds:datastoreItem xmlns:ds="http://schemas.openxmlformats.org/officeDocument/2006/customXml" ds:itemID="{10C75660-6496-4BAB-8878-FA53D17BE5D9}">
+  <ds:schemaRefs>
+    <ds:schemaRef ds:uri="http://schemas.microsoft.com/sharepoint/v3/contenttype/forms"/>
+  </ds:schemaRefs>
+</ds:datastoreItem>
 </file>